--- a/doc/figure.pptx
+++ b/doc/figure.pptx
@@ -6,6 +6,7 @@
   </p:sldMasterIdLst>
   <p:sldIdLst>
     <p:sldId id="256" r:id="rId3"/>
+    <p:sldId id="258" r:id="rId4"/>
   </p:sldIdLst>
   <p:sldSz cx="12192000" cy="6858000"/>
   <p:notesSz cx="6858000" cy="9144000"/>
@@ -2914,6 +2915,8801 @@
         <p:nvPr/>
       </p:nvGrpSpPr>
       <p:grpSpPr/>
+      <p:grpSp>
+        <p:nvGrpSpPr>
+          <p:cNvPr id="351" name="Group 350"/>
+          <p:cNvGrpSpPr/>
+          <p:nvPr/>
+        </p:nvGrpSpPr>
+        <p:grpSpPr>
+          <a:xfrm>
+            <a:off x="3201035" y="817880"/>
+            <a:ext cx="5942330" cy="4778375"/>
+            <a:chOff x="916" y="1333"/>
+            <a:chExt cx="9358" cy="7525"/>
+          </a:xfrm>
+        </p:grpSpPr>
+        <p:grpSp>
+          <p:nvGrpSpPr>
+            <p:cNvPr id="27" name="Group 26"/>
+            <p:cNvGrpSpPr/>
+            <p:nvPr/>
+          </p:nvGrpSpPr>
+          <p:grpSpPr>
+            <a:xfrm rot="0">
+              <a:off x="916" y="1333"/>
+              <a:ext cx="2084" cy="1823"/>
+              <a:chOff x="1975" y="1054"/>
+              <a:chExt cx="2084" cy="1823"/>
+            </a:xfrm>
+          </p:grpSpPr>
+          <p:sp>
+            <p:nvSpPr>
+              <p:cNvPr id="13" name="Parallelogram 12"/>
+              <p:cNvSpPr/>
+              <p:nvPr/>
+            </p:nvSpPr>
+            <p:spPr>
+              <a:xfrm rot="5400000" flipV="1">
+                <a:off x="1777" y="1918"/>
+                <a:ext cx="1213" cy="705"/>
+              </a:xfrm>
+              <a:prstGeom prst="parallelogram">
+                <a:avLst/>
+              </a:prstGeom>
+              <a:solidFill>
+                <a:srgbClr val="00B0F0"/>
+              </a:solidFill>
+              <a:ln>
+                <a:noFill/>
+              </a:ln>
+              <a:effectLst>
+                <a:outerShdw blurRad="50800" dist="38100" dir="8100000" algn="tr" rotWithShape="0">
+                  <a:prstClr val="black">
+                    <a:alpha val="40000"/>
+                  </a:prstClr>
+                </a:outerShdw>
+              </a:effectLst>
+            </p:spPr>
+            <p:style>
+              <a:lnRef idx="2">
+                <a:schemeClr val="accent1">
+                  <a:shade val="50000"/>
+                </a:schemeClr>
+              </a:lnRef>
+              <a:fillRef idx="1">
+                <a:schemeClr val="accent1"/>
+              </a:fillRef>
+              <a:effectRef idx="0">
+                <a:schemeClr val="accent1"/>
+              </a:effectRef>
+              <a:fontRef idx="minor">
+                <a:schemeClr val="lt1"/>
+              </a:fontRef>
+            </p:style>
+            <p:txBody>
+              <a:bodyPr rtlCol="0" anchor="ctr"/>
+              <a:p>
+                <a:pPr algn="ctr"/>
+                <a:endParaRPr lang="en-US"/>
+              </a:p>
+            </p:txBody>
+          </p:sp>
+          <p:sp>
+            <p:nvSpPr>
+              <p:cNvPr id="14" name="Parallelogram 13"/>
+              <p:cNvSpPr/>
+              <p:nvPr/>
+            </p:nvSpPr>
+            <p:spPr>
+              <a:xfrm rot="5400000" flipV="1">
+                <a:off x="2106" y="1918"/>
+                <a:ext cx="1213" cy="705"/>
+              </a:xfrm>
+              <a:prstGeom prst="parallelogram">
+                <a:avLst/>
+              </a:prstGeom>
+              <a:solidFill>
+                <a:srgbClr val="00B0F0"/>
+              </a:solidFill>
+              <a:ln>
+                <a:noFill/>
+              </a:ln>
+              <a:effectLst>
+                <a:outerShdw blurRad="50800" dist="38100" dir="8100000" algn="tr" rotWithShape="0">
+                  <a:prstClr val="black">
+                    <a:alpha val="40000"/>
+                  </a:prstClr>
+                </a:outerShdw>
+              </a:effectLst>
+            </p:spPr>
+            <p:style>
+              <a:lnRef idx="2">
+                <a:schemeClr val="accent1">
+                  <a:shade val="50000"/>
+                </a:schemeClr>
+              </a:lnRef>
+              <a:fillRef idx="1">
+                <a:schemeClr val="accent1"/>
+              </a:fillRef>
+              <a:effectRef idx="0">
+                <a:schemeClr val="accent1"/>
+              </a:effectRef>
+              <a:fontRef idx="minor">
+                <a:schemeClr val="lt1"/>
+              </a:fontRef>
+            </p:style>
+            <p:txBody>
+              <a:bodyPr rtlCol="0" anchor="ctr"/>
+              <a:p>
+                <a:pPr algn="ctr"/>
+                <a:endParaRPr lang="en-US"/>
+              </a:p>
+            </p:txBody>
+          </p:sp>
+          <p:sp>
+            <p:nvSpPr>
+              <p:cNvPr id="15" name="Parallelogram 14"/>
+              <p:cNvSpPr/>
+              <p:nvPr/>
+            </p:nvSpPr>
+            <p:spPr>
+              <a:xfrm rot="5400000" flipV="1">
+                <a:off x="2430" y="1918"/>
+                <a:ext cx="1213" cy="705"/>
+              </a:xfrm>
+              <a:prstGeom prst="parallelogram">
+                <a:avLst/>
+              </a:prstGeom>
+              <a:solidFill>
+                <a:srgbClr val="00B0F0"/>
+              </a:solidFill>
+              <a:ln>
+                <a:noFill/>
+              </a:ln>
+              <a:effectLst>
+                <a:outerShdw blurRad="50800" dist="38100" dir="8100000" algn="tr" rotWithShape="0">
+                  <a:prstClr val="black">
+                    <a:alpha val="40000"/>
+                  </a:prstClr>
+                </a:outerShdw>
+              </a:effectLst>
+            </p:spPr>
+            <p:style>
+              <a:lnRef idx="2">
+                <a:schemeClr val="accent1">
+                  <a:shade val="50000"/>
+                </a:schemeClr>
+              </a:lnRef>
+              <a:fillRef idx="1">
+                <a:schemeClr val="accent1"/>
+              </a:fillRef>
+              <a:effectRef idx="0">
+                <a:schemeClr val="accent1"/>
+              </a:effectRef>
+              <a:fontRef idx="minor">
+                <a:schemeClr val="lt1"/>
+              </a:fontRef>
+            </p:style>
+            <p:txBody>
+              <a:bodyPr rtlCol="0" anchor="ctr"/>
+              <a:p>
+                <a:pPr algn="ctr"/>
+                <a:endParaRPr lang="en-US"/>
+              </a:p>
+            </p:txBody>
+          </p:sp>
+          <p:sp>
+            <p:nvSpPr>
+              <p:cNvPr id="16" name="Parallelogram 15"/>
+              <p:cNvSpPr/>
+              <p:nvPr/>
+            </p:nvSpPr>
+            <p:spPr>
+              <a:xfrm rot="5400000" flipV="1">
+                <a:off x="2772" y="1918"/>
+                <a:ext cx="1213" cy="705"/>
+              </a:xfrm>
+              <a:prstGeom prst="parallelogram">
+                <a:avLst/>
+              </a:prstGeom>
+              <a:solidFill>
+                <a:srgbClr val="00B0F0"/>
+              </a:solidFill>
+              <a:ln>
+                <a:noFill/>
+              </a:ln>
+              <a:effectLst>
+                <a:outerShdw blurRad="50800" dist="38100" dir="8100000" algn="tr" rotWithShape="0">
+                  <a:prstClr val="black">
+                    <a:alpha val="40000"/>
+                  </a:prstClr>
+                </a:outerShdw>
+              </a:effectLst>
+            </p:spPr>
+            <p:style>
+              <a:lnRef idx="2">
+                <a:schemeClr val="accent1">
+                  <a:shade val="50000"/>
+                </a:schemeClr>
+              </a:lnRef>
+              <a:fillRef idx="1">
+                <a:schemeClr val="accent1"/>
+              </a:fillRef>
+              <a:effectRef idx="0">
+                <a:schemeClr val="accent1"/>
+              </a:effectRef>
+              <a:fontRef idx="minor">
+                <a:schemeClr val="lt1"/>
+              </a:fontRef>
+            </p:style>
+            <p:txBody>
+              <a:bodyPr rtlCol="0" anchor="ctr"/>
+              <a:p>
+                <a:pPr algn="ctr"/>
+                <a:endParaRPr lang="en-US"/>
+              </a:p>
+            </p:txBody>
+          </p:sp>
+          <p:sp>
+            <p:nvSpPr>
+              <p:cNvPr id="17" name="Parallelogram 16"/>
+              <p:cNvSpPr/>
+              <p:nvPr/>
+            </p:nvSpPr>
+            <p:spPr>
+              <a:xfrm rot="5400000" flipV="1">
+                <a:off x="3100" y="1918"/>
+                <a:ext cx="1213" cy="705"/>
+              </a:xfrm>
+              <a:prstGeom prst="parallelogram">
+                <a:avLst/>
+              </a:prstGeom>
+              <a:solidFill>
+                <a:srgbClr val="00B0F0"/>
+              </a:solidFill>
+              <a:ln>
+                <a:noFill/>
+              </a:ln>
+              <a:effectLst>
+                <a:outerShdw blurRad="50800" dist="38100" dir="8100000" algn="tr" rotWithShape="0">
+                  <a:prstClr val="black">
+                    <a:alpha val="40000"/>
+                  </a:prstClr>
+                </a:outerShdw>
+              </a:effectLst>
+            </p:spPr>
+            <p:style>
+              <a:lnRef idx="2">
+                <a:schemeClr val="accent1">
+                  <a:shade val="50000"/>
+                </a:schemeClr>
+              </a:lnRef>
+              <a:fillRef idx="1">
+                <a:schemeClr val="accent1"/>
+              </a:fillRef>
+              <a:effectRef idx="0">
+                <a:schemeClr val="accent1"/>
+              </a:effectRef>
+              <a:fontRef idx="minor">
+                <a:schemeClr val="lt1"/>
+              </a:fontRef>
+            </p:style>
+            <p:txBody>
+              <a:bodyPr rtlCol="0" anchor="ctr"/>
+              <a:p>
+                <a:pPr algn="ctr"/>
+                <a:endParaRPr lang="en-US"/>
+              </a:p>
+            </p:txBody>
+          </p:sp>
+          <p:sp>
+            <p:nvSpPr>
+              <p:cNvPr id="19" name="Text Box 18"/>
+              <p:cNvSpPr txBox="1"/>
+              <p:nvPr/>
+            </p:nvSpPr>
+            <p:spPr>
+              <a:xfrm>
+                <a:off x="1975" y="1230"/>
+                <a:ext cx="805" cy="434"/>
+              </a:xfrm>
+              <a:prstGeom prst="rect">
+                <a:avLst/>
+              </a:prstGeom>
+              <a:noFill/>
+              <a:ln>
+                <a:noFill/>
+              </a:ln>
+            </p:spPr>
+            <p:txBody>
+              <a:bodyPr wrap="square" rtlCol="0">
+                <a:spAutoFit/>
+              </a:bodyPr>
+              <a:p>
+                <a:r>
+                  <a:rPr lang="" altLang="en-US" sz="1200">
+                    <a:latin typeface="Times New Roman" panose="02020603050405020304" charset="0"/>
+                    <a:cs typeface="Times New Roman" panose="02020603050405020304" charset="0"/>
+                  </a:rPr>
+                  <a:t>T = 0</a:t>
+                </a:r>
+                <a:endParaRPr lang="" altLang="en-US" sz="1200">
+                  <a:latin typeface="Times New Roman" panose="02020603050405020304" charset="0"/>
+                  <a:cs typeface="Times New Roman" panose="02020603050405020304" charset="0"/>
+                </a:endParaRPr>
+              </a:p>
+            </p:txBody>
+          </p:sp>
+          <p:sp>
+            <p:nvSpPr>
+              <p:cNvPr id="20" name="Text Box 19"/>
+              <p:cNvSpPr txBox="1"/>
+              <p:nvPr/>
+            </p:nvSpPr>
+            <p:spPr>
+              <a:xfrm>
+                <a:off x="2793" y="1054"/>
+                <a:ext cx="588" cy="580"/>
+              </a:xfrm>
+              <a:prstGeom prst="rect">
+                <a:avLst/>
+              </a:prstGeom>
+              <a:noFill/>
+              <a:ln>
+                <a:noFill/>
+              </a:ln>
+            </p:spPr>
+            <p:txBody>
+              <a:bodyPr wrap="none" rtlCol="0">
+                <a:spAutoFit/>
+              </a:bodyPr>
+              <a:p>
+                <a:r>
+                  <a:rPr lang="" altLang="en-US"/>
+                  <a:t>...</a:t>
+                </a:r>
+                <a:endParaRPr lang="" altLang="en-US"/>
+              </a:p>
+            </p:txBody>
+          </p:sp>
+        </p:grpSp>
+        <p:sp>
+          <p:nvSpPr>
+            <p:cNvPr id="21" name="Text Box 20"/>
+            <p:cNvSpPr txBox="1"/>
+            <p:nvPr/>
+          </p:nvSpPr>
+          <p:spPr>
+            <a:xfrm>
+              <a:off x="2330" y="1509"/>
+              <a:ext cx="805" cy="434"/>
+            </a:xfrm>
+            <a:prstGeom prst="rect">
+              <a:avLst/>
+            </a:prstGeom>
+            <a:noFill/>
+          </p:spPr>
+          <p:txBody>
+            <a:bodyPr wrap="none" rtlCol="0">
+              <a:spAutoFit/>
+            </a:bodyPr>
+            <a:p>
+              <a:r>
+                <a:rPr lang="en-US" altLang="en-US" sz="1200">
+                  <a:latin typeface="Times New Roman" panose="02020603050405020304" charset="0"/>
+                  <a:cs typeface="Times New Roman" panose="02020603050405020304" charset="0"/>
+                </a:rPr>
+                <a:t>T = </a:t>
+              </a:r>
+              <a:r>
+                <a:rPr lang="" altLang="en-US" sz="1200">
+                  <a:latin typeface="Times New Roman" panose="02020603050405020304" charset="0"/>
+                  <a:cs typeface="Times New Roman" panose="02020603050405020304" charset="0"/>
+                </a:rPr>
+                <a:t>4</a:t>
+              </a:r>
+              <a:endParaRPr lang="" altLang="en-US" sz="1200">
+                <a:latin typeface="Times New Roman" panose="02020603050405020304" charset="0"/>
+                <a:cs typeface="Times New Roman" panose="02020603050405020304" charset="0"/>
+              </a:endParaRPr>
+            </a:p>
+          </p:txBody>
+        </p:sp>
+        <p:grpSp>
+          <p:nvGrpSpPr>
+            <p:cNvPr id="28" name="Group 27"/>
+            <p:cNvGrpSpPr/>
+            <p:nvPr/>
+          </p:nvGrpSpPr>
+          <p:grpSpPr>
+            <a:xfrm rot="0">
+              <a:off x="1014" y="6814"/>
+              <a:ext cx="2078" cy="1174"/>
+              <a:chOff x="1981" y="2974"/>
+              <a:chExt cx="2078" cy="1174"/>
+            </a:xfrm>
+          </p:grpSpPr>
+          <p:sp>
+            <p:nvSpPr>
+              <p:cNvPr id="18" name="Rectangle 17"/>
+              <p:cNvSpPr/>
+              <p:nvPr/>
+            </p:nvSpPr>
+            <p:spPr>
+              <a:xfrm>
+                <a:off x="1981" y="3360"/>
+                <a:ext cx="2078" cy="788"/>
+              </a:xfrm>
+              <a:prstGeom prst="rect">
+                <a:avLst/>
+              </a:prstGeom>
+              <a:solidFill>
+                <a:srgbClr val="FFC000"/>
+              </a:solidFill>
+              <a:ln>
+                <a:noFill/>
+              </a:ln>
+              <a:effectLst>
+                <a:outerShdw blurRad="50800" dist="38100" dir="8100000" algn="tr" rotWithShape="0">
+                  <a:prstClr val="black">
+                    <a:alpha val="40000"/>
+                  </a:prstClr>
+                </a:outerShdw>
+              </a:effectLst>
+            </p:spPr>
+            <p:style>
+              <a:lnRef idx="2">
+                <a:schemeClr val="accent1">
+                  <a:shade val="50000"/>
+                </a:schemeClr>
+              </a:lnRef>
+              <a:fillRef idx="1">
+                <a:schemeClr val="accent1"/>
+              </a:fillRef>
+              <a:effectRef idx="0">
+                <a:schemeClr val="accent1"/>
+              </a:effectRef>
+              <a:fontRef idx="minor">
+                <a:schemeClr val="lt1"/>
+              </a:fontRef>
+            </p:style>
+            <p:txBody>
+              <a:bodyPr rtlCol="0" anchor="ctr"/>
+              <a:p>
+                <a:pPr algn="ctr"/>
+                <a:endParaRPr lang="en-US"/>
+              </a:p>
+            </p:txBody>
+          </p:sp>
+          <p:sp>
+            <p:nvSpPr>
+              <p:cNvPr id="22" name="Text Box 21"/>
+              <p:cNvSpPr txBox="1"/>
+              <p:nvPr/>
+            </p:nvSpPr>
+            <p:spPr>
+              <a:xfrm>
+                <a:off x="2604" y="2974"/>
+                <a:ext cx="805" cy="434"/>
+              </a:xfrm>
+              <a:prstGeom prst="rect">
+                <a:avLst/>
+              </a:prstGeom>
+              <a:noFill/>
+            </p:spPr>
+            <p:txBody>
+              <a:bodyPr wrap="none" rtlCol="0">
+                <a:spAutoFit/>
+              </a:bodyPr>
+              <a:p>
+                <a:r>
+                  <a:rPr lang="en-US" altLang="en-US" sz="1200">
+                    <a:latin typeface="Times New Roman" panose="02020603050405020304" charset="0"/>
+                    <a:cs typeface="Times New Roman" panose="02020603050405020304" charset="0"/>
+                  </a:rPr>
+                  <a:t>T = 0</a:t>
+                </a:r>
+                <a:endParaRPr lang="en-US" altLang="en-US" sz="1200">
+                  <a:latin typeface="Times New Roman" panose="02020603050405020304" charset="0"/>
+                  <a:cs typeface="Times New Roman" panose="02020603050405020304" charset="0"/>
+                </a:endParaRPr>
+              </a:p>
+            </p:txBody>
+          </p:sp>
+        </p:grpSp>
+        <p:sp>
+          <p:nvSpPr>
+            <p:cNvPr id="23" name="Right Arrow 22"/>
+            <p:cNvSpPr/>
+            <p:nvPr/>
+          </p:nvSpPr>
+          <p:spPr>
+            <a:xfrm>
+              <a:off x="3704" y="2427"/>
+              <a:ext cx="785" cy="288"/>
+            </a:xfrm>
+            <a:prstGeom prst="rightArrow">
+              <a:avLst/>
+            </a:prstGeom>
+            <a:solidFill>
+              <a:srgbClr val="00B0F0"/>
+            </a:solidFill>
+            <a:ln>
+              <a:noFill/>
+            </a:ln>
+          </p:spPr>
+          <p:style>
+            <a:lnRef idx="2">
+              <a:schemeClr val="accent1">
+                <a:shade val="50000"/>
+              </a:schemeClr>
+            </a:lnRef>
+            <a:fillRef idx="1">
+              <a:schemeClr val="accent1"/>
+            </a:fillRef>
+            <a:effectRef idx="0">
+              <a:schemeClr val="accent1"/>
+            </a:effectRef>
+            <a:fontRef idx="minor">
+              <a:schemeClr val="lt1"/>
+            </a:fontRef>
+          </p:style>
+          <p:txBody>
+            <a:bodyPr rtlCol="0" anchor="ctr"/>
+            <a:p>
+              <a:pPr algn="ctr"/>
+              <a:endParaRPr lang="en-US"/>
+            </a:p>
+          </p:txBody>
+        </p:sp>
+        <p:sp>
+          <p:nvSpPr>
+            <p:cNvPr id="25" name="Text Box 24"/>
+            <p:cNvSpPr txBox="1"/>
+            <p:nvPr/>
+          </p:nvSpPr>
+          <p:spPr>
+            <a:xfrm>
+              <a:off x="1148" y="3331"/>
+              <a:ext cx="1529" cy="725"/>
+            </a:xfrm>
+            <a:prstGeom prst="rect">
+              <a:avLst/>
+            </a:prstGeom>
+            <a:noFill/>
+          </p:spPr>
+          <p:txBody>
+            <a:bodyPr wrap="none" rtlCol="0">
+              <a:spAutoFit/>
+            </a:bodyPr>
+            <a:p>
+              <a:pPr algn="ctr"/>
+              <a:r>
+                <a:rPr lang="" altLang="en-US" sz="1200">
+                  <a:latin typeface="Times New Roman" panose="02020603050405020304" charset="0"/>
+                  <a:cs typeface="Times New Roman" panose="02020603050405020304" charset="0"/>
+                </a:rPr>
+                <a:t>Multi-frame</a:t>
+              </a:r>
+              <a:endParaRPr lang="" altLang="en-US" sz="1200">
+                <a:latin typeface="Times New Roman" panose="02020603050405020304" charset="0"/>
+                <a:cs typeface="Times New Roman" panose="02020603050405020304" charset="0"/>
+              </a:endParaRPr>
+            </a:p>
+            <a:p>
+              <a:pPr algn="ctr"/>
+              <a:r>
+                <a:rPr lang="" altLang="en-US" sz="1200">
+                  <a:latin typeface="Times New Roman" panose="02020603050405020304" charset="0"/>
+                  <a:cs typeface="Times New Roman" panose="02020603050405020304" charset="0"/>
+                </a:rPr>
+                <a:t> point clouds</a:t>
+              </a:r>
+              <a:endParaRPr lang="" altLang="en-US" sz="1200">
+                <a:latin typeface="Times New Roman" panose="02020603050405020304" charset="0"/>
+                <a:cs typeface="Times New Roman" panose="02020603050405020304" charset="0"/>
+              </a:endParaRPr>
+            </a:p>
+          </p:txBody>
+        </p:sp>
+        <p:sp>
+          <p:nvSpPr>
+            <p:cNvPr id="26" name="Text Box 25"/>
+            <p:cNvSpPr txBox="1"/>
+            <p:nvPr/>
+          </p:nvSpPr>
+          <p:spPr>
+            <a:xfrm>
+              <a:off x="946" y="8111"/>
+              <a:ext cx="2171" cy="434"/>
+            </a:xfrm>
+            <a:prstGeom prst="rect">
+              <a:avLst/>
+            </a:prstGeom>
+            <a:noFill/>
+          </p:spPr>
+          <p:txBody>
+            <a:bodyPr wrap="none" rtlCol="0">
+              <a:spAutoFit/>
+            </a:bodyPr>
+            <a:p>
+              <a:r>
+                <a:rPr lang="" altLang="en-US" sz="1200">
+                  <a:latin typeface="Times New Roman" panose="02020603050405020304" charset="0"/>
+                  <a:cs typeface="Times New Roman" panose="02020603050405020304" charset="0"/>
+                </a:rPr>
+                <a:t>Single frame image</a:t>
+              </a:r>
+              <a:endParaRPr lang="" altLang="en-US" sz="1200">
+                <a:latin typeface="Times New Roman" panose="02020603050405020304" charset="0"/>
+                <a:cs typeface="Times New Roman" panose="02020603050405020304" charset="0"/>
+              </a:endParaRPr>
+            </a:p>
+          </p:txBody>
+        </p:sp>
+        <p:sp>
+          <p:nvSpPr>
+            <p:cNvPr id="29" name="Right Arrow 28"/>
+            <p:cNvSpPr/>
+            <p:nvPr/>
+          </p:nvSpPr>
+          <p:spPr>
+            <a:xfrm>
+              <a:off x="3448" y="7450"/>
+              <a:ext cx="892" cy="288"/>
+            </a:xfrm>
+            <a:prstGeom prst="rightArrow">
+              <a:avLst/>
+            </a:prstGeom>
+            <a:solidFill>
+              <a:srgbClr val="FFC000"/>
+            </a:solidFill>
+            <a:ln>
+              <a:noFill/>
+            </a:ln>
+          </p:spPr>
+          <p:style>
+            <a:lnRef idx="2">
+              <a:schemeClr val="accent1">
+                <a:shade val="50000"/>
+              </a:schemeClr>
+            </a:lnRef>
+            <a:fillRef idx="1">
+              <a:schemeClr val="accent1"/>
+            </a:fillRef>
+            <a:effectRef idx="0">
+              <a:schemeClr val="accent1"/>
+            </a:effectRef>
+            <a:fontRef idx="minor">
+              <a:schemeClr val="lt1"/>
+            </a:fontRef>
+          </p:style>
+          <p:txBody>
+            <a:bodyPr rtlCol="0" anchor="ctr"/>
+            <a:p>
+              <a:pPr algn="ctr"/>
+              <a:endParaRPr lang="en-US"/>
+            </a:p>
+          </p:txBody>
+        </p:sp>
+        <p:sp>
+          <p:nvSpPr>
+            <p:cNvPr id="30" name="Cube 29"/>
+            <p:cNvSpPr/>
+            <p:nvPr/>
+          </p:nvSpPr>
+          <p:spPr>
+            <a:xfrm>
+              <a:off x="5144" y="1968"/>
+              <a:ext cx="1816" cy="1121"/>
+            </a:xfrm>
+            <a:prstGeom prst="cube">
+              <a:avLst>
+                <a:gd name="adj" fmla="val 13436"/>
+              </a:avLst>
+            </a:prstGeom>
+            <a:solidFill>
+              <a:srgbClr val="00B0F0"/>
+            </a:solidFill>
+            <a:ln>
+              <a:solidFill>
+                <a:srgbClr val="00B0F0"/>
+              </a:solidFill>
+            </a:ln>
+            <a:effectLst>
+              <a:outerShdw blurRad="50800" dist="38100" dir="8100000" algn="tr" rotWithShape="0">
+                <a:prstClr val="black">
+                  <a:alpha val="40000"/>
+                </a:prstClr>
+              </a:outerShdw>
+            </a:effectLst>
+          </p:spPr>
+          <p:style>
+            <a:lnRef idx="2">
+              <a:schemeClr val="accent1">
+                <a:shade val="50000"/>
+              </a:schemeClr>
+            </a:lnRef>
+            <a:fillRef idx="1">
+              <a:schemeClr val="accent1"/>
+            </a:fillRef>
+            <a:effectRef idx="0">
+              <a:schemeClr val="accent1"/>
+            </a:effectRef>
+            <a:fontRef idx="minor">
+              <a:schemeClr val="lt1"/>
+            </a:fontRef>
+          </p:style>
+          <p:txBody>
+            <a:bodyPr rtlCol="0" anchor="ctr"/>
+            <a:p>
+              <a:pPr algn="ctr"/>
+              <a:endParaRPr lang="en-US">
+                <a:ln>
+                  <a:noFill/>
+                </a:ln>
+              </a:endParaRPr>
+            </a:p>
+          </p:txBody>
+        </p:sp>
+        <p:sp>
+          <p:nvSpPr>
+            <p:cNvPr id="32" name="Cube 31"/>
+            <p:cNvSpPr/>
+            <p:nvPr/>
+          </p:nvSpPr>
+          <p:spPr>
+            <a:xfrm>
+              <a:off x="4901" y="7170"/>
+              <a:ext cx="2078" cy="971"/>
+            </a:xfrm>
+            <a:prstGeom prst="cube">
+              <a:avLst>
+                <a:gd name="adj" fmla="val 15345"/>
+              </a:avLst>
+            </a:prstGeom>
+            <a:solidFill>
+              <a:srgbClr val="FFC000"/>
+            </a:solidFill>
+            <a:ln>
+              <a:solidFill>
+                <a:srgbClr val="FFC000"/>
+              </a:solidFill>
+            </a:ln>
+            <a:effectLst>
+              <a:outerShdw blurRad="50800" dist="38100" dir="8100000" algn="tr" rotWithShape="0">
+                <a:prstClr val="black">
+                  <a:alpha val="40000"/>
+                </a:prstClr>
+              </a:outerShdw>
+            </a:effectLst>
+          </p:spPr>
+          <p:style>
+            <a:lnRef idx="2">
+              <a:schemeClr val="accent1">
+                <a:shade val="50000"/>
+              </a:schemeClr>
+            </a:lnRef>
+            <a:fillRef idx="1">
+              <a:schemeClr val="accent1"/>
+            </a:fillRef>
+            <a:effectRef idx="0">
+              <a:schemeClr val="accent1"/>
+            </a:effectRef>
+            <a:fontRef idx="minor">
+              <a:schemeClr val="lt1"/>
+            </a:fontRef>
+          </p:style>
+          <p:txBody>
+            <a:bodyPr rtlCol="0" anchor="ctr"/>
+            <a:p>
+              <a:pPr algn="ctr"/>
+              <a:endParaRPr lang="en-US"/>
+            </a:p>
+          </p:txBody>
+        </p:sp>
+        <p:sp>
+          <p:nvSpPr>
+            <p:cNvPr id="33" name="Text Box 32"/>
+            <p:cNvSpPr txBox="1"/>
+            <p:nvPr/>
+          </p:nvSpPr>
+          <p:spPr>
+            <a:xfrm>
+              <a:off x="5207" y="2228"/>
+              <a:ext cx="1584" cy="725"/>
+            </a:xfrm>
+            <a:prstGeom prst="rect">
+              <a:avLst/>
+            </a:prstGeom>
+            <a:noFill/>
+          </p:spPr>
+          <p:txBody>
+            <a:bodyPr wrap="none" rtlCol="0">
+              <a:spAutoFit/>
+            </a:bodyPr>
+            <a:p>
+              <a:pPr algn="ctr"/>
+              <a:r>
+                <a:rPr lang="" altLang="en-US" sz="1200">
+                  <a:latin typeface="Times New Roman" panose="02020603050405020304" charset="0"/>
+                  <a:cs typeface="Times New Roman" panose="02020603050405020304" charset="0"/>
+                </a:rPr>
+                <a:t>Intergrated </a:t>
+              </a:r>
+              <a:endParaRPr lang="" altLang="en-US" sz="1200">
+                <a:latin typeface="Times New Roman" panose="02020603050405020304" charset="0"/>
+                <a:cs typeface="Times New Roman" panose="02020603050405020304" charset="0"/>
+              </a:endParaRPr>
+            </a:p>
+            <a:p>
+              <a:pPr algn="ctr"/>
+              <a:r>
+                <a:rPr lang="" altLang="en-US" sz="1200">
+                  <a:latin typeface="Times New Roman" panose="02020603050405020304" charset="0"/>
+                  <a:cs typeface="Times New Roman" panose="02020603050405020304" charset="0"/>
+                </a:rPr>
+                <a:t>BEV features</a:t>
+              </a:r>
+              <a:endParaRPr lang="" altLang="en-US" sz="1200">
+                <a:latin typeface="Times New Roman" panose="02020603050405020304" charset="0"/>
+                <a:cs typeface="Times New Roman" panose="02020603050405020304" charset="0"/>
+              </a:endParaRPr>
+            </a:p>
+          </p:txBody>
+        </p:sp>
+        <p:sp>
+          <p:nvSpPr>
+            <p:cNvPr id="34" name="Text Box 33"/>
+            <p:cNvSpPr txBox="1"/>
+            <p:nvPr/>
+          </p:nvSpPr>
+          <p:spPr>
+            <a:xfrm>
+              <a:off x="5035" y="7489"/>
+              <a:ext cx="1710" cy="434"/>
+            </a:xfrm>
+            <a:prstGeom prst="rect">
+              <a:avLst/>
+            </a:prstGeom>
+            <a:noFill/>
+          </p:spPr>
+          <p:txBody>
+            <a:bodyPr wrap="none" rtlCol="0">
+              <a:spAutoFit/>
+            </a:bodyPr>
+            <a:p>
+              <a:pPr algn="ctr"/>
+              <a:r>
+                <a:rPr lang="" altLang="en-US" sz="1200">
+                  <a:latin typeface="Times New Roman" panose="02020603050405020304" charset="0"/>
+                  <a:cs typeface="Times New Roman" panose="02020603050405020304" charset="0"/>
+                </a:rPr>
+                <a:t>Image </a:t>
+              </a:r>
+              <a:r>
+                <a:rPr lang="en-US" altLang="en-US" sz="1200">
+                  <a:latin typeface="Times New Roman" panose="02020603050405020304" charset="0"/>
+                  <a:cs typeface="Times New Roman" panose="02020603050405020304" charset="0"/>
+                </a:rPr>
+                <a:t>features</a:t>
+              </a:r>
+              <a:endParaRPr lang="en-US" altLang="en-US" sz="1200">
+                <a:latin typeface="Times New Roman" panose="02020603050405020304" charset="0"/>
+                <a:cs typeface="Times New Roman" panose="02020603050405020304" charset="0"/>
+              </a:endParaRPr>
+            </a:p>
+          </p:txBody>
+        </p:sp>
+        <p:sp>
+          <p:nvSpPr>
+            <p:cNvPr id="35" name="Text Box 34"/>
+            <p:cNvSpPr txBox="1"/>
+            <p:nvPr/>
+          </p:nvSpPr>
+          <p:spPr>
+            <a:xfrm>
+              <a:off x="3428" y="2722"/>
+              <a:ext cx="1623" cy="434"/>
+            </a:xfrm>
+            <a:prstGeom prst="rect">
+              <a:avLst/>
+            </a:prstGeom>
+            <a:noFill/>
+          </p:spPr>
+          <p:txBody>
+            <a:bodyPr wrap="none" rtlCol="0">
+              <a:spAutoFit/>
+            </a:bodyPr>
+            <a:p>
+              <a:r>
+                <a:rPr lang="" altLang="en-US" sz="1200">
+                  <a:latin typeface="Times New Roman" panose="02020603050405020304" charset="0"/>
+                  <a:cs typeface="Times New Roman" panose="02020603050405020304" charset="0"/>
+                </a:rPr>
+                <a:t>pyrimid VGG</a:t>
+              </a:r>
+              <a:endParaRPr lang="" altLang="en-US" sz="1200">
+                <a:latin typeface="Times New Roman" panose="02020603050405020304" charset="0"/>
+                <a:cs typeface="Times New Roman" panose="02020603050405020304" charset="0"/>
+              </a:endParaRPr>
+            </a:p>
+          </p:txBody>
+        </p:sp>
+        <p:sp>
+          <p:nvSpPr>
+            <p:cNvPr id="36" name="Text Box 35"/>
+            <p:cNvSpPr txBox="1"/>
+            <p:nvPr/>
+          </p:nvSpPr>
+          <p:spPr>
+            <a:xfrm>
+              <a:off x="3083" y="7738"/>
+              <a:ext cx="1623" cy="434"/>
+            </a:xfrm>
+            <a:prstGeom prst="rect">
+              <a:avLst/>
+            </a:prstGeom>
+            <a:noFill/>
+          </p:spPr>
+          <p:txBody>
+            <a:bodyPr wrap="none" rtlCol="0">
+              <a:spAutoFit/>
+            </a:bodyPr>
+            <a:p>
+              <a:r>
+                <a:rPr lang="en-US" altLang="en-US" sz="1200">
+                  <a:latin typeface="Times New Roman" panose="02020603050405020304" charset="0"/>
+                  <a:cs typeface="Times New Roman" panose="02020603050405020304" charset="0"/>
+                </a:rPr>
+                <a:t>pyrimid VGG</a:t>
+              </a:r>
+              <a:endParaRPr lang="en-US" altLang="en-US" sz="1200">
+                <a:latin typeface="Times New Roman" panose="02020603050405020304" charset="0"/>
+                <a:cs typeface="Times New Roman" panose="02020603050405020304" charset="0"/>
+              </a:endParaRPr>
+            </a:p>
+          </p:txBody>
+        </p:sp>
+        <p:sp>
+          <p:nvSpPr>
+            <p:cNvPr id="37" name="Text Box 36"/>
+            <p:cNvSpPr txBox="1"/>
+            <p:nvPr/>
+          </p:nvSpPr>
+          <p:spPr>
+            <a:xfrm>
+              <a:off x="2961" y="1727"/>
+              <a:ext cx="1924" cy="434"/>
+            </a:xfrm>
+            <a:prstGeom prst="rect">
+              <a:avLst/>
+            </a:prstGeom>
+            <a:noFill/>
+          </p:spPr>
+          <p:txBody>
+            <a:bodyPr wrap="none" rtlCol="0">
+              <a:spAutoFit/>
+            </a:bodyPr>
+            <a:p>
+              <a:r>
+                <a:rPr lang="" altLang="en-US" sz="1200">
+                  <a:latin typeface="Times New Roman" panose="02020603050405020304" charset="0"/>
+                  <a:cs typeface="Times New Roman" panose="02020603050405020304" charset="0"/>
+                </a:rPr>
+                <a:t>Build BEV maps</a:t>
+              </a:r>
+              <a:endParaRPr lang="" altLang="en-US" sz="1200">
+                <a:latin typeface="Times New Roman" panose="02020603050405020304" charset="0"/>
+                <a:cs typeface="Times New Roman" panose="02020603050405020304" charset="0"/>
+              </a:endParaRPr>
+            </a:p>
+          </p:txBody>
+        </p:sp>
+        <p:sp>
+          <p:nvSpPr>
+            <p:cNvPr id="38" name="Right Arrow 37"/>
+            <p:cNvSpPr/>
+            <p:nvPr/>
+          </p:nvSpPr>
+          <p:spPr>
+            <a:xfrm>
+              <a:off x="3274" y="2161"/>
+              <a:ext cx="778" cy="288"/>
+            </a:xfrm>
+            <a:prstGeom prst="rightArrow">
+              <a:avLst/>
+            </a:prstGeom>
+            <a:solidFill>
+              <a:srgbClr val="00B0F0"/>
+            </a:solidFill>
+            <a:ln>
+              <a:noFill/>
+            </a:ln>
+          </p:spPr>
+          <p:style>
+            <a:lnRef idx="2">
+              <a:schemeClr val="accent1">
+                <a:shade val="50000"/>
+              </a:schemeClr>
+            </a:lnRef>
+            <a:fillRef idx="1">
+              <a:schemeClr val="accent1"/>
+            </a:fillRef>
+            <a:effectRef idx="0">
+              <a:schemeClr val="accent1"/>
+            </a:effectRef>
+            <a:fontRef idx="minor">
+              <a:schemeClr val="lt1"/>
+            </a:fontRef>
+          </p:style>
+          <p:txBody>
+            <a:bodyPr rtlCol="0" anchor="ctr"/>
+            <a:p>
+              <a:pPr algn="ctr"/>
+              <a:endParaRPr lang="en-US"/>
+            </a:p>
+          </p:txBody>
+        </p:sp>
+        <p:sp>
+          <p:nvSpPr>
+            <p:cNvPr id="48" name="Text Box 47"/>
+            <p:cNvSpPr txBox="1"/>
+            <p:nvPr/>
+          </p:nvSpPr>
+          <p:spPr>
+            <a:xfrm>
+              <a:off x="9408" y="6531"/>
+              <a:ext cx="807" cy="434"/>
+            </a:xfrm>
+            <a:prstGeom prst="rect">
+              <a:avLst/>
+            </a:prstGeom>
+            <a:noFill/>
+            <a:ln>
+              <a:noFill/>
+            </a:ln>
+          </p:spPr>
+          <p:txBody>
+            <a:bodyPr wrap="none" rtlCol="0">
+              <a:spAutoFit/>
+            </a:bodyPr>
+            <a:p>
+              <a:r>
+                <a:rPr lang="" altLang="en-US" sz="1200">
+                  <a:latin typeface="Times New Roman" panose="02020603050405020304" charset="0"/>
+                  <a:cs typeface="Times New Roman" panose="02020603050405020304" charset="0"/>
+                </a:rPr>
+                <a:t>NMS</a:t>
+              </a:r>
+              <a:endParaRPr lang="" altLang="en-US" sz="1200">
+                <a:latin typeface="Times New Roman" panose="02020603050405020304" charset="0"/>
+                <a:cs typeface="Times New Roman" panose="02020603050405020304" charset="0"/>
+              </a:endParaRPr>
+            </a:p>
+          </p:txBody>
+        </p:sp>
+        <p:grpSp>
+          <p:nvGrpSpPr>
+            <p:cNvPr id="59" name="Group 58"/>
+            <p:cNvGrpSpPr/>
+            <p:nvPr/>
+          </p:nvGrpSpPr>
+          <p:grpSpPr>
+            <a:xfrm rot="0">
+              <a:off x="8305" y="7354"/>
+              <a:ext cx="1836" cy="1505"/>
+              <a:chOff x="13444" y="2512"/>
+              <a:chExt cx="1836" cy="1505"/>
+            </a:xfrm>
+          </p:grpSpPr>
+          <p:sp>
+            <p:nvSpPr>
+              <p:cNvPr id="53" name="Cube 52"/>
+              <p:cNvSpPr/>
+              <p:nvPr/>
+            </p:nvSpPr>
+            <p:spPr>
+              <a:xfrm>
+                <a:off x="13444" y="2684"/>
+                <a:ext cx="372" cy="408"/>
+              </a:xfrm>
+              <a:prstGeom prst="cube">
+                <a:avLst/>
+              </a:prstGeom>
+              <a:solidFill>
+                <a:srgbClr val="FF0000"/>
+              </a:solidFill>
+              <a:ln>
+                <a:solidFill>
+                  <a:srgbClr val="FF0000"/>
+                </a:solidFill>
+              </a:ln>
+            </p:spPr>
+            <p:style>
+              <a:lnRef idx="1">
+                <a:schemeClr val="accent2"/>
+              </a:lnRef>
+              <a:fillRef idx="3">
+                <a:schemeClr val="accent2"/>
+              </a:fillRef>
+              <a:effectRef idx="2">
+                <a:schemeClr val="accent2"/>
+              </a:effectRef>
+              <a:fontRef idx="minor">
+                <a:schemeClr val="lt1"/>
+              </a:fontRef>
+            </p:style>
+            <p:txBody>
+              <a:bodyPr rtlCol="0" anchor="ctr"/>
+              <a:p>
+                <a:pPr algn="ctr"/>
+                <a:endParaRPr lang="en-US"/>
+              </a:p>
+            </p:txBody>
+          </p:sp>
+          <p:sp>
+            <p:nvSpPr>
+              <p:cNvPr id="54" name="Cube 53"/>
+              <p:cNvSpPr/>
+              <p:nvPr/>
+            </p:nvSpPr>
+            <p:spPr>
+              <a:xfrm>
+                <a:off x="13888" y="2694"/>
+                <a:ext cx="372" cy="408"/>
+              </a:xfrm>
+              <a:prstGeom prst="cube">
+                <a:avLst/>
+              </a:prstGeom>
+              <a:solidFill>
+                <a:srgbClr val="FF0000"/>
+              </a:solidFill>
+              <a:ln>
+                <a:solidFill>
+                  <a:srgbClr val="FF0000"/>
+                </a:solidFill>
+              </a:ln>
+            </p:spPr>
+            <p:style>
+              <a:lnRef idx="1">
+                <a:schemeClr val="accent2"/>
+              </a:lnRef>
+              <a:fillRef idx="3">
+                <a:schemeClr val="accent2"/>
+              </a:fillRef>
+              <a:effectRef idx="2">
+                <a:schemeClr val="accent2"/>
+              </a:effectRef>
+              <a:fontRef idx="minor">
+                <a:schemeClr val="lt1"/>
+              </a:fontRef>
+            </p:style>
+            <p:txBody>
+              <a:bodyPr rtlCol="0" anchor="ctr"/>
+              <a:p>
+                <a:pPr algn="ctr"/>
+                <a:endParaRPr lang="en-US"/>
+              </a:p>
+            </p:txBody>
+          </p:sp>
+          <p:sp>
+            <p:nvSpPr>
+              <p:cNvPr id="56" name="Cube 55"/>
+              <p:cNvSpPr/>
+              <p:nvPr/>
+            </p:nvSpPr>
+            <p:spPr>
+              <a:xfrm>
+                <a:off x="14908" y="2684"/>
+                <a:ext cx="372" cy="408"/>
+              </a:xfrm>
+              <a:prstGeom prst="cube">
+                <a:avLst/>
+              </a:prstGeom>
+              <a:solidFill>
+                <a:srgbClr val="FF0000"/>
+              </a:solidFill>
+              <a:ln>
+                <a:solidFill>
+                  <a:srgbClr val="FF0000"/>
+                </a:solidFill>
+              </a:ln>
+            </p:spPr>
+            <p:style>
+              <a:lnRef idx="1">
+                <a:schemeClr val="accent2"/>
+              </a:lnRef>
+              <a:fillRef idx="3">
+                <a:schemeClr val="accent2"/>
+              </a:fillRef>
+              <a:effectRef idx="2">
+                <a:schemeClr val="accent2"/>
+              </a:effectRef>
+              <a:fontRef idx="minor">
+                <a:schemeClr val="lt1"/>
+              </a:fontRef>
+            </p:style>
+            <p:txBody>
+              <a:bodyPr rtlCol="0" anchor="ctr"/>
+              <a:p>
+                <a:pPr algn="ctr"/>
+                <a:endParaRPr lang="en-US"/>
+              </a:p>
+            </p:txBody>
+          </p:sp>
+          <p:sp>
+            <p:nvSpPr>
+              <p:cNvPr id="57" name="Text Box 56"/>
+              <p:cNvSpPr txBox="1"/>
+              <p:nvPr/>
+            </p:nvSpPr>
+            <p:spPr>
+              <a:xfrm>
+                <a:off x="14284" y="2512"/>
+                <a:ext cx="588" cy="580"/>
+              </a:xfrm>
+              <a:prstGeom prst="rect">
+                <a:avLst/>
+              </a:prstGeom>
+              <a:noFill/>
+              <a:effectLst/>
+            </p:spPr>
+            <p:txBody>
+              <a:bodyPr wrap="none" rtlCol="0">
+                <a:spAutoFit/>
+              </a:bodyPr>
+              <a:p>
+                <a:pPr algn="ctr"/>
+                <a:r>
+                  <a:rPr lang="" altLang="en-US"/>
+                  <a:t>...</a:t>
+                </a:r>
+                <a:endParaRPr lang="" altLang="en-US"/>
+              </a:p>
+            </p:txBody>
+          </p:sp>
+          <p:sp>
+            <p:nvSpPr>
+              <p:cNvPr id="58" name="Text Box 57"/>
+              <p:cNvSpPr txBox="1"/>
+              <p:nvPr/>
+            </p:nvSpPr>
+            <p:spPr>
+              <a:xfrm>
+                <a:off x="13687" y="3292"/>
+                <a:ext cx="1281" cy="725"/>
+              </a:xfrm>
+              <a:prstGeom prst="rect">
+                <a:avLst/>
+              </a:prstGeom>
+              <a:noFill/>
+            </p:spPr>
+            <p:txBody>
+              <a:bodyPr wrap="none" rtlCol="0">
+                <a:spAutoFit/>
+              </a:bodyPr>
+              <a:p>
+                <a:r>
+                  <a:rPr lang="" altLang="en-US" sz="1200">
+                    <a:latin typeface="Times New Roman" panose="02020603050405020304" charset="0"/>
+                    <a:cs typeface="Times New Roman" panose="02020603050405020304" charset="0"/>
+                  </a:rPr>
+                  <a:t>Top K 3D</a:t>
+                </a:r>
+                <a:endParaRPr lang="" altLang="en-US" sz="1200">
+                  <a:latin typeface="Times New Roman" panose="02020603050405020304" charset="0"/>
+                  <a:cs typeface="Times New Roman" panose="02020603050405020304" charset="0"/>
+                </a:endParaRPr>
+              </a:p>
+              <a:p>
+                <a:r>
+                  <a:rPr lang="" altLang="en-US" sz="1200">
+                    <a:latin typeface="Times New Roman" panose="02020603050405020304" charset="0"/>
+                    <a:cs typeface="Times New Roman" panose="02020603050405020304" charset="0"/>
+                  </a:rPr>
+                  <a:t> Proposals</a:t>
+                </a:r>
+                <a:endParaRPr lang="" altLang="en-US" sz="1200">
+                  <a:latin typeface="Times New Roman" panose="02020603050405020304" charset="0"/>
+                  <a:cs typeface="Times New Roman" panose="02020603050405020304" charset="0"/>
+                </a:endParaRPr>
+              </a:p>
+            </p:txBody>
+          </p:sp>
+        </p:grpSp>
+        <p:grpSp>
+          <p:nvGrpSpPr>
+            <p:cNvPr id="277" name="Group 276"/>
+            <p:cNvGrpSpPr/>
+            <p:nvPr/>
+          </p:nvGrpSpPr>
+          <p:grpSpPr>
+            <a:xfrm rot="0">
+              <a:off x="1021" y="4545"/>
+              <a:ext cx="1955" cy="1110"/>
+              <a:chOff x="5656" y="4234"/>
+              <a:chExt cx="1955" cy="1110"/>
+            </a:xfrm>
+            <a:solidFill>
+              <a:schemeClr val="bg1">
+                <a:lumMod val="85000"/>
+              </a:schemeClr>
+            </a:solidFill>
+          </p:grpSpPr>
+          <p:sp>
+            <p:nvSpPr>
+              <p:cNvPr id="259" name="Cube 258"/>
+              <p:cNvSpPr/>
+              <p:nvPr/>
+            </p:nvSpPr>
+            <p:spPr>
+              <a:xfrm>
+                <a:off x="5656" y="4234"/>
+                <a:ext cx="1955" cy="1110"/>
+              </a:xfrm>
+              <a:prstGeom prst="cube">
+                <a:avLst/>
+              </a:prstGeom>
+              <a:grpFill/>
+              <a:ln>
+                <a:solidFill>
+                  <a:schemeClr val="bg1">
+                    <a:lumMod val="85000"/>
+                  </a:schemeClr>
+                </a:solidFill>
+              </a:ln>
+            </p:spPr>
+            <p:style>
+              <a:lnRef idx="2">
+                <a:schemeClr val="accent1">
+                  <a:shade val="50000"/>
+                </a:schemeClr>
+              </a:lnRef>
+              <a:fillRef idx="1">
+                <a:schemeClr val="accent1"/>
+              </a:fillRef>
+              <a:effectRef idx="0">
+                <a:schemeClr val="accent1"/>
+              </a:effectRef>
+              <a:fontRef idx="minor">
+                <a:schemeClr val="lt1"/>
+              </a:fontRef>
+            </p:style>
+            <p:txBody>
+              <a:bodyPr rtlCol="0" anchor="ctr"/>
+              <a:p>
+                <a:pPr algn="ctr"/>
+                <a:endParaRPr lang="en-US"/>
+              </a:p>
+            </p:txBody>
+          </p:sp>
+          <p:sp>
+            <p:nvSpPr>
+              <p:cNvPr id="260" name="Text Box 259"/>
+              <p:cNvSpPr txBox="1"/>
+              <p:nvPr/>
+            </p:nvSpPr>
+            <p:spPr>
+              <a:xfrm>
+                <a:off x="5783" y="4574"/>
+                <a:ext cx="1347" cy="725"/>
+              </a:xfrm>
+              <a:prstGeom prst="rect">
+                <a:avLst/>
+              </a:prstGeom>
+              <a:grpFill/>
+            </p:spPr>
+            <p:txBody>
+              <a:bodyPr wrap="none" rtlCol="0">
+                <a:spAutoFit/>
+              </a:bodyPr>
+              <a:p>
+                <a:pPr algn="ctr"/>
+                <a:r>
+                  <a:rPr lang="" altLang="en-US" sz="1200">
+                    <a:latin typeface="Times New Roman" panose="02020603050405020304" charset="0"/>
+                    <a:cs typeface="Times New Roman" panose="02020603050405020304" charset="0"/>
+                  </a:rPr>
+                  <a:t>3D Anchor</a:t>
+                </a:r>
+                <a:endParaRPr lang="" altLang="en-US" sz="1200">
+                  <a:latin typeface="Times New Roman" panose="02020603050405020304" charset="0"/>
+                  <a:cs typeface="Times New Roman" panose="02020603050405020304" charset="0"/>
+                </a:endParaRPr>
+              </a:p>
+              <a:p>
+                <a:pPr algn="ctr"/>
+                <a:r>
+                  <a:rPr lang="" altLang="en-US" sz="1200">
+                    <a:latin typeface="Times New Roman" panose="02020603050405020304" charset="0"/>
+                    <a:cs typeface="Times New Roman" panose="02020603050405020304" charset="0"/>
+                  </a:rPr>
+                  <a:t>grid</a:t>
+                </a:r>
+                <a:endParaRPr lang="" altLang="en-US" sz="1200">
+                  <a:latin typeface="Times New Roman" panose="02020603050405020304" charset="0"/>
+                  <a:cs typeface="Times New Roman" panose="02020603050405020304" charset="0"/>
+                </a:endParaRPr>
+              </a:p>
+            </p:txBody>
+          </p:sp>
+        </p:grpSp>
+        <p:sp>
+          <p:nvSpPr>
+            <p:cNvPr id="264" name="Text Box 263"/>
+            <p:cNvSpPr txBox="1"/>
+            <p:nvPr/>
+          </p:nvSpPr>
+          <p:spPr>
+            <a:xfrm>
+              <a:off x="3035" y="7018"/>
+              <a:ext cx="1228" cy="434"/>
+            </a:xfrm>
+            <a:prstGeom prst="rect">
+              <a:avLst/>
+            </a:prstGeom>
+            <a:noFill/>
+          </p:spPr>
+          <p:txBody>
+            <a:bodyPr wrap="none" rtlCol="0">
+              <a:spAutoFit/>
+            </a:bodyPr>
+            <a:p>
+              <a:r>
+                <a:rPr lang="en-US" altLang="en-US" sz="1200">
+                  <a:latin typeface="Times New Roman" panose="02020603050405020304" charset="0"/>
+                  <a:cs typeface="Times New Roman" panose="02020603050405020304" charset="0"/>
+                </a:rPr>
+                <a:t>1x1 Conv</a:t>
+              </a:r>
+              <a:endParaRPr lang="en-US" altLang="en-US" sz="1200">
+                <a:latin typeface="Times New Roman" panose="02020603050405020304" charset="0"/>
+                <a:cs typeface="Times New Roman" panose="02020603050405020304" charset="0"/>
+              </a:endParaRPr>
+            </a:p>
+          </p:txBody>
+        </p:sp>
+        <p:grpSp>
+          <p:nvGrpSpPr>
+            <p:cNvPr id="276" name="Group 275"/>
+            <p:cNvGrpSpPr/>
+            <p:nvPr/>
+          </p:nvGrpSpPr>
+          <p:grpSpPr>
+            <a:xfrm rot="0">
+              <a:off x="4757" y="4453"/>
+              <a:ext cx="2190" cy="1370"/>
+              <a:chOff x="9360" y="4098"/>
+              <a:chExt cx="2190" cy="1370"/>
+            </a:xfrm>
+          </p:grpSpPr>
+          <p:sp>
+            <p:nvSpPr>
+              <p:cNvPr id="275" name="Rectangle 274"/>
+              <p:cNvSpPr/>
+              <p:nvPr/>
+            </p:nvSpPr>
+            <p:spPr>
+              <a:xfrm>
+                <a:off x="9360" y="4150"/>
+                <a:ext cx="2190" cy="1318"/>
+              </a:xfrm>
+              <a:prstGeom prst="rect">
+                <a:avLst/>
+              </a:prstGeom>
+              <a:solidFill>
+                <a:schemeClr val="bg1">
+                  <a:lumMod val="85000"/>
+                </a:schemeClr>
+              </a:solidFill>
+              <a:ln>
+                <a:noFill/>
+              </a:ln>
+            </p:spPr>
+            <p:style>
+              <a:lnRef idx="2">
+                <a:schemeClr val="accent3">
+                  <a:shade val="50000"/>
+                </a:schemeClr>
+              </a:lnRef>
+              <a:fillRef idx="1">
+                <a:schemeClr val="accent3"/>
+              </a:fillRef>
+              <a:effectRef idx="0">
+                <a:schemeClr val="accent3"/>
+              </a:effectRef>
+              <a:fontRef idx="minor">
+                <a:schemeClr val="lt1"/>
+              </a:fontRef>
+            </p:style>
+            <p:txBody>
+              <a:bodyPr rtlCol="0" anchor="ctr"/>
+              <a:p>
+                <a:pPr algn="ctr"/>
+                <a:endParaRPr lang="en-US"/>
+              </a:p>
+            </p:txBody>
+          </p:sp>
+          <p:sp>
+            <p:nvSpPr>
+              <p:cNvPr id="267" name="Cube 266"/>
+              <p:cNvSpPr/>
+              <p:nvPr/>
+            </p:nvSpPr>
+            <p:spPr>
+              <a:xfrm>
+                <a:off x="9521" y="4270"/>
+                <a:ext cx="372" cy="408"/>
+              </a:xfrm>
+              <a:prstGeom prst="cube">
+                <a:avLst/>
+              </a:prstGeom>
+              <a:solidFill>
+                <a:srgbClr val="00B0F0"/>
+              </a:solidFill>
+              <a:ln>
+                <a:solidFill>
+                  <a:srgbClr val="00B0F0"/>
+                </a:solidFill>
+              </a:ln>
+            </p:spPr>
+            <p:style>
+              <a:lnRef idx="1">
+                <a:schemeClr val="accent2"/>
+              </a:lnRef>
+              <a:fillRef idx="3">
+                <a:schemeClr val="accent2"/>
+              </a:fillRef>
+              <a:effectRef idx="2">
+                <a:schemeClr val="accent2"/>
+              </a:effectRef>
+              <a:fontRef idx="minor">
+                <a:schemeClr val="lt1"/>
+              </a:fontRef>
+            </p:style>
+            <p:txBody>
+              <a:bodyPr rtlCol="0" anchor="ctr"/>
+              <a:p>
+                <a:pPr algn="ctr"/>
+                <a:endParaRPr lang="en-US"/>
+              </a:p>
+            </p:txBody>
+          </p:sp>
+          <p:sp>
+            <p:nvSpPr>
+              <p:cNvPr id="268" name="Cube 267"/>
+              <p:cNvSpPr/>
+              <p:nvPr/>
+            </p:nvSpPr>
+            <p:spPr>
+              <a:xfrm>
+                <a:off x="9965" y="4280"/>
+                <a:ext cx="372" cy="408"/>
+              </a:xfrm>
+              <a:prstGeom prst="cube">
+                <a:avLst/>
+              </a:prstGeom>
+              <a:solidFill>
+                <a:srgbClr val="00B0F0"/>
+              </a:solidFill>
+              <a:ln>
+                <a:solidFill>
+                  <a:srgbClr val="00B0F0"/>
+                </a:solidFill>
+              </a:ln>
+            </p:spPr>
+            <p:style>
+              <a:lnRef idx="1">
+                <a:schemeClr val="accent2"/>
+              </a:lnRef>
+              <a:fillRef idx="3">
+                <a:schemeClr val="accent2"/>
+              </a:fillRef>
+              <a:effectRef idx="2">
+                <a:schemeClr val="accent2"/>
+              </a:effectRef>
+              <a:fontRef idx="minor">
+                <a:schemeClr val="lt1"/>
+              </a:fontRef>
+            </p:style>
+            <p:txBody>
+              <a:bodyPr rtlCol="0" anchor="ctr"/>
+              <a:p>
+                <a:pPr algn="ctr"/>
+                <a:endParaRPr lang="en-US"/>
+              </a:p>
+            </p:txBody>
+          </p:sp>
+          <p:sp>
+            <p:nvSpPr>
+              <p:cNvPr id="269" name="Cube 268"/>
+              <p:cNvSpPr/>
+              <p:nvPr/>
+            </p:nvSpPr>
+            <p:spPr>
+              <a:xfrm>
+                <a:off x="10985" y="4270"/>
+                <a:ext cx="372" cy="408"/>
+              </a:xfrm>
+              <a:prstGeom prst="cube">
+                <a:avLst/>
+              </a:prstGeom>
+              <a:solidFill>
+                <a:srgbClr val="00B0F0"/>
+              </a:solidFill>
+              <a:ln>
+                <a:solidFill>
+                  <a:srgbClr val="00B0F0"/>
+                </a:solidFill>
+              </a:ln>
+            </p:spPr>
+            <p:style>
+              <a:lnRef idx="1">
+                <a:schemeClr val="accent2"/>
+              </a:lnRef>
+              <a:fillRef idx="3">
+                <a:schemeClr val="accent2"/>
+              </a:fillRef>
+              <a:effectRef idx="2">
+                <a:schemeClr val="accent2"/>
+              </a:effectRef>
+              <a:fontRef idx="minor">
+                <a:schemeClr val="lt1"/>
+              </a:fontRef>
+            </p:style>
+            <p:txBody>
+              <a:bodyPr rtlCol="0" anchor="ctr"/>
+              <a:p>
+                <a:pPr algn="ctr"/>
+                <a:endParaRPr lang="en-US"/>
+              </a:p>
+            </p:txBody>
+          </p:sp>
+          <p:sp>
+            <p:nvSpPr>
+              <p:cNvPr id="270" name="Text Box 269"/>
+              <p:cNvSpPr txBox="1"/>
+              <p:nvPr/>
+            </p:nvSpPr>
+            <p:spPr>
+              <a:xfrm>
+                <a:off x="10361" y="4098"/>
+                <a:ext cx="588" cy="580"/>
+              </a:xfrm>
+              <a:prstGeom prst="rect">
+                <a:avLst/>
+              </a:prstGeom>
+              <a:noFill/>
+              <a:effectLst/>
+            </p:spPr>
+            <p:txBody>
+              <a:bodyPr wrap="square" rtlCol="0">
+                <a:spAutoFit/>
+              </a:bodyPr>
+              <a:p>
+                <a:pPr algn="ctr"/>
+                <a:r>
+                  <a:rPr lang="en-US" altLang="en-US"/>
+                  <a:t>...</a:t>
+                </a:r>
+                <a:endParaRPr lang="en-US" altLang="en-US"/>
+              </a:p>
+            </p:txBody>
+          </p:sp>
+          <p:sp>
+            <p:nvSpPr>
+              <p:cNvPr id="271" name="Cube 270"/>
+              <p:cNvSpPr/>
+              <p:nvPr/>
+            </p:nvSpPr>
+            <p:spPr>
+              <a:xfrm>
+                <a:off x="9497" y="4920"/>
+                <a:ext cx="372" cy="408"/>
+              </a:xfrm>
+              <a:prstGeom prst="cube">
+                <a:avLst/>
+              </a:prstGeom>
+              <a:solidFill>
+                <a:srgbClr val="FFC000"/>
+              </a:solidFill>
+              <a:ln>
+                <a:solidFill>
+                  <a:srgbClr val="FFC000"/>
+                </a:solidFill>
+              </a:ln>
+            </p:spPr>
+            <p:style>
+              <a:lnRef idx="1">
+                <a:schemeClr val="accent2"/>
+              </a:lnRef>
+              <a:fillRef idx="3">
+                <a:schemeClr val="accent2"/>
+              </a:fillRef>
+              <a:effectRef idx="2">
+                <a:schemeClr val="accent2"/>
+              </a:effectRef>
+              <a:fontRef idx="minor">
+                <a:schemeClr val="lt1"/>
+              </a:fontRef>
+            </p:style>
+            <p:txBody>
+              <a:bodyPr rtlCol="0" anchor="ctr"/>
+              <a:p>
+                <a:pPr algn="ctr"/>
+                <a:endParaRPr lang="en-US"/>
+              </a:p>
+            </p:txBody>
+          </p:sp>
+          <p:sp>
+            <p:nvSpPr>
+              <p:cNvPr id="272" name="Cube 271"/>
+              <p:cNvSpPr/>
+              <p:nvPr/>
+            </p:nvSpPr>
+            <p:spPr>
+              <a:xfrm>
+                <a:off x="9941" y="4930"/>
+                <a:ext cx="372" cy="408"/>
+              </a:xfrm>
+              <a:prstGeom prst="cube">
+                <a:avLst/>
+              </a:prstGeom>
+              <a:solidFill>
+                <a:srgbClr val="FFC000"/>
+              </a:solidFill>
+              <a:ln>
+                <a:solidFill>
+                  <a:srgbClr val="FFC000"/>
+                </a:solidFill>
+              </a:ln>
+            </p:spPr>
+            <p:style>
+              <a:lnRef idx="1">
+                <a:schemeClr val="accent2"/>
+              </a:lnRef>
+              <a:fillRef idx="3">
+                <a:schemeClr val="accent2"/>
+              </a:fillRef>
+              <a:effectRef idx="2">
+                <a:schemeClr val="accent2"/>
+              </a:effectRef>
+              <a:fontRef idx="minor">
+                <a:schemeClr val="lt1"/>
+              </a:fontRef>
+            </p:style>
+            <p:txBody>
+              <a:bodyPr rtlCol="0" anchor="ctr"/>
+              <a:p>
+                <a:pPr algn="ctr"/>
+                <a:endParaRPr lang="en-US"/>
+              </a:p>
+            </p:txBody>
+          </p:sp>
+          <p:sp>
+            <p:nvSpPr>
+              <p:cNvPr id="273" name="Cube 272"/>
+              <p:cNvSpPr/>
+              <p:nvPr/>
+            </p:nvSpPr>
+            <p:spPr>
+              <a:xfrm>
+                <a:off x="10961" y="4920"/>
+                <a:ext cx="372" cy="408"/>
+              </a:xfrm>
+              <a:prstGeom prst="cube">
+                <a:avLst/>
+              </a:prstGeom>
+              <a:solidFill>
+                <a:srgbClr val="FFC000"/>
+              </a:solidFill>
+              <a:ln>
+                <a:solidFill>
+                  <a:srgbClr val="FFC000"/>
+                </a:solidFill>
+              </a:ln>
+            </p:spPr>
+            <p:style>
+              <a:lnRef idx="1">
+                <a:schemeClr val="accent2"/>
+              </a:lnRef>
+              <a:fillRef idx="3">
+                <a:schemeClr val="accent2"/>
+              </a:fillRef>
+              <a:effectRef idx="2">
+                <a:schemeClr val="accent2"/>
+              </a:effectRef>
+              <a:fontRef idx="minor">
+                <a:schemeClr val="lt1"/>
+              </a:fontRef>
+            </p:style>
+            <p:txBody>
+              <a:bodyPr rtlCol="0" anchor="ctr"/>
+              <a:p>
+                <a:pPr algn="ctr"/>
+                <a:endParaRPr lang="en-US"/>
+              </a:p>
+            </p:txBody>
+          </p:sp>
+          <p:sp>
+            <p:nvSpPr>
+              <p:cNvPr id="274" name="Text Box 273"/>
+              <p:cNvSpPr txBox="1"/>
+              <p:nvPr/>
+            </p:nvSpPr>
+            <p:spPr>
+              <a:xfrm>
+                <a:off x="10337" y="4748"/>
+                <a:ext cx="588" cy="580"/>
+              </a:xfrm>
+              <a:prstGeom prst="rect">
+                <a:avLst/>
+              </a:prstGeom>
+              <a:noFill/>
+              <a:effectLst/>
+            </p:spPr>
+            <p:txBody>
+              <a:bodyPr wrap="square" rtlCol="0">
+                <a:spAutoFit/>
+              </a:bodyPr>
+              <a:p>
+                <a:pPr algn="ctr"/>
+                <a:r>
+                  <a:rPr lang="en-US" altLang="en-US"/>
+                  <a:t>...</a:t>
+                </a:r>
+                <a:endParaRPr lang="en-US" altLang="en-US"/>
+              </a:p>
+            </p:txBody>
+          </p:sp>
+        </p:grpSp>
+        <p:grpSp>
+          <p:nvGrpSpPr>
+            <p:cNvPr id="346" name="Group 345"/>
+            <p:cNvGrpSpPr/>
+            <p:nvPr/>
+          </p:nvGrpSpPr>
+          <p:grpSpPr>
+            <a:xfrm rot="0">
+              <a:off x="8778" y="5864"/>
+              <a:ext cx="630" cy="1334"/>
+              <a:chOff x="9269" y="7288"/>
+              <a:chExt cx="630" cy="1334"/>
+            </a:xfrm>
+          </p:grpSpPr>
+          <p:sp>
+            <p:nvSpPr>
+              <p:cNvPr id="47" name="Right Arrow 46"/>
+              <p:cNvSpPr/>
+              <p:nvPr/>
+            </p:nvSpPr>
+            <p:spPr>
+              <a:xfrm rot="5400000">
+                <a:off x="8969" y="7588"/>
+                <a:ext cx="900" cy="300"/>
+              </a:xfrm>
+              <a:prstGeom prst="rightArrow">
+                <a:avLst/>
+              </a:prstGeom>
+              <a:solidFill>
+                <a:schemeClr val="bg1">
+                  <a:lumMod val="85000"/>
+                </a:schemeClr>
+              </a:solidFill>
+              <a:ln>
+                <a:noFill/>
+              </a:ln>
+            </p:spPr>
+            <p:style>
+              <a:lnRef idx="2">
+                <a:schemeClr val="accent1">
+                  <a:shade val="50000"/>
+                </a:schemeClr>
+              </a:lnRef>
+              <a:fillRef idx="1">
+                <a:schemeClr val="accent1"/>
+              </a:fillRef>
+              <a:effectRef idx="0">
+                <a:schemeClr val="accent1"/>
+              </a:effectRef>
+              <a:fontRef idx="minor">
+                <a:schemeClr val="lt1"/>
+              </a:fontRef>
+            </p:style>
+            <p:txBody>
+              <a:bodyPr rtlCol="0" anchor="ctr"/>
+              <a:p>
+                <a:pPr algn="ctr"/>
+                <a:endParaRPr lang="en-US"/>
+              </a:p>
+            </p:txBody>
+          </p:sp>
+          <p:sp>
+            <p:nvSpPr>
+              <p:cNvPr id="278" name="Right Arrow 277"/>
+              <p:cNvSpPr/>
+              <p:nvPr/>
+            </p:nvSpPr>
+            <p:spPr>
+              <a:xfrm rot="5400000">
+                <a:off x="9299" y="8022"/>
+                <a:ext cx="900" cy="300"/>
+              </a:xfrm>
+              <a:prstGeom prst="rightArrow">
+                <a:avLst/>
+              </a:prstGeom>
+              <a:solidFill>
+                <a:schemeClr val="bg1">
+                  <a:lumMod val="85000"/>
+                </a:schemeClr>
+              </a:solidFill>
+              <a:ln>
+                <a:noFill/>
+              </a:ln>
+            </p:spPr>
+            <p:style>
+              <a:lnRef idx="2">
+                <a:schemeClr val="accent1">
+                  <a:shade val="50000"/>
+                </a:schemeClr>
+              </a:lnRef>
+              <a:fillRef idx="1">
+                <a:schemeClr val="accent1"/>
+              </a:fillRef>
+              <a:effectRef idx="0">
+                <a:schemeClr val="accent1"/>
+              </a:effectRef>
+              <a:fontRef idx="minor">
+                <a:schemeClr val="lt1"/>
+              </a:fontRef>
+            </p:style>
+            <p:txBody>
+              <a:bodyPr rtlCol="0" anchor="ctr"/>
+              <a:p>
+                <a:pPr algn="ctr"/>
+                <a:endParaRPr lang="en-US"/>
+              </a:p>
+            </p:txBody>
+          </p:sp>
+        </p:grpSp>
+        <p:sp>
+          <p:nvSpPr>
+            <p:cNvPr id="279" name="Text Box 278"/>
+            <p:cNvSpPr txBox="1"/>
+            <p:nvPr/>
+          </p:nvSpPr>
+          <p:spPr>
+            <a:xfrm>
+              <a:off x="8220" y="5985"/>
+              <a:ext cx="581" cy="434"/>
+            </a:xfrm>
+            <a:prstGeom prst="rect">
+              <a:avLst/>
+            </a:prstGeom>
+            <a:noFill/>
+            <a:ln>
+              <a:noFill/>
+            </a:ln>
+          </p:spPr>
+          <p:txBody>
+            <a:bodyPr wrap="none" rtlCol="0">
+              <a:spAutoFit/>
+            </a:bodyPr>
+            <a:p>
+              <a:r>
+                <a:rPr lang="" altLang="en-US" sz="1200">
+                  <a:latin typeface="Times New Roman" panose="02020603050405020304" charset="0"/>
+                  <a:cs typeface="Times New Roman" panose="02020603050405020304" charset="0"/>
+                </a:rPr>
+                <a:t>FC</a:t>
+              </a:r>
+              <a:endParaRPr lang="" altLang="en-US" sz="1200">
+                <a:latin typeface="Times New Roman" panose="02020603050405020304" charset="0"/>
+                <a:cs typeface="Times New Roman" panose="02020603050405020304" charset="0"/>
+              </a:endParaRPr>
+            </a:p>
+          </p:txBody>
+        </p:sp>
+        <p:sp>
+          <p:nvSpPr>
+            <p:cNvPr id="289" name="Right Arrow 288"/>
+            <p:cNvSpPr/>
+            <p:nvPr/>
+          </p:nvSpPr>
+          <p:spPr>
+            <a:xfrm>
+              <a:off x="3473" y="4950"/>
+              <a:ext cx="900" cy="300"/>
+            </a:xfrm>
+            <a:prstGeom prst="rightArrow">
+              <a:avLst/>
+            </a:prstGeom>
+            <a:solidFill>
+              <a:schemeClr val="bg1">
+                <a:lumMod val="85000"/>
+              </a:schemeClr>
+            </a:solidFill>
+            <a:ln>
+              <a:noFill/>
+            </a:ln>
+          </p:spPr>
+          <p:style>
+            <a:lnRef idx="2">
+              <a:schemeClr val="accent1">
+                <a:shade val="50000"/>
+              </a:schemeClr>
+            </a:lnRef>
+            <a:fillRef idx="1">
+              <a:schemeClr val="accent1"/>
+            </a:fillRef>
+            <a:effectRef idx="0">
+              <a:schemeClr val="accent1"/>
+            </a:effectRef>
+            <a:fontRef idx="minor">
+              <a:schemeClr val="lt1"/>
+            </a:fontRef>
+          </p:style>
+          <p:txBody>
+            <a:bodyPr rtlCol="0" anchor="ctr"/>
+            <a:p>
+              <a:pPr algn="ctr"/>
+              <a:endParaRPr lang="en-US"/>
+            </a:p>
+          </p:txBody>
+        </p:sp>
+        <p:sp>
+          <p:nvSpPr>
+            <p:cNvPr id="290" name="Text Box 289"/>
+            <p:cNvSpPr txBox="1"/>
+            <p:nvPr/>
+          </p:nvSpPr>
+          <p:spPr>
+            <a:xfrm>
+              <a:off x="6061" y="6120"/>
+              <a:ext cx="1455" cy="434"/>
+            </a:xfrm>
+            <a:prstGeom prst="rect">
+              <a:avLst/>
+            </a:prstGeom>
+            <a:noFill/>
+          </p:spPr>
+          <p:txBody>
+            <a:bodyPr wrap="none" rtlCol="0">
+              <a:spAutoFit/>
+            </a:bodyPr>
+            <a:p>
+              <a:r>
+                <a:rPr lang="" altLang="en-US" sz="1200">
+                  <a:latin typeface="Times New Roman" panose="02020603050405020304" charset="0"/>
+                  <a:cs typeface="Times New Roman" panose="02020603050405020304" charset="0"/>
+                </a:rPr>
+                <a:t>RoI Pooling</a:t>
+              </a:r>
+              <a:endParaRPr lang="" altLang="en-US" sz="1200">
+                <a:latin typeface="Times New Roman" panose="02020603050405020304" charset="0"/>
+                <a:cs typeface="Times New Roman" panose="02020603050405020304" charset="0"/>
+              </a:endParaRPr>
+            </a:p>
+          </p:txBody>
+        </p:sp>
+        <p:sp>
+          <p:nvSpPr>
+            <p:cNvPr id="292" name="Right Arrow 291"/>
+            <p:cNvSpPr/>
+            <p:nvPr/>
+          </p:nvSpPr>
+          <p:spPr>
+            <a:xfrm>
+              <a:off x="7218" y="4960"/>
+              <a:ext cx="900" cy="300"/>
+            </a:xfrm>
+            <a:prstGeom prst="rightArrow">
+              <a:avLst/>
+            </a:prstGeom>
+            <a:solidFill>
+              <a:schemeClr val="bg1">
+                <a:lumMod val="85000"/>
+              </a:schemeClr>
+            </a:solidFill>
+            <a:ln>
+              <a:noFill/>
+            </a:ln>
+          </p:spPr>
+          <p:style>
+            <a:lnRef idx="2">
+              <a:schemeClr val="accent1">
+                <a:shade val="50000"/>
+              </a:schemeClr>
+            </a:lnRef>
+            <a:fillRef idx="1">
+              <a:schemeClr val="accent1"/>
+            </a:fillRef>
+            <a:effectRef idx="0">
+              <a:schemeClr val="accent1"/>
+            </a:effectRef>
+            <a:fontRef idx="minor">
+              <a:schemeClr val="lt1"/>
+            </a:fontRef>
+          </p:style>
+          <p:txBody>
+            <a:bodyPr rtlCol="0" anchor="ctr"/>
+            <a:p>
+              <a:pPr algn="ctr"/>
+              <a:endParaRPr lang="en-US"/>
+            </a:p>
+          </p:txBody>
+        </p:sp>
+        <p:sp>
+          <p:nvSpPr>
+            <p:cNvPr id="294" name="Text Box 293"/>
+            <p:cNvSpPr txBox="1"/>
+            <p:nvPr/>
+          </p:nvSpPr>
+          <p:spPr>
+            <a:xfrm>
+              <a:off x="7198" y="4565"/>
+              <a:ext cx="941" cy="434"/>
+            </a:xfrm>
+            <a:prstGeom prst="rect">
+              <a:avLst/>
+            </a:prstGeom>
+            <a:noFill/>
+          </p:spPr>
+          <p:txBody>
+            <a:bodyPr wrap="none" rtlCol="0">
+              <a:spAutoFit/>
+            </a:bodyPr>
+            <a:p>
+              <a:r>
+                <a:rPr lang="" altLang="en-US" sz="1200">
+                  <a:latin typeface="Times New Roman" panose="02020603050405020304" charset="0"/>
+                  <a:cs typeface="Times New Roman" panose="02020603050405020304" charset="0"/>
+                </a:rPr>
+                <a:t>Fusion</a:t>
+              </a:r>
+              <a:endParaRPr lang="" altLang="en-US" sz="1200">
+                <a:latin typeface="Times New Roman" panose="02020603050405020304" charset="0"/>
+                <a:cs typeface="Times New Roman" panose="02020603050405020304" charset="0"/>
+              </a:endParaRPr>
+            </a:p>
+          </p:txBody>
+        </p:sp>
+        <p:grpSp>
+          <p:nvGrpSpPr>
+            <p:cNvPr id="295" name="Group 294"/>
+            <p:cNvGrpSpPr/>
+            <p:nvPr/>
+          </p:nvGrpSpPr>
+          <p:grpSpPr>
+            <a:xfrm rot="0">
+              <a:off x="8324" y="4605"/>
+              <a:ext cx="1680" cy="580"/>
+              <a:chOff x="12343" y="5421"/>
+              <a:chExt cx="1680" cy="580"/>
+            </a:xfrm>
+          </p:grpSpPr>
+          <p:sp>
+            <p:nvSpPr>
+              <p:cNvPr id="296" name="Cube 295"/>
+              <p:cNvSpPr/>
+              <p:nvPr/>
+            </p:nvSpPr>
+            <p:spPr>
+              <a:xfrm>
+                <a:off x="12343" y="5593"/>
+                <a:ext cx="372" cy="408"/>
+              </a:xfrm>
+              <a:prstGeom prst="cube">
+                <a:avLst/>
+              </a:prstGeom>
+              <a:solidFill>
+                <a:srgbClr val="E915DD"/>
+              </a:solidFill>
+              <a:ln>
+                <a:solidFill>
+                  <a:srgbClr val="E915DD"/>
+                </a:solidFill>
+              </a:ln>
+            </p:spPr>
+            <p:style>
+              <a:lnRef idx="1">
+                <a:schemeClr val="accent2"/>
+              </a:lnRef>
+              <a:fillRef idx="3">
+                <a:schemeClr val="accent2"/>
+              </a:fillRef>
+              <a:effectRef idx="2">
+                <a:schemeClr val="accent2"/>
+              </a:effectRef>
+              <a:fontRef idx="minor">
+                <a:schemeClr val="lt1"/>
+              </a:fontRef>
+            </p:style>
+            <p:txBody>
+              <a:bodyPr rtlCol="0" anchor="ctr"/>
+              <a:p>
+                <a:pPr algn="ctr"/>
+                <a:endParaRPr lang="en-US"/>
+              </a:p>
+            </p:txBody>
+          </p:sp>
+          <p:sp>
+            <p:nvSpPr>
+              <p:cNvPr id="297" name="Cube 296"/>
+              <p:cNvSpPr/>
+              <p:nvPr/>
+            </p:nvSpPr>
+            <p:spPr>
+              <a:xfrm>
+                <a:off x="12751" y="5593"/>
+                <a:ext cx="372" cy="408"/>
+              </a:xfrm>
+              <a:prstGeom prst="cube">
+                <a:avLst/>
+              </a:prstGeom>
+              <a:solidFill>
+                <a:srgbClr val="E915DD"/>
+              </a:solidFill>
+              <a:ln>
+                <a:solidFill>
+                  <a:srgbClr val="E915DD"/>
+                </a:solidFill>
+              </a:ln>
+            </p:spPr>
+            <p:style>
+              <a:lnRef idx="1">
+                <a:schemeClr val="accent2"/>
+              </a:lnRef>
+              <a:fillRef idx="3">
+                <a:schemeClr val="accent2"/>
+              </a:fillRef>
+              <a:effectRef idx="2">
+                <a:schemeClr val="accent2"/>
+              </a:effectRef>
+              <a:fontRef idx="minor">
+                <a:schemeClr val="lt1"/>
+              </a:fontRef>
+            </p:style>
+            <p:txBody>
+              <a:bodyPr rtlCol="0" anchor="ctr"/>
+              <a:p>
+                <a:pPr algn="ctr"/>
+                <a:endParaRPr lang="en-US"/>
+              </a:p>
+            </p:txBody>
+          </p:sp>
+          <p:sp>
+            <p:nvSpPr>
+              <p:cNvPr id="298" name="Cube 297"/>
+              <p:cNvSpPr/>
+              <p:nvPr/>
+            </p:nvSpPr>
+            <p:spPr>
+              <a:xfrm>
+                <a:off x="13651" y="5580"/>
+                <a:ext cx="372" cy="408"/>
+              </a:xfrm>
+              <a:prstGeom prst="cube">
+                <a:avLst/>
+              </a:prstGeom>
+              <a:solidFill>
+                <a:srgbClr val="E915DD"/>
+              </a:solidFill>
+              <a:ln>
+                <a:solidFill>
+                  <a:srgbClr val="E915DD"/>
+                </a:solidFill>
+              </a:ln>
+            </p:spPr>
+            <p:style>
+              <a:lnRef idx="1">
+                <a:schemeClr val="accent2"/>
+              </a:lnRef>
+              <a:fillRef idx="3">
+                <a:schemeClr val="accent2"/>
+              </a:fillRef>
+              <a:effectRef idx="2">
+                <a:schemeClr val="accent2"/>
+              </a:effectRef>
+              <a:fontRef idx="minor">
+                <a:schemeClr val="lt1"/>
+              </a:fontRef>
+            </p:style>
+            <p:txBody>
+              <a:bodyPr rtlCol="0" anchor="ctr"/>
+              <a:p>
+                <a:pPr algn="ctr"/>
+                <a:endParaRPr lang="en-US"/>
+              </a:p>
+            </p:txBody>
+          </p:sp>
+          <p:sp>
+            <p:nvSpPr>
+              <p:cNvPr id="299" name="Text Box 298"/>
+              <p:cNvSpPr txBox="1"/>
+              <p:nvPr/>
+            </p:nvSpPr>
+            <p:spPr>
+              <a:xfrm>
+                <a:off x="13097" y="5421"/>
+                <a:ext cx="588" cy="580"/>
+              </a:xfrm>
+              <a:prstGeom prst="rect">
+                <a:avLst/>
+              </a:prstGeom>
+              <a:noFill/>
+              <a:effectLst/>
+            </p:spPr>
+            <p:txBody>
+              <a:bodyPr wrap="none" rtlCol="0">
+                <a:spAutoFit/>
+              </a:bodyPr>
+              <a:p>
+                <a:pPr algn="ctr"/>
+                <a:r>
+                  <a:rPr lang="en-US" altLang="en-US"/>
+                  <a:t>...</a:t>
+                </a:r>
+                <a:endParaRPr lang="en-US" altLang="en-US"/>
+              </a:p>
+            </p:txBody>
+          </p:sp>
+        </p:grpSp>
+        <p:sp>
+          <p:nvSpPr>
+            <p:cNvPr id="301" name="Text Box 300"/>
+            <p:cNvSpPr txBox="1"/>
+            <p:nvPr/>
+          </p:nvSpPr>
+          <p:spPr>
+            <a:xfrm>
+              <a:off x="8172" y="5309"/>
+              <a:ext cx="2102" cy="434"/>
+            </a:xfrm>
+            <a:prstGeom prst="rect">
+              <a:avLst/>
+            </a:prstGeom>
+            <a:noFill/>
+          </p:spPr>
+          <p:txBody>
+            <a:bodyPr wrap="none" rtlCol="0">
+              <a:spAutoFit/>
+            </a:bodyPr>
+            <a:p>
+              <a:r>
+                <a:rPr lang="" altLang="en-US" sz="1200">
+                  <a:latin typeface="Times New Roman" panose="02020603050405020304" charset="0"/>
+                  <a:cs typeface="Times New Roman" panose="02020603050405020304" charset="0"/>
+                </a:rPr>
+                <a:t>Fused RoI features</a:t>
+              </a:r>
+              <a:endParaRPr lang="" altLang="en-US" sz="1200">
+                <a:latin typeface="Times New Roman" panose="02020603050405020304" charset="0"/>
+                <a:cs typeface="Times New Roman" panose="02020603050405020304" charset="0"/>
+              </a:endParaRPr>
+            </a:p>
+          </p:txBody>
+        </p:sp>
+        <p:sp>
+          <p:nvSpPr>
+            <p:cNvPr id="313" name="Text Box 312"/>
+            <p:cNvSpPr txBox="1"/>
+            <p:nvPr/>
+          </p:nvSpPr>
+          <p:spPr>
+            <a:xfrm>
+              <a:off x="4291" y="6554"/>
+              <a:ext cx="1228" cy="434"/>
+            </a:xfrm>
+            <a:prstGeom prst="rect">
+              <a:avLst/>
+            </a:prstGeom>
+            <a:noFill/>
+          </p:spPr>
+          <p:txBody>
+            <a:bodyPr wrap="none" rtlCol="0">
+              <a:spAutoFit/>
+            </a:bodyPr>
+            <a:p>
+              <a:r>
+                <a:rPr lang="en-US" altLang="en-US" sz="1200">
+                  <a:latin typeface="Times New Roman" panose="02020603050405020304" charset="0"/>
+                  <a:cs typeface="Times New Roman" panose="02020603050405020304" charset="0"/>
+                </a:rPr>
+                <a:t>1x1 Conv</a:t>
+              </a:r>
+              <a:endParaRPr lang="en-US" altLang="en-US" sz="1200">
+                <a:latin typeface="Times New Roman" panose="02020603050405020304" charset="0"/>
+                <a:cs typeface="Times New Roman" panose="02020603050405020304" charset="0"/>
+              </a:endParaRPr>
+            </a:p>
+          </p:txBody>
+        </p:sp>
+        <p:grpSp>
+          <p:nvGrpSpPr>
+            <p:cNvPr id="340" name="Group 339"/>
+            <p:cNvGrpSpPr/>
+            <p:nvPr/>
+          </p:nvGrpSpPr>
+          <p:grpSpPr>
+            <a:xfrm rot="0">
+              <a:off x="5540" y="3273"/>
+              <a:ext cx="602" cy="1149"/>
+              <a:chOff x="6005" y="3918"/>
+              <a:chExt cx="602" cy="1149"/>
+            </a:xfrm>
+          </p:grpSpPr>
+          <p:sp>
+            <p:nvSpPr>
+              <p:cNvPr id="262" name="Right Arrow 261"/>
+              <p:cNvSpPr/>
+              <p:nvPr/>
+            </p:nvSpPr>
+            <p:spPr>
+              <a:xfrm rot="16200000" flipH="1">
+                <a:off x="5773" y="4150"/>
+                <a:ext cx="753" cy="288"/>
+              </a:xfrm>
+              <a:prstGeom prst="rightArrow">
+                <a:avLst/>
+              </a:prstGeom>
+              <a:solidFill>
+                <a:srgbClr val="00B0F0"/>
+              </a:solidFill>
+              <a:ln>
+                <a:noFill/>
+              </a:ln>
+            </p:spPr>
+            <p:style>
+              <a:lnRef idx="2">
+                <a:schemeClr val="accent1">
+                  <a:shade val="50000"/>
+                </a:schemeClr>
+              </a:lnRef>
+              <a:fillRef idx="1">
+                <a:schemeClr val="accent1"/>
+              </a:fillRef>
+              <a:effectRef idx="0">
+                <a:schemeClr val="accent1"/>
+              </a:effectRef>
+              <a:fontRef idx="minor">
+                <a:schemeClr val="lt1"/>
+              </a:fontRef>
+            </p:style>
+            <p:txBody>
+              <a:bodyPr rtlCol="0" anchor="ctr"/>
+              <a:p>
+                <a:pPr algn="ctr"/>
+                <a:endParaRPr lang="en-US"/>
+              </a:p>
+            </p:txBody>
+          </p:sp>
+          <p:sp>
+            <p:nvSpPr>
+              <p:cNvPr id="339" name="Right Arrow 338"/>
+              <p:cNvSpPr/>
+              <p:nvPr/>
+            </p:nvSpPr>
+            <p:spPr>
+              <a:xfrm rot="16200000" flipH="1">
+                <a:off x="6087" y="4547"/>
+                <a:ext cx="753" cy="288"/>
+              </a:xfrm>
+              <a:prstGeom prst="rightArrow">
+                <a:avLst/>
+              </a:prstGeom>
+              <a:solidFill>
+                <a:srgbClr val="00B0F0"/>
+              </a:solidFill>
+              <a:ln>
+                <a:noFill/>
+              </a:ln>
+            </p:spPr>
+            <p:style>
+              <a:lnRef idx="2">
+                <a:schemeClr val="accent1">
+                  <a:shade val="50000"/>
+                </a:schemeClr>
+              </a:lnRef>
+              <a:fillRef idx="1">
+                <a:schemeClr val="accent1"/>
+              </a:fillRef>
+              <a:effectRef idx="0">
+                <a:schemeClr val="accent1"/>
+              </a:effectRef>
+              <a:fontRef idx="minor">
+                <a:schemeClr val="lt1"/>
+              </a:fontRef>
+            </p:style>
+            <p:txBody>
+              <a:bodyPr rtlCol="0" anchor="ctr"/>
+              <a:p>
+                <a:pPr algn="ctr"/>
+                <a:endParaRPr lang="en-US"/>
+              </a:p>
+            </p:txBody>
+          </p:sp>
+        </p:grpSp>
+        <p:grpSp>
+          <p:nvGrpSpPr>
+            <p:cNvPr id="341" name="Group 340"/>
+            <p:cNvGrpSpPr/>
+            <p:nvPr/>
+          </p:nvGrpSpPr>
+          <p:grpSpPr>
+            <a:xfrm rot="10800000" flipH="1">
+              <a:off x="5458" y="5913"/>
+              <a:ext cx="602" cy="1149"/>
+              <a:chOff x="6005" y="3918"/>
+              <a:chExt cx="602" cy="1149"/>
+            </a:xfrm>
+          </p:grpSpPr>
+          <p:sp>
+            <p:nvSpPr>
+              <p:cNvPr id="342" name="Right Arrow 341"/>
+              <p:cNvSpPr/>
+              <p:nvPr/>
+            </p:nvSpPr>
+            <p:spPr>
+              <a:xfrm rot="16200000" flipH="1">
+                <a:off x="5773" y="4150"/>
+                <a:ext cx="753" cy="288"/>
+              </a:xfrm>
+              <a:prstGeom prst="rightArrow">
+                <a:avLst/>
+              </a:prstGeom>
+              <a:solidFill>
+                <a:srgbClr val="00B0F0"/>
+              </a:solidFill>
+              <a:ln>
+                <a:noFill/>
+              </a:ln>
+            </p:spPr>
+            <p:style>
+              <a:lnRef idx="2">
+                <a:schemeClr val="accent1">
+                  <a:shade val="50000"/>
+                </a:schemeClr>
+              </a:lnRef>
+              <a:fillRef idx="1">
+                <a:schemeClr val="accent1"/>
+              </a:fillRef>
+              <a:effectRef idx="0">
+                <a:schemeClr val="accent1"/>
+              </a:effectRef>
+              <a:fontRef idx="minor">
+                <a:schemeClr val="lt1"/>
+              </a:fontRef>
+            </p:style>
+            <p:txBody>
+              <a:bodyPr rtlCol="0" anchor="ctr"/>
+              <a:p>
+                <a:pPr algn="ctr"/>
+                <a:endParaRPr lang="en-US"/>
+              </a:p>
+            </p:txBody>
+          </p:sp>
+          <p:sp>
+            <p:nvSpPr>
+              <p:cNvPr id="343" name="Right Arrow 342"/>
+              <p:cNvSpPr/>
+              <p:nvPr/>
+            </p:nvSpPr>
+            <p:spPr>
+              <a:xfrm rot="16200000" flipH="1">
+                <a:off x="6087" y="4547"/>
+                <a:ext cx="753" cy="288"/>
+              </a:xfrm>
+              <a:prstGeom prst="rightArrow">
+                <a:avLst/>
+              </a:prstGeom>
+              <a:solidFill>
+                <a:srgbClr val="00B0F0"/>
+              </a:solidFill>
+              <a:ln>
+                <a:noFill/>
+              </a:ln>
+            </p:spPr>
+            <p:style>
+              <a:lnRef idx="2">
+                <a:schemeClr val="accent1">
+                  <a:shade val="50000"/>
+                </a:schemeClr>
+              </a:lnRef>
+              <a:fillRef idx="1">
+                <a:schemeClr val="accent1"/>
+              </a:fillRef>
+              <a:effectRef idx="0">
+                <a:schemeClr val="accent1"/>
+              </a:effectRef>
+              <a:fontRef idx="minor">
+                <a:schemeClr val="lt1"/>
+              </a:fontRef>
+            </p:style>
+            <p:txBody>
+              <a:bodyPr rtlCol="0" anchor="ctr"/>
+              <a:p>
+                <a:pPr algn="ctr"/>
+                <a:endParaRPr lang="en-US"/>
+              </a:p>
+            </p:txBody>
+          </p:sp>
+        </p:grpSp>
+        <p:sp>
+          <p:nvSpPr>
+            <p:cNvPr id="344" name="Text Box 343"/>
+            <p:cNvSpPr txBox="1"/>
+            <p:nvPr/>
+          </p:nvSpPr>
+          <p:spPr>
+            <a:xfrm>
+              <a:off x="4388" y="3342"/>
+              <a:ext cx="1228" cy="434"/>
+            </a:xfrm>
+            <a:prstGeom prst="rect">
+              <a:avLst/>
+            </a:prstGeom>
+            <a:noFill/>
+          </p:spPr>
+          <p:txBody>
+            <a:bodyPr wrap="none" rtlCol="0">
+              <a:spAutoFit/>
+            </a:bodyPr>
+            <a:p>
+              <a:r>
+                <a:rPr lang="en-US" altLang="en-US" sz="1200">
+                  <a:latin typeface="Times New Roman" panose="02020603050405020304" charset="0"/>
+                  <a:cs typeface="Times New Roman" panose="02020603050405020304" charset="0"/>
+                </a:rPr>
+                <a:t>1x1 Conv</a:t>
+              </a:r>
+              <a:endParaRPr lang="en-US" altLang="en-US" sz="1200">
+                <a:latin typeface="Times New Roman" panose="02020603050405020304" charset="0"/>
+                <a:cs typeface="Times New Roman" panose="02020603050405020304" charset="0"/>
+              </a:endParaRPr>
+            </a:p>
+          </p:txBody>
+        </p:sp>
+        <p:sp>
+          <p:nvSpPr>
+            <p:cNvPr id="345" name="Text Box 344"/>
+            <p:cNvSpPr txBox="1"/>
+            <p:nvPr/>
+          </p:nvSpPr>
+          <p:spPr>
+            <a:xfrm>
+              <a:off x="6061" y="3776"/>
+              <a:ext cx="1455" cy="434"/>
+            </a:xfrm>
+            <a:prstGeom prst="rect">
+              <a:avLst/>
+            </a:prstGeom>
+            <a:noFill/>
+          </p:spPr>
+          <p:txBody>
+            <a:bodyPr wrap="none" rtlCol="0">
+              <a:spAutoFit/>
+            </a:bodyPr>
+            <a:p>
+              <a:r>
+                <a:rPr lang="en-US" altLang="en-US" sz="1200">
+                  <a:latin typeface="Times New Roman" panose="02020603050405020304" charset="0"/>
+                  <a:cs typeface="Times New Roman" panose="02020603050405020304" charset="0"/>
+                </a:rPr>
+                <a:t>RoI Pooling</a:t>
+              </a:r>
+              <a:endParaRPr lang="en-US" altLang="en-US" sz="1200">
+                <a:latin typeface="Times New Roman" panose="02020603050405020304" charset="0"/>
+                <a:cs typeface="Times New Roman" panose="02020603050405020304" charset="0"/>
+              </a:endParaRPr>
+            </a:p>
+          </p:txBody>
+        </p:sp>
+      </p:grpSp>
+    </p:spTree>
+  </p:cSld>
+  <p:clrMapOvr>
+    <a:masterClrMapping/>
+  </p:clrMapOvr>
+</p:sld>
+</file>
+
+<file path=ppt/slides/slide2.xml><?xml version="1.0" encoding="utf-8"?>
+<p:sld xmlns:a="http://schemas.openxmlformats.org/drawingml/2006/main" xmlns:r="http://schemas.openxmlformats.org/officeDocument/2006/relationships" xmlns:p="http://schemas.openxmlformats.org/presentationml/2006/main">
+  <p:cSld>
+    <p:spTree>
+      <p:nvGrpSpPr>
+        <p:cNvPr id="1" name=""/>
+        <p:cNvGrpSpPr/>
+        <p:nvPr/>
+      </p:nvGrpSpPr>
+      <p:grpSpPr/>
+      <p:sp>
+        <p:nvSpPr>
+          <p:cNvPr id="10" name="Rectangle 9"/>
+          <p:cNvSpPr/>
+          <p:nvPr/>
+        </p:nvSpPr>
+        <p:spPr>
+          <a:xfrm>
+            <a:off x="243840" y="1016000"/>
+            <a:ext cx="11668760" cy="4727575"/>
+          </a:xfrm>
+          <a:prstGeom prst="rect">
+            <a:avLst/>
+          </a:prstGeom>
+          <a:solidFill>
+            <a:srgbClr val="FFF2CC">
+              <a:alpha val="49000"/>
+            </a:srgbClr>
+          </a:solidFill>
+          <a:ln>
+            <a:noFill/>
+          </a:ln>
+        </p:spPr>
+        <p:style>
+          <a:lnRef idx="1">
+            <a:schemeClr val="accent3"/>
+          </a:lnRef>
+          <a:fillRef idx="2">
+            <a:schemeClr val="accent3"/>
+          </a:fillRef>
+          <a:effectRef idx="1">
+            <a:schemeClr val="accent3"/>
+          </a:effectRef>
+          <a:fontRef idx="minor">
+            <a:schemeClr val="dk1"/>
+          </a:fontRef>
+        </p:style>
+        <p:txBody>
+          <a:bodyPr rtlCol="0" anchor="ctr"/>
+          <a:p>
+            <a:pPr algn="ctr"/>
+            <a:endParaRPr lang="en-US"/>
+          </a:p>
+        </p:txBody>
+      </p:sp>
+      <p:grpSp>
+        <p:nvGrpSpPr>
+          <p:cNvPr id="3" name="Group 2"/>
+          <p:cNvGrpSpPr/>
+          <p:nvPr/>
+        </p:nvGrpSpPr>
+        <p:grpSpPr>
+          <a:xfrm>
+            <a:off x="5666726" y="1879600"/>
+            <a:ext cx="6132209" cy="2929255"/>
+            <a:chOff x="9047" y="2961"/>
+            <a:chExt cx="9010" cy="4613"/>
+          </a:xfrm>
+        </p:grpSpPr>
+        <p:sp>
+          <p:nvSpPr>
+            <p:cNvPr id="2" name="Rectangle 1"/>
+            <p:cNvSpPr/>
+            <p:nvPr/>
+          </p:nvSpPr>
+          <p:spPr>
+            <a:xfrm>
+              <a:off x="11093" y="3979"/>
+              <a:ext cx="6964" cy="2930"/>
+            </a:xfrm>
+            <a:prstGeom prst="rect">
+              <a:avLst/>
+            </a:prstGeom>
+            <a:solidFill>
+              <a:schemeClr val="accent5">
+                <a:lumMod val="40000"/>
+                <a:lumOff val="60000"/>
+              </a:schemeClr>
+            </a:solidFill>
+            <a:ln>
+              <a:noFill/>
+            </a:ln>
+          </p:spPr>
+          <p:style>
+            <a:lnRef idx="2">
+              <a:schemeClr val="accent1">
+                <a:shade val="50000"/>
+              </a:schemeClr>
+            </a:lnRef>
+            <a:fillRef idx="1">
+              <a:schemeClr val="accent1"/>
+            </a:fillRef>
+            <a:effectRef idx="0">
+              <a:schemeClr val="accent1"/>
+            </a:effectRef>
+            <a:fontRef idx="minor">
+              <a:schemeClr val="lt1"/>
+            </a:fontRef>
+          </p:style>
+          <p:txBody>
+            <a:bodyPr rtlCol="0" anchor="ctr"/>
+            <a:p>
+              <a:pPr algn="ctr"/>
+              <a:endParaRPr lang="en-US"/>
+            </a:p>
+          </p:txBody>
+        </p:sp>
+        <p:sp>
+          <p:nvSpPr>
+            <p:cNvPr id="185" name="Rectangle 184"/>
+            <p:cNvSpPr/>
+            <p:nvPr/>
+          </p:nvSpPr>
+          <p:spPr>
+            <a:xfrm>
+              <a:off x="9047" y="2961"/>
+              <a:ext cx="2145" cy="4613"/>
+            </a:xfrm>
+            <a:prstGeom prst="rect">
+              <a:avLst/>
+            </a:prstGeom>
+            <a:solidFill>
+              <a:schemeClr val="accent5">
+                <a:lumMod val="40000"/>
+                <a:lumOff val="60000"/>
+              </a:schemeClr>
+            </a:solidFill>
+            <a:ln>
+              <a:noFill/>
+            </a:ln>
+          </p:spPr>
+          <p:style>
+            <a:lnRef idx="2">
+              <a:schemeClr val="accent1">
+                <a:shade val="50000"/>
+              </a:schemeClr>
+            </a:lnRef>
+            <a:fillRef idx="1">
+              <a:schemeClr val="accent1"/>
+            </a:fillRef>
+            <a:effectRef idx="0">
+              <a:schemeClr val="accent1"/>
+            </a:effectRef>
+            <a:fontRef idx="minor">
+              <a:schemeClr val="lt1"/>
+            </a:fontRef>
+          </p:style>
+          <p:txBody>
+            <a:bodyPr rtlCol="0" anchor="ctr"/>
+            <a:p>
+              <a:pPr algn="ctr"/>
+              <a:endParaRPr lang="en-US"/>
+            </a:p>
+          </p:txBody>
+        </p:sp>
+      </p:grpSp>
+      <p:grpSp>
+        <p:nvGrpSpPr>
+          <p:cNvPr id="59" name="Group 58"/>
+          <p:cNvGrpSpPr/>
+          <p:nvPr/>
+        </p:nvGrpSpPr>
+        <p:grpSpPr>
+          <a:xfrm rot="0">
+            <a:off x="2883535" y="3140710"/>
+            <a:ext cx="1729740" cy="735330"/>
+            <a:chOff x="13012" y="2512"/>
+            <a:chExt cx="2724" cy="1158"/>
+          </a:xfrm>
+        </p:grpSpPr>
+        <p:sp>
+          <p:nvSpPr>
+            <p:cNvPr id="52" name="Cube 51"/>
+            <p:cNvSpPr/>
+            <p:nvPr/>
+          </p:nvSpPr>
+          <p:spPr>
+            <a:xfrm>
+              <a:off x="13012" y="2684"/>
+              <a:ext cx="372" cy="408"/>
+            </a:xfrm>
+            <a:prstGeom prst="cube">
+              <a:avLst/>
+            </a:prstGeom>
+            <a:solidFill>
+              <a:srgbClr val="FF0000"/>
+            </a:solidFill>
+            <a:ln>
+              <a:solidFill>
+                <a:srgbClr val="FF0000"/>
+              </a:solidFill>
+            </a:ln>
+          </p:spPr>
+          <p:style>
+            <a:lnRef idx="1">
+              <a:schemeClr val="accent2"/>
+            </a:lnRef>
+            <a:fillRef idx="3">
+              <a:schemeClr val="accent2"/>
+            </a:fillRef>
+            <a:effectRef idx="2">
+              <a:schemeClr val="accent2"/>
+            </a:effectRef>
+            <a:fontRef idx="minor">
+              <a:schemeClr val="lt1"/>
+            </a:fontRef>
+          </p:style>
+          <p:txBody>
+            <a:bodyPr rtlCol="0" anchor="ctr"/>
+            <a:p>
+              <a:pPr algn="ctr"/>
+              <a:endParaRPr lang="en-US"/>
+            </a:p>
+          </p:txBody>
+        </p:sp>
+        <p:sp>
+          <p:nvSpPr>
+            <p:cNvPr id="53" name="Cube 52"/>
+            <p:cNvSpPr/>
+            <p:nvPr/>
+          </p:nvSpPr>
+          <p:spPr>
+            <a:xfrm>
+              <a:off x="13444" y="2684"/>
+              <a:ext cx="372" cy="408"/>
+            </a:xfrm>
+            <a:prstGeom prst="cube">
+              <a:avLst/>
+            </a:prstGeom>
+            <a:solidFill>
+              <a:srgbClr val="FF0000"/>
+            </a:solidFill>
+            <a:ln>
+              <a:solidFill>
+                <a:srgbClr val="FF0000"/>
+              </a:solidFill>
+            </a:ln>
+          </p:spPr>
+          <p:style>
+            <a:lnRef idx="1">
+              <a:schemeClr val="accent2"/>
+            </a:lnRef>
+            <a:fillRef idx="3">
+              <a:schemeClr val="accent2"/>
+            </a:fillRef>
+            <a:effectRef idx="2">
+              <a:schemeClr val="accent2"/>
+            </a:effectRef>
+            <a:fontRef idx="minor">
+              <a:schemeClr val="lt1"/>
+            </a:fontRef>
+          </p:style>
+          <p:txBody>
+            <a:bodyPr rtlCol="0" anchor="ctr"/>
+            <a:p>
+              <a:pPr algn="ctr"/>
+              <a:endParaRPr lang="en-US"/>
+            </a:p>
+          </p:txBody>
+        </p:sp>
+        <p:sp>
+          <p:nvSpPr>
+            <p:cNvPr id="54" name="Cube 53"/>
+            <p:cNvSpPr/>
+            <p:nvPr/>
+          </p:nvSpPr>
+          <p:spPr>
+            <a:xfrm>
+              <a:off x="13888" y="2694"/>
+              <a:ext cx="372" cy="408"/>
+            </a:xfrm>
+            <a:prstGeom prst="cube">
+              <a:avLst/>
+            </a:prstGeom>
+            <a:solidFill>
+              <a:srgbClr val="FF0000"/>
+            </a:solidFill>
+            <a:ln>
+              <a:solidFill>
+                <a:srgbClr val="FF0000"/>
+              </a:solidFill>
+            </a:ln>
+          </p:spPr>
+          <p:style>
+            <a:lnRef idx="1">
+              <a:schemeClr val="accent2"/>
+            </a:lnRef>
+            <a:fillRef idx="3">
+              <a:schemeClr val="accent2"/>
+            </a:fillRef>
+            <a:effectRef idx="2">
+              <a:schemeClr val="accent2"/>
+            </a:effectRef>
+            <a:fontRef idx="minor">
+              <a:schemeClr val="lt1"/>
+            </a:fontRef>
+          </p:style>
+          <p:txBody>
+            <a:bodyPr rtlCol="0" anchor="ctr"/>
+            <a:p>
+              <a:pPr algn="ctr"/>
+              <a:endParaRPr lang="en-US"/>
+            </a:p>
+          </p:txBody>
+        </p:sp>
+        <p:sp>
+          <p:nvSpPr>
+            <p:cNvPr id="55" name="Cube 54"/>
+            <p:cNvSpPr/>
+            <p:nvPr/>
+          </p:nvSpPr>
+          <p:spPr>
+            <a:xfrm>
+              <a:off x="15364" y="2681"/>
+              <a:ext cx="372" cy="408"/>
+            </a:xfrm>
+            <a:prstGeom prst="cube">
+              <a:avLst/>
+            </a:prstGeom>
+            <a:solidFill>
+              <a:srgbClr val="FF0000"/>
+            </a:solidFill>
+            <a:ln>
+              <a:solidFill>
+                <a:srgbClr val="FF0000"/>
+              </a:solidFill>
+            </a:ln>
+          </p:spPr>
+          <p:style>
+            <a:lnRef idx="1">
+              <a:schemeClr val="accent2"/>
+            </a:lnRef>
+            <a:fillRef idx="3">
+              <a:schemeClr val="accent2"/>
+            </a:fillRef>
+            <a:effectRef idx="2">
+              <a:schemeClr val="accent2"/>
+            </a:effectRef>
+            <a:fontRef idx="minor">
+              <a:schemeClr val="lt1"/>
+            </a:fontRef>
+          </p:style>
+          <p:txBody>
+            <a:bodyPr rtlCol="0" anchor="ctr"/>
+            <a:p>
+              <a:pPr algn="ctr"/>
+              <a:endParaRPr lang="en-US"/>
+            </a:p>
+          </p:txBody>
+        </p:sp>
+        <p:sp>
+          <p:nvSpPr>
+            <p:cNvPr id="56" name="Cube 55"/>
+            <p:cNvSpPr/>
+            <p:nvPr/>
+          </p:nvSpPr>
+          <p:spPr>
+            <a:xfrm>
+              <a:off x="14908" y="2684"/>
+              <a:ext cx="372" cy="408"/>
+            </a:xfrm>
+            <a:prstGeom prst="cube">
+              <a:avLst/>
+            </a:prstGeom>
+            <a:solidFill>
+              <a:srgbClr val="FF0000"/>
+            </a:solidFill>
+            <a:ln>
+              <a:solidFill>
+                <a:srgbClr val="FF0000"/>
+              </a:solidFill>
+            </a:ln>
+          </p:spPr>
+          <p:style>
+            <a:lnRef idx="1">
+              <a:schemeClr val="accent2"/>
+            </a:lnRef>
+            <a:fillRef idx="3">
+              <a:schemeClr val="accent2"/>
+            </a:fillRef>
+            <a:effectRef idx="2">
+              <a:schemeClr val="accent2"/>
+            </a:effectRef>
+            <a:fontRef idx="minor">
+              <a:schemeClr val="lt1"/>
+            </a:fontRef>
+          </p:style>
+          <p:txBody>
+            <a:bodyPr rtlCol="0" anchor="ctr"/>
+            <a:p>
+              <a:pPr algn="ctr"/>
+              <a:endParaRPr lang="en-US"/>
+            </a:p>
+          </p:txBody>
+        </p:sp>
+        <p:sp>
+          <p:nvSpPr>
+            <p:cNvPr id="57" name="Text Box 56"/>
+            <p:cNvSpPr txBox="1"/>
+            <p:nvPr/>
+          </p:nvSpPr>
+          <p:spPr>
+            <a:xfrm>
+              <a:off x="14284" y="2512"/>
+              <a:ext cx="588" cy="580"/>
+            </a:xfrm>
+            <a:prstGeom prst="rect">
+              <a:avLst/>
+            </a:prstGeom>
+            <a:noFill/>
+            <a:effectLst/>
+          </p:spPr>
+          <p:txBody>
+            <a:bodyPr wrap="none" rtlCol="0">
+              <a:spAutoFit/>
+            </a:bodyPr>
+            <a:p>
+              <a:pPr algn="ctr"/>
+              <a:r>
+                <a:rPr lang="en-US" altLang="en-US"/>
+                <a:t>...</a:t>
+              </a:r>
+              <a:endParaRPr lang="en-US" altLang="en-US"/>
+            </a:p>
+          </p:txBody>
+        </p:sp>
+        <p:sp>
+          <p:nvSpPr>
+            <p:cNvPr id="58" name="Text Box 57"/>
+            <p:cNvSpPr txBox="1"/>
+            <p:nvPr/>
+          </p:nvSpPr>
+          <p:spPr>
+            <a:xfrm>
+              <a:off x="13127" y="3236"/>
+              <a:ext cx="2237" cy="434"/>
+            </a:xfrm>
+            <a:prstGeom prst="rect">
+              <a:avLst/>
+            </a:prstGeom>
+            <a:noFill/>
+          </p:spPr>
+          <p:txBody>
+            <a:bodyPr wrap="none" rtlCol="0">
+              <a:spAutoFit/>
+            </a:bodyPr>
+            <a:p>
+              <a:r>
+                <a:rPr lang="en-US" altLang="en-US" sz="1200">
+                  <a:latin typeface="Times New Roman" panose="02020603050405020304" charset="0"/>
+                  <a:cs typeface="Times New Roman" panose="02020603050405020304" charset="0"/>
+                </a:rPr>
+                <a:t>Top K 3D Proposals</a:t>
+              </a:r>
+              <a:endParaRPr lang="en-US" altLang="en-US" sz="1200">
+                <a:latin typeface="Times New Roman" panose="02020603050405020304" charset="0"/>
+                <a:cs typeface="Times New Roman" panose="02020603050405020304" charset="0"/>
+              </a:endParaRPr>
+            </a:p>
+          </p:txBody>
+        </p:sp>
+      </p:grpSp>
+      <p:grpSp>
+        <p:nvGrpSpPr>
+          <p:cNvPr id="67" name="Group 66"/>
+          <p:cNvGrpSpPr/>
+          <p:nvPr/>
+        </p:nvGrpSpPr>
+        <p:grpSpPr>
+          <a:xfrm>
+            <a:off x="243205" y="1263015"/>
+            <a:ext cx="2029460" cy="1173480"/>
+            <a:chOff x="1124" y="5219"/>
+            <a:chExt cx="3196" cy="1848"/>
+          </a:xfrm>
+        </p:grpSpPr>
+        <p:grpSp>
+          <p:nvGrpSpPr>
+            <p:cNvPr id="65" name="Group 64"/>
+            <p:cNvGrpSpPr/>
+            <p:nvPr/>
+          </p:nvGrpSpPr>
+          <p:grpSpPr>
+            <a:xfrm>
+              <a:off x="2296" y="5219"/>
+              <a:ext cx="2024" cy="1848"/>
+              <a:chOff x="809" y="5161"/>
+              <a:chExt cx="2024" cy="1848"/>
+            </a:xfrm>
+          </p:grpSpPr>
+          <p:sp>
+            <p:nvSpPr>
+              <p:cNvPr id="60" name="Rectangle 59"/>
+              <p:cNvSpPr/>
+              <p:nvPr/>
+            </p:nvSpPr>
+            <p:spPr>
+              <a:xfrm>
+                <a:off x="809" y="5161"/>
+                <a:ext cx="2024" cy="1848"/>
+              </a:xfrm>
+              <a:prstGeom prst="rect">
+                <a:avLst/>
+              </a:prstGeom>
+              <a:solidFill>
+                <a:schemeClr val="bg1">
+                  <a:lumMod val="85000"/>
+                </a:schemeClr>
+              </a:solidFill>
+              <a:ln>
+                <a:noFill/>
+              </a:ln>
+            </p:spPr>
+            <p:style>
+              <a:lnRef idx="2">
+                <a:schemeClr val="accent3">
+                  <a:shade val="50000"/>
+                </a:schemeClr>
+              </a:lnRef>
+              <a:fillRef idx="1">
+                <a:schemeClr val="accent3"/>
+              </a:fillRef>
+              <a:effectRef idx="0">
+                <a:schemeClr val="accent3"/>
+              </a:effectRef>
+              <a:fontRef idx="minor">
+                <a:schemeClr val="lt1"/>
+              </a:fontRef>
+            </p:style>
+            <p:txBody>
+              <a:bodyPr rtlCol="0" anchor="ctr"/>
+              <a:p>
+                <a:pPr algn="ctr"/>
+                <a:endParaRPr lang="en-US"/>
+              </a:p>
+            </p:txBody>
+          </p:sp>
+          <p:sp>
+            <p:nvSpPr>
+              <p:cNvPr id="61" name="Rectangle 60"/>
+              <p:cNvSpPr/>
+              <p:nvPr/>
+            </p:nvSpPr>
+            <p:spPr>
+              <a:xfrm>
+                <a:off x="1285" y="5337"/>
+                <a:ext cx="1011" cy="707"/>
+              </a:xfrm>
+              <a:prstGeom prst="rect">
+                <a:avLst/>
+              </a:prstGeom>
+              <a:solidFill>
+                <a:srgbClr val="00B0F0"/>
+              </a:solidFill>
+              <a:ln>
+                <a:noFill/>
+              </a:ln>
+            </p:spPr>
+            <p:style>
+              <a:lnRef idx="2">
+                <a:schemeClr val="accent1">
+                  <a:shade val="50000"/>
+                </a:schemeClr>
+              </a:lnRef>
+              <a:fillRef idx="1">
+                <a:schemeClr val="accent1"/>
+              </a:fillRef>
+              <a:effectRef idx="0">
+                <a:schemeClr val="accent1"/>
+              </a:effectRef>
+              <a:fontRef idx="minor">
+                <a:schemeClr val="lt1"/>
+              </a:fontRef>
+            </p:style>
+            <p:txBody>
+              <a:bodyPr rtlCol="0" anchor="ctr"/>
+              <a:p>
+                <a:pPr algn="ctr"/>
+                <a:endParaRPr lang="en-US">
+                  <a:ln>
+                    <a:noFill/>
+                  </a:ln>
+                </a:endParaRPr>
+              </a:p>
+            </p:txBody>
+          </p:sp>
+          <p:sp>
+            <p:nvSpPr>
+              <p:cNvPr id="62" name="Rectangle 61"/>
+              <p:cNvSpPr/>
+              <p:nvPr/>
+            </p:nvSpPr>
+            <p:spPr>
+              <a:xfrm>
+                <a:off x="1063" y="6343"/>
+                <a:ext cx="1454" cy="489"/>
+              </a:xfrm>
+              <a:prstGeom prst="rect">
+                <a:avLst/>
+              </a:prstGeom>
+              <a:ln>
+                <a:noFill/>
+              </a:ln>
+            </p:spPr>
+            <p:style>
+              <a:lnRef idx="2">
+                <a:schemeClr val="accent4">
+                  <a:shade val="50000"/>
+                </a:schemeClr>
+              </a:lnRef>
+              <a:fillRef idx="1">
+                <a:schemeClr val="accent4"/>
+              </a:fillRef>
+              <a:effectRef idx="0">
+                <a:schemeClr val="accent4"/>
+              </a:effectRef>
+              <a:fontRef idx="minor">
+                <a:schemeClr val="lt1"/>
+              </a:fontRef>
+            </p:style>
+            <p:txBody>
+              <a:bodyPr rtlCol="0" anchor="ctr"/>
+              <a:p>
+                <a:pPr algn="ctr"/>
+                <a:endParaRPr lang="en-US"/>
+              </a:p>
+            </p:txBody>
+          </p:sp>
+          <p:sp>
+            <p:nvSpPr>
+              <p:cNvPr id="63" name="Text Box 62"/>
+              <p:cNvSpPr txBox="1"/>
+              <p:nvPr/>
+            </p:nvSpPr>
+            <p:spPr>
+              <a:xfrm>
+                <a:off x="1378" y="5332"/>
+                <a:ext cx="823" cy="725"/>
+              </a:xfrm>
+              <a:prstGeom prst="rect">
+                <a:avLst/>
+              </a:prstGeom>
+              <a:noFill/>
+            </p:spPr>
+            <p:txBody>
+              <a:bodyPr wrap="none" rtlCol="0">
+                <a:spAutoFit/>
+              </a:bodyPr>
+              <a:p>
+                <a:r>
+                  <a:rPr lang="en-US" altLang="en-US" sz="1200">
+                    <a:latin typeface="Times New Roman" panose="02020603050405020304" charset="0"/>
+                    <a:cs typeface="Times New Roman" panose="02020603050405020304" charset="0"/>
+                  </a:rPr>
+                  <a:t>BEV </a:t>
+                </a:r>
+                <a:endParaRPr lang="en-US" altLang="en-US" sz="1200">
+                  <a:latin typeface="Times New Roman" panose="02020603050405020304" charset="0"/>
+                  <a:cs typeface="Times New Roman" panose="02020603050405020304" charset="0"/>
+                </a:endParaRPr>
+              </a:p>
+              <a:p>
+                <a:r>
+                  <a:rPr lang="en-US" altLang="en-US" sz="1200">
+                    <a:latin typeface="Times New Roman" panose="02020603050405020304" charset="0"/>
+                    <a:cs typeface="Times New Roman" panose="02020603050405020304" charset="0"/>
+                  </a:rPr>
+                  <a:t>maps</a:t>
+                </a:r>
+                <a:endParaRPr lang="en-US" altLang="en-US" sz="1200">
+                  <a:latin typeface="Times New Roman" panose="02020603050405020304" charset="0"/>
+                  <a:cs typeface="Times New Roman" panose="02020603050405020304" charset="0"/>
+                </a:endParaRPr>
+              </a:p>
+            </p:txBody>
+          </p:sp>
+          <p:sp>
+            <p:nvSpPr>
+              <p:cNvPr id="64" name="Text Box 63"/>
+              <p:cNvSpPr txBox="1"/>
+              <p:nvPr/>
+            </p:nvSpPr>
+            <p:spPr>
+              <a:xfrm>
+                <a:off x="1330" y="6356"/>
+                <a:ext cx="889" cy="434"/>
+              </a:xfrm>
+              <a:prstGeom prst="rect">
+                <a:avLst/>
+              </a:prstGeom>
+              <a:noFill/>
+            </p:spPr>
+            <p:txBody>
+              <a:bodyPr wrap="none" rtlCol="0">
+                <a:spAutoFit/>
+              </a:bodyPr>
+              <a:p>
+                <a:r>
+                  <a:rPr lang="en-US" altLang="en-US" sz="1200">
+                    <a:latin typeface="Times New Roman" panose="02020603050405020304" charset="0"/>
+                    <a:cs typeface="Times New Roman" panose="02020603050405020304" charset="0"/>
+                  </a:rPr>
+                  <a:t>Image</a:t>
+                </a:r>
+                <a:endParaRPr lang="en-US" altLang="en-US" sz="1200">
+                  <a:latin typeface="Times New Roman" panose="02020603050405020304" charset="0"/>
+                  <a:cs typeface="Times New Roman" panose="02020603050405020304" charset="0"/>
+                </a:endParaRPr>
+              </a:p>
+            </p:txBody>
+          </p:sp>
+        </p:grpSp>
+        <p:sp>
+          <p:nvSpPr>
+            <p:cNvPr id="66" name="Text Box 65"/>
+            <p:cNvSpPr txBox="1"/>
+            <p:nvPr/>
+          </p:nvSpPr>
+          <p:spPr>
+            <a:xfrm>
+              <a:off x="1124" y="5926"/>
+              <a:ext cx="1181" cy="434"/>
+            </a:xfrm>
+            <a:prstGeom prst="rect">
+              <a:avLst/>
+            </a:prstGeom>
+            <a:noFill/>
+          </p:spPr>
+          <p:txBody>
+            <a:bodyPr wrap="none" rtlCol="0">
+              <a:spAutoFit/>
+            </a:bodyPr>
+            <a:p>
+              <a:r>
+                <a:rPr lang="en-US" altLang="en-US" sz="1200"/>
+                <a:t>Frame 0</a:t>
+              </a:r>
+              <a:endParaRPr lang="en-US" altLang="en-US" sz="1200"/>
+            </a:p>
+          </p:txBody>
+        </p:sp>
+      </p:grpSp>
+      <p:grpSp>
+        <p:nvGrpSpPr>
+          <p:cNvPr id="69" name="Group 68"/>
+          <p:cNvGrpSpPr/>
+          <p:nvPr/>
+        </p:nvGrpSpPr>
+        <p:grpSpPr>
+          <a:xfrm>
+            <a:off x="262255" y="4231640"/>
+            <a:ext cx="1980565" cy="1173480"/>
+            <a:chOff x="1201" y="5219"/>
+            <a:chExt cx="3119" cy="1848"/>
+          </a:xfrm>
+        </p:grpSpPr>
+        <p:grpSp>
+          <p:nvGrpSpPr>
+            <p:cNvPr id="70" name="Group 69"/>
+            <p:cNvGrpSpPr/>
+            <p:nvPr/>
+          </p:nvGrpSpPr>
+          <p:grpSpPr>
+            <a:xfrm>
+              <a:off x="2296" y="5219"/>
+              <a:ext cx="2024" cy="1848"/>
+              <a:chOff x="809" y="5161"/>
+              <a:chExt cx="2024" cy="1848"/>
+            </a:xfrm>
+          </p:grpSpPr>
+          <p:sp>
+            <p:nvSpPr>
+              <p:cNvPr id="71" name="Rectangle 70"/>
+              <p:cNvSpPr/>
+              <p:nvPr/>
+            </p:nvSpPr>
+            <p:spPr>
+              <a:xfrm>
+                <a:off x="809" y="5161"/>
+                <a:ext cx="2024" cy="1848"/>
+              </a:xfrm>
+              <a:prstGeom prst="rect">
+                <a:avLst/>
+              </a:prstGeom>
+              <a:solidFill>
+                <a:schemeClr val="bg1">
+                  <a:lumMod val="85000"/>
+                </a:schemeClr>
+              </a:solidFill>
+              <a:ln>
+                <a:noFill/>
+              </a:ln>
+            </p:spPr>
+            <p:style>
+              <a:lnRef idx="2">
+                <a:schemeClr val="accent3">
+                  <a:shade val="50000"/>
+                </a:schemeClr>
+              </a:lnRef>
+              <a:fillRef idx="1">
+                <a:schemeClr val="accent3"/>
+              </a:fillRef>
+              <a:effectRef idx="0">
+                <a:schemeClr val="accent3"/>
+              </a:effectRef>
+              <a:fontRef idx="minor">
+                <a:schemeClr val="lt1"/>
+              </a:fontRef>
+            </p:style>
+            <p:txBody>
+              <a:bodyPr rtlCol="0" anchor="ctr"/>
+              <a:p>
+                <a:pPr algn="ctr"/>
+                <a:endParaRPr lang="en-US"/>
+              </a:p>
+            </p:txBody>
+          </p:sp>
+          <p:sp>
+            <p:nvSpPr>
+              <p:cNvPr id="72" name="Rectangle 71"/>
+              <p:cNvSpPr/>
+              <p:nvPr/>
+            </p:nvSpPr>
+            <p:spPr>
+              <a:xfrm>
+                <a:off x="1285" y="5337"/>
+                <a:ext cx="1011" cy="707"/>
+              </a:xfrm>
+              <a:prstGeom prst="rect">
+                <a:avLst/>
+              </a:prstGeom>
+              <a:solidFill>
+                <a:srgbClr val="00B0F0"/>
+              </a:solidFill>
+              <a:ln>
+                <a:noFill/>
+              </a:ln>
+            </p:spPr>
+            <p:style>
+              <a:lnRef idx="2">
+                <a:schemeClr val="accent1">
+                  <a:shade val="50000"/>
+                </a:schemeClr>
+              </a:lnRef>
+              <a:fillRef idx="1">
+                <a:schemeClr val="accent1"/>
+              </a:fillRef>
+              <a:effectRef idx="0">
+                <a:schemeClr val="accent1"/>
+              </a:effectRef>
+              <a:fontRef idx="minor">
+                <a:schemeClr val="lt1"/>
+              </a:fontRef>
+            </p:style>
+            <p:txBody>
+              <a:bodyPr rtlCol="0" anchor="ctr"/>
+              <a:p>
+                <a:pPr algn="ctr"/>
+                <a:endParaRPr lang="en-US">
+                  <a:ln>
+                    <a:noFill/>
+                  </a:ln>
+                </a:endParaRPr>
+              </a:p>
+            </p:txBody>
+          </p:sp>
+          <p:sp>
+            <p:nvSpPr>
+              <p:cNvPr id="73" name="Rectangle 72"/>
+              <p:cNvSpPr/>
+              <p:nvPr/>
+            </p:nvSpPr>
+            <p:spPr>
+              <a:xfrm>
+                <a:off x="1063" y="6343"/>
+                <a:ext cx="1454" cy="489"/>
+              </a:xfrm>
+              <a:prstGeom prst="rect">
+                <a:avLst/>
+              </a:prstGeom>
+              <a:ln>
+                <a:noFill/>
+              </a:ln>
+            </p:spPr>
+            <p:style>
+              <a:lnRef idx="2">
+                <a:schemeClr val="accent4">
+                  <a:shade val="50000"/>
+                </a:schemeClr>
+              </a:lnRef>
+              <a:fillRef idx="1">
+                <a:schemeClr val="accent4"/>
+              </a:fillRef>
+              <a:effectRef idx="0">
+                <a:schemeClr val="accent4"/>
+              </a:effectRef>
+              <a:fontRef idx="minor">
+                <a:schemeClr val="lt1"/>
+              </a:fontRef>
+            </p:style>
+            <p:txBody>
+              <a:bodyPr rtlCol="0" anchor="ctr"/>
+              <a:p>
+                <a:pPr algn="ctr"/>
+                <a:endParaRPr lang="en-US"/>
+              </a:p>
+            </p:txBody>
+          </p:sp>
+          <p:sp>
+            <p:nvSpPr>
+              <p:cNvPr id="74" name="Text Box 73"/>
+              <p:cNvSpPr txBox="1"/>
+              <p:nvPr/>
+            </p:nvSpPr>
+            <p:spPr>
+              <a:xfrm>
+                <a:off x="1378" y="5332"/>
+                <a:ext cx="823" cy="725"/>
+              </a:xfrm>
+              <a:prstGeom prst="rect">
+                <a:avLst/>
+              </a:prstGeom>
+              <a:noFill/>
+            </p:spPr>
+            <p:txBody>
+              <a:bodyPr wrap="none" rtlCol="0">
+                <a:spAutoFit/>
+              </a:bodyPr>
+              <a:p>
+                <a:r>
+                  <a:rPr lang="en-US" altLang="en-US" sz="1200">
+                    <a:latin typeface="Times New Roman" panose="02020603050405020304" charset="0"/>
+                    <a:cs typeface="Times New Roman" panose="02020603050405020304" charset="0"/>
+                  </a:rPr>
+                  <a:t>BEV </a:t>
+                </a:r>
+                <a:endParaRPr lang="en-US" altLang="en-US" sz="1200">
+                  <a:latin typeface="Times New Roman" panose="02020603050405020304" charset="0"/>
+                  <a:cs typeface="Times New Roman" panose="02020603050405020304" charset="0"/>
+                </a:endParaRPr>
+              </a:p>
+              <a:p>
+                <a:r>
+                  <a:rPr lang="en-US" altLang="en-US" sz="1200">
+                    <a:latin typeface="Times New Roman" panose="02020603050405020304" charset="0"/>
+                    <a:cs typeface="Times New Roman" panose="02020603050405020304" charset="0"/>
+                  </a:rPr>
+                  <a:t>maps</a:t>
+                </a:r>
+                <a:endParaRPr lang="en-US" altLang="en-US" sz="1200">
+                  <a:latin typeface="Times New Roman" panose="02020603050405020304" charset="0"/>
+                  <a:cs typeface="Times New Roman" panose="02020603050405020304" charset="0"/>
+                </a:endParaRPr>
+              </a:p>
+            </p:txBody>
+          </p:sp>
+          <p:sp>
+            <p:nvSpPr>
+              <p:cNvPr id="75" name="Text Box 74"/>
+              <p:cNvSpPr txBox="1"/>
+              <p:nvPr/>
+            </p:nvSpPr>
+            <p:spPr>
+              <a:xfrm>
+                <a:off x="1330" y="6356"/>
+                <a:ext cx="889" cy="434"/>
+              </a:xfrm>
+              <a:prstGeom prst="rect">
+                <a:avLst/>
+              </a:prstGeom>
+              <a:noFill/>
+            </p:spPr>
+            <p:txBody>
+              <a:bodyPr wrap="none" rtlCol="0">
+                <a:spAutoFit/>
+              </a:bodyPr>
+              <a:p>
+                <a:r>
+                  <a:rPr lang="en-US" altLang="en-US" sz="1200">
+                    <a:latin typeface="Times New Roman" panose="02020603050405020304" charset="0"/>
+                    <a:cs typeface="Times New Roman" panose="02020603050405020304" charset="0"/>
+                  </a:rPr>
+                  <a:t>Image</a:t>
+                </a:r>
+                <a:endParaRPr lang="en-US" altLang="en-US" sz="1200">
+                  <a:latin typeface="Times New Roman" panose="02020603050405020304" charset="0"/>
+                  <a:cs typeface="Times New Roman" panose="02020603050405020304" charset="0"/>
+                </a:endParaRPr>
+              </a:p>
+            </p:txBody>
+          </p:sp>
+        </p:grpSp>
+        <p:sp>
+          <p:nvSpPr>
+            <p:cNvPr id="76" name="Text Box 75"/>
+            <p:cNvSpPr txBox="1"/>
+            <p:nvPr/>
+          </p:nvSpPr>
+          <p:spPr>
+            <a:xfrm>
+              <a:off x="1201" y="5942"/>
+              <a:ext cx="1181" cy="434"/>
+            </a:xfrm>
+            <a:prstGeom prst="rect">
+              <a:avLst/>
+            </a:prstGeom>
+            <a:noFill/>
+          </p:spPr>
+          <p:txBody>
+            <a:bodyPr wrap="none" rtlCol="0">
+              <a:spAutoFit/>
+            </a:bodyPr>
+            <a:p>
+              <a:r>
+                <a:rPr lang="en-US" altLang="en-US" sz="1200"/>
+                <a:t>Frame 1</a:t>
+              </a:r>
+              <a:endParaRPr lang="en-US" altLang="en-US" sz="1200"/>
+            </a:p>
+          </p:txBody>
+        </p:sp>
+      </p:grpSp>
+      <p:sp>
+        <p:nvSpPr>
+          <p:cNvPr id="81" name="Right Arrow 80"/>
+          <p:cNvSpPr/>
+          <p:nvPr/>
+        </p:nvSpPr>
+        <p:spPr>
+          <a:xfrm>
+            <a:off x="4921250" y="1758315"/>
+            <a:ext cx="566420" cy="182880"/>
+          </a:xfrm>
+          <a:prstGeom prst="rightArrow">
+            <a:avLst/>
+          </a:prstGeom>
+          <a:solidFill>
+            <a:schemeClr val="bg1">
+              <a:lumMod val="85000"/>
+            </a:schemeClr>
+          </a:solidFill>
+          <a:ln>
+            <a:noFill/>
+          </a:ln>
+        </p:spPr>
+        <p:style>
+          <a:lnRef idx="2">
+            <a:schemeClr val="accent1">
+              <a:shade val="50000"/>
+            </a:schemeClr>
+          </a:lnRef>
+          <a:fillRef idx="1">
+            <a:schemeClr val="accent1"/>
+          </a:fillRef>
+          <a:effectRef idx="0">
+            <a:schemeClr val="accent1"/>
+          </a:effectRef>
+          <a:fontRef idx="minor">
+            <a:schemeClr val="lt1"/>
+          </a:fontRef>
+        </p:style>
+        <p:txBody>
+          <a:bodyPr rtlCol="0" anchor="ctr"/>
+          <a:p>
+            <a:pPr algn="ctr"/>
+            <a:endParaRPr lang="en-US"/>
+          </a:p>
+        </p:txBody>
+      </p:sp>
+      <p:grpSp>
+        <p:nvGrpSpPr>
+          <p:cNvPr id="112" name="Group 111"/>
+          <p:cNvGrpSpPr/>
+          <p:nvPr/>
+        </p:nvGrpSpPr>
+        <p:grpSpPr>
+          <a:xfrm>
+            <a:off x="2303145" y="1758315"/>
+            <a:ext cx="1029970" cy="492760"/>
+            <a:chOff x="4368" y="5999"/>
+            <a:chExt cx="1622" cy="776"/>
+          </a:xfrm>
+        </p:grpSpPr>
+        <p:sp>
+          <p:nvSpPr>
+            <p:cNvPr id="79" name="Right Arrow 78"/>
+            <p:cNvSpPr/>
+            <p:nvPr/>
+          </p:nvSpPr>
+          <p:spPr>
+            <a:xfrm>
+              <a:off x="4733" y="5999"/>
+              <a:ext cx="892" cy="288"/>
+            </a:xfrm>
+            <a:prstGeom prst="rightArrow">
+              <a:avLst/>
+            </a:prstGeom>
+            <a:solidFill>
+              <a:schemeClr val="bg1">
+                <a:lumMod val="85000"/>
+              </a:schemeClr>
+            </a:solidFill>
+            <a:ln>
+              <a:noFill/>
+            </a:ln>
+          </p:spPr>
+          <p:style>
+            <a:lnRef idx="2">
+              <a:schemeClr val="accent1">
+                <a:shade val="50000"/>
+              </a:schemeClr>
+            </a:lnRef>
+            <a:fillRef idx="1">
+              <a:schemeClr val="accent1"/>
+            </a:fillRef>
+            <a:effectRef idx="0">
+              <a:schemeClr val="accent1"/>
+            </a:effectRef>
+            <a:fontRef idx="minor">
+              <a:schemeClr val="lt1"/>
+            </a:fontRef>
+          </p:style>
+          <p:txBody>
+            <a:bodyPr rtlCol="0" anchor="ctr"/>
+            <a:p>
+              <a:pPr algn="ctr"/>
+              <a:endParaRPr lang="en-US"/>
+            </a:p>
+          </p:txBody>
+        </p:sp>
+        <p:sp>
+          <p:nvSpPr>
+            <p:cNvPr id="83" name="Text Box 82"/>
+            <p:cNvSpPr txBox="1"/>
+            <p:nvPr/>
+          </p:nvSpPr>
+          <p:spPr>
+            <a:xfrm>
+              <a:off x="4368" y="6341"/>
+              <a:ext cx="1623" cy="434"/>
+            </a:xfrm>
+            <a:prstGeom prst="rect">
+              <a:avLst/>
+            </a:prstGeom>
+            <a:noFill/>
+          </p:spPr>
+          <p:txBody>
+            <a:bodyPr wrap="none" rtlCol="0">
+              <a:spAutoFit/>
+            </a:bodyPr>
+            <a:p>
+              <a:r>
+                <a:rPr lang="en-US" altLang="en-US" sz="1200">
+                  <a:latin typeface="Times New Roman" panose="02020603050405020304" charset="0"/>
+                  <a:cs typeface="Times New Roman" panose="02020603050405020304" charset="0"/>
+                </a:rPr>
+                <a:t>pyrimid VGG</a:t>
+              </a:r>
+              <a:endParaRPr lang="en-US" altLang="en-US" sz="1200">
+                <a:latin typeface="Times New Roman" panose="02020603050405020304" charset="0"/>
+                <a:cs typeface="Times New Roman" panose="02020603050405020304" charset="0"/>
+              </a:endParaRPr>
+            </a:p>
+          </p:txBody>
+        </p:sp>
+      </p:grpSp>
+      <p:sp>
+        <p:nvSpPr>
+          <p:cNvPr id="84" name="Text Box 83"/>
+          <p:cNvSpPr txBox="1"/>
+          <p:nvPr/>
+        </p:nvSpPr>
+        <p:spPr>
+          <a:xfrm>
+            <a:off x="4765675" y="1975485"/>
+            <a:ext cx="923925" cy="275590"/>
+          </a:xfrm>
+          <a:prstGeom prst="rect">
+            <a:avLst/>
+          </a:prstGeom>
+          <a:noFill/>
+        </p:spPr>
+        <p:txBody>
+          <a:bodyPr wrap="none" rtlCol="0">
+            <a:spAutoFit/>
+          </a:bodyPr>
+          <a:p>
+            <a:r>
+              <a:rPr lang="en-US" altLang="en-US" sz="1200">
+                <a:latin typeface="Times New Roman" panose="02020603050405020304" charset="0"/>
+                <a:cs typeface="Times New Roman" panose="02020603050405020304" charset="0"/>
+              </a:rPr>
+              <a:t>RoI Pooling</a:t>
+            </a:r>
+            <a:endParaRPr lang="en-US" altLang="en-US" sz="1200">
+              <a:latin typeface="Times New Roman" panose="02020603050405020304" charset="0"/>
+              <a:cs typeface="Times New Roman" panose="02020603050405020304" charset="0"/>
+            </a:endParaRPr>
+          </a:p>
+        </p:txBody>
+      </p:sp>
+      <p:sp>
+        <p:nvSpPr>
+          <p:cNvPr id="85" name="Text Box 84"/>
+          <p:cNvSpPr txBox="1"/>
+          <p:nvPr/>
+        </p:nvSpPr>
+        <p:spPr>
+          <a:xfrm>
+            <a:off x="1315085" y="2436495"/>
+            <a:ext cx="511175" cy="275590"/>
+          </a:xfrm>
+          <a:prstGeom prst="rect">
+            <a:avLst/>
+          </a:prstGeom>
+          <a:noFill/>
+        </p:spPr>
+        <p:txBody>
+          <a:bodyPr wrap="none" rtlCol="0">
+            <a:spAutoFit/>
+          </a:bodyPr>
+          <a:p>
+            <a:r>
+              <a:rPr lang="en-US" altLang="en-US" sz="1200">
+                <a:latin typeface="Times New Roman" panose="02020603050405020304" charset="0"/>
+                <a:cs typeface="Times New Roman" panose="02020603050405020304" charset="0"/>
+              </a:rPr>
+              <a:t>T = 0</a:t>
+            </a:r>
+            <a:endParaRPr lang="en-US" altLang="en-US" sz="1200">
+              <a:latin typeface="Times New Roman" panose="02020603050405020304" charset="0"/>
+              <a:cs typeface="Times New Roman" panose="02020603050405020304" charset="0"/>
+            </a:endParaRPr>
+          </a:p>
+        </p:txBody>
+      </p:sp>
+      <p:sp>
+        <p:nvSpPr>
+          <p:cNvPr id="86" name="Text Box 85"/>
+          <p:cNvSpPr txBox="1"/>
+          <p:nvPr/>
+        </p:nvSpPr>
+        <p:spPr>
+          <a:xfrm>
+            <a:off x="1324610" y="5405120"/>
+            <a:ext cx="511175" cy="275590"/>
+          </a:xfrm>
+          <a:prstGeom prst="rect">
+            <a:avLst/>
+          </a:prstGeom>
+          <a:noFill/>
+        </p:spPr>
+        <p:txBody>
+          <a:bodyPr wrap="none" rtlCol="0">
+            <a:spAutoFit/>
+          </a:bodyPr>
+          <a:p>
+            <a:r>
+              <a:rPr lang="en-US" altLang="en-US" sz="1200">
+                <a:latin typeface="Times New Roman" panose="02020603050405020304" charset="0"/>
+                <a:cs typeface="Times New Roman" panose="02020603050405020304" charset="0"/>
+              </a:rPr>
+              <a:t>T = 4</a:t>
+            </a:r>
+            <a:endParaRPr lang="en-US" altLang="en-US" sz="1200">
+              <a:latin typeface="Times New Roman" panose="02020603050405020304" charset="0"/>
+              <a:cs typeface="Times New Roman" panose="02020603050405020304" charset="0"/>
+            </a:endParaRPr>
+          </a:p>
+        </p:txBody>
+      </p:sp>
+      <p:grpSp>
+        <p:nvGrpSpPr>
+          <p:cNvPr id="91" name="Group 90"/>
+          <p:cNvGrpSpPr/>
+          <p:nvPr/>
+        </p:nvGrpSpPr>
+        <p:grpSpPr>
+          <a:xfrm>
+            <a:off x="3374390" y="1263015"/>
+            <a:ext cx="1285240" cy="1173480"/>
+            <a:chOff x="6093" y="5335"/>
+            <a:chExt cx="2024" cy="1848"/>
+          </a:xfrm>
+        </p:grpSpPr>
+        <p:sp>
+          <p:nvSpPr>
+            <p:cNvPr id="90" name="Rectangle 89"/>
+            <p:cNvSpPr/>
+            <p:nvPr/>
+          </p:nvSpPr>
+          <p:spPr>
+            <a:xfrm>
+              <a:off x="6093" y="5335"/>
+              <a:ext cx="2024" cy="1848"/>
+            </a:xfrm>
+            <a:prstGeom prst="rect">
+              <a:avLst/>
+            </a:prstGeom>
+            <a:solidFill>
+              <a:schemeClr val="bg1">
+                <a:lumMod val="85000"/>
+              </a:schemeClr>
+            </a:solidFill>
+            <a:ln>
+              <a:noFill/>
+            </a:ln>
+          </p:spPr>
+          <p:style>
+            <a:lnRef idx="2">
+              <a:schemeClr val="accent3">
+                <a:shade val="50000"/>
+              </a:schemeClr>
+            </a:lnRef>
+            <a:fillRef idx="1">
+              <a:schemeClr val="accent3"/>
+            </a:fillRef>
+            <a:effectRef idx="0">
+              <a:schemeClr val="accent3"/>
+            </a:effectRef>
+            <a:fontRef idx="minor">
+              <a:schemeClr val="lt1"/>
+            </a:fontRef>
+          </p:style>
+          <p:txBody>
+            <a:bodyPr rtlCol="0" anchor="ctr"/>
+            <a:p>
+              <a:pPr algn="ctr"/>
+              <a:endParaRPr lang="en-US"/>
+            </a:p>
+          </p:txBody>
+        </p:sp>
+        <p:sp>
+          <p:nvSpPr>
+            <p:cNvPr id="87" name="Cube 86"/>
+            <p:cNvSpPr/>
+            <p:nvPr/>
+          </p:nvSpPr>
+          <p:spPr>
+            <a:xfrm>
+              <a:off x="6331" y="6457"/>
+              <a:ext cx="1454" cy="489"/>
+            </a:xfrm>
+            <a:prstGeom prst="cube">
+              <a:avLst/>
+            </a:prstGeom>
+            <a:ln>
+              <a:solidFill>
+                <a:srgbClr val="FFC000"/>
+              </a:solidFill>
+            </a:ln>
+          </p:spPr>
+          <p:style>
+            <a:lnRef idx="2">
+              <a:schemeClr val="accent4">
+                <a:shade val="50000"/>
+              </a:schemeClr>
+            </a:lnRef>
+            <a:fillRef idx="1">
+              <a:schemeClr val="accent4"/>
+            </a:fillRef>
+            <a:effectRef idx="0">
+              <a:schemeClr val="accent4"/>
+            </a:effectRef>
+            <a:fontRef idx="minor">
+              <a:schemeClr val="lt1"/>
+            </a:fontRef>
+          </p:style>
+          <p:txBody>
+            <a:bodyPr rtlCol="0" anchor="ctr"/>
+            <a:p>
+              <a:pPr algn="ctr"/>
+              <a:endParaRPr lang="en-US"/>
+            </a:p>
+          </p:txBody>
+        </p:sp>
+        <p:sp>
+          <p:nvSpPr>
+            <p:cNvPr id="88" name="Cube 87"/>
+            <p:cNvSpPr/>
+            <p:nvPr/>
+          </p:nvSpPr>
+          <p:spPr>
+            <a:xfrm>
+              <a:off x="6612" y="5507"/>
+              <a:ext cx="1011" cy="707"/>
+            </a:xfrm>
+            <a:prstGeom prst="cube">
+              <a:avLst/>
+            </a:prstGeom>
+            <a:solidFill>
+              <a:srgbClr val="00B0F0"/>
+            </a:solidFill>
+            <a:ln>
+              <a:solidFill>
+                <a:srgbClr val="00B0F0"/>
+              </a:solidFill>
+            </a:ln>
+          </p:spPr>
+          <p:style>
+            <a:lnRef idx="2">
+              <a:schemeClr val="accent1">
+                <a:shade val="50000"/>
+              </a:schemeClr>
+            </a:lnRef>
+            <a:fillRef idx="1">
+              <a:schemeClr val="accent1"/>
+            </a:fillRef>
+            <a:effectRef idx="0">
+              <a:schemeClr val="accent1"/>
+            </a:effectRef>
+            <a:fontRef idx="minor">
+              <a:schemeClr val="lt1"/>
+            </a:fontRef>
+          </p:style>
+          <p:txBody>
+            <a:bodyPr rtlCol="0" anchor="ctr"/>
+            <a:p>
+              <a:pPr algn="ctr"/>
+              <a:endParaRPr lang="en-US">
+                <a:ln>
+                  <a:noFill/>
+                </a:ln>
+              </a:endParaRPr>
+            </a:p>
+          </p:txBody>
+        </p:sp>
+      </p:grpSp>
+      <p:sp>
+        <p:nvSpPr>
+          <p:cNvPr id="101" name="Right Arrow 100"/>
+          <p:cNvSpPr/>
+          <p:nvPr/>
+        </p:nvSpPr>
+        <p:spPr>
+          <a:xfrm>
+            <a:off x="4880610" y="4726940"/>
+            <a:ext cx="566420" cy="182880"/>
+          </a:xfrm>
+          <a:prstGeom prst="rightArrow">
+            <a:avLst/>
+          </a:prstGeom>
+          <a:solidFill>
+            <a:schemeClr val="bg1">
+              <a:lumMod val="85000"/>
+            </a:schemeClr>
+          </a:solidFill>
+          <a:ln>
+            <a:noFill/>
+          </a:ln>
+        </p:spPr>
+        <p:style>
+          <a:lnRef idx="2">
+            <a:schemeClr val="accent1">
+              <a:shade val="50000"/>
+            </a:schemeClr>
+          </a:lnRef>
+          <a:fillRef idx="1">
+            <a:schemeClr val="accent1"/>
+          </a:fillRef>
+          <a:effectRef idx="0">
+            <a:schemeClr val="accent1"/>
+          </a:effectRef>
+          <a:fontRef idx="minor">
+            <a:schemeClr val="lt1"/>
+          </a:fontRef>
+        </p:style>
+        <p:txBody>
+          <a:bodyPr rtlCol="0" anchor="ctr"/>
+          <a:p>
+            <a:pPr algn="ctr"/>
+            <a:endParaRPr lang="en-US"/>
+          </a:p>
+        </p:txBody>
+      </p:sp>
+      <p:sp>
+        <p:nvSpPr>
+          <p:cNvPr id="102" name="Text Box 101"/>
+          <p:cNvSpPr txBox="1"/>
+          <p:nvPr/>
+        </p:nvSpPr>
+        <p:spPr>
+          <a:xfrm>
+            <a:off x="4725035" y="4944110"/>
+            <a:ext cx="923925" cy="275590"/>
+          </a:xfrm>
+          <a:prstGeom prst="rect">
+            <a:avLst/>
+          </a:prstGeom>
+          <a:noFill/>
+        </p:spPr>
+        <p:txBody>
+          <a:bodyPr wrap="none" rtlCol="0">
+            <a:spAutoFit/>
+          </a:bodyPr>
+          <a:p>
+            <a:r>
+              <a:rPr lang="en-US" altLang="en-US" sz="1200">
+                <a:latin typeface="Times New Roman" panose="02020603050405020304" charset="0"/>
+                <a:cs typeface="Times New Roman" panose="02020603050405020304" charset="0"/>
+              </a:rPr>
+              <a:t>RoI Pooling</a:t>
+            </a:r>
+            <a:endParaRPr lang="en-US" altLang="en-US" sz="1200">
+              <a:latin typeface="Times New Roman" panose="02020603050405020304" charset="0"/>
+              <a:cs typeface="Times New Roman" panose="02020603050405020304" charset="0"/>
+            </a:endParaRPr>
+          </a:p>
+        </p:txBody>
+      </p:sp>
+      <p:grpSp>
+        <p:nvGrpSpPr>
+          <p:cNvPr id="103" name="Group 102"/>
+          <p:cNvGrpSpPr/>
+          <p:nvPr/>
+        </p:nvGrpSpPr>
+        <p:grpSpPr>
+          <a:xfrm>
+            <a:off x="3333750" y="4231640"/>
+            <a:ext cx="1285240" cy="1173480"/>
+            <a:chOff x="6093" y="5335"/>
+            <a:chExt cx="2024" cy="1848"/>
+          </a:xfrm>
+        </p:grpSpPr>
+        <p:sp>
+          <p:nvSpPr>
+            <p:cNvPr id="104" name="Rectangle 103"/>
+            <p:cNvSpPr/>
+            <p:nvPr/>
+          </p:nvSpPr>
+          <p:spPr>
+            <a:xfrm>
+              <a:off x="6093" y="5335"/>
+              <a:ext cx="2024" cy="1848"/>
+            </a:xfrm>
+            <a:prstGeom prst="rect">
+              <a:avLst/>
+            </a:prstGeom>
+            <a:solidFill>
+              <a:schemeClr val="bg1">
+                <a:lumMod val="85000"/>
+              </a:schemeClr>
+            </a:solidFill>
+            <a:ln>
+              <a:noFill/>
+            </a:ln>
+          </p:spPr>
+          <p:style>
+            <a:lnRef idx="2">
+              <a:schemeClr val="accent3">
+                <a:shade val="50000"/>
+              </a:schemeClr>
+            </a:lnRef>
+            <a:fillRef idx="1">
+              <a:schemeClr val="accent3"/>
+            </a:fillRef>
+            <a:effectRef idx="0">
+              <a:schemeClr val="accent3"/>
+            </a:effectRef>
+            <a:fontRef idx="minor">
+              <a:schemeClr val="lt1"/>
+            </a:fontRef>
+          </p:style>
+          <p:txBody>
+            <a:bodyPr rtlCol="0" anchor="ctr"/>
+            <a:p>
+              <a:pPr algn="ctr"/>
+              <a:endParaRPr lang="en-US"/>
+            </a:p>
+          </p:txBody>
+        </p:sp>
+        <p:sp>
+          <p:nvSpPr>
+            <p:cNvPr id="105" name="Cube 104"/>
+            <p:cNvSpPr/>
+            <p:nvPr/>
+          </p:nvSpPr>
+          <p:spPr>
+            <a:xfrm>
+              <a:off x="6331" y="6457"/>
+              <a:ext cx="1454" cy="489"/>
+            </a:xfrm>
+            <a:prstGeom prst="cube">
+              <a:avLst/>
+            </a:prstGeom>
+            <a:ln>
+              <a:solidFill>
+                <a:srgbClr val="FFC000"/>
+              </a:solidFill>
+            </a:ln>
+          </p:spPr>
+          <p:style>
+            <a:lnRef idx="2">
+              <a:schemeClr val="accent4">
+                <a:shade val="50000"/>
+              </a:schemeClr>
+            </a:lnRef>
+            <a:fillRef idx="1">
+              <a:schemeClr val="accent4"/>
+            </a:fillRef>
+            <a:effectRef idx="0">
+              <a:schemeClr val="accent4"/>
+            </a:effectRef>
+            <a:fontRef idx="minor">
+              <a:schemeClr val="lt1"/>
+            </a:fontRef>
+          </p:style>
+          <p:txBody>
+            <a:bodyPr rtlCol="0" anchor="ctr"/>
+            <a:p>
+              <a:pPr algn="ctr"/>
+              <a:endParaRPr lang="en-US"/>
+            </a:p>
+          </p:txBody>
+        </p:sp>
+        <p:sp>
+          <p:nvSpPr>
+            <p:cNvPr id="106" name="Cube 105"/>
+            <p:cNvSpPr/>
+            <p:nvPr/>
+          </p:nvSpPr>
+          <p:spPr>
+            <a:xfrm>
+              <a:off x="6612" y="5507"/>
+              <a:ext cx="1011" cy="707"/>
+            </a:xfrm>
+            <a:prstGeom prst="cube">
+              <a:avLst/>
+            </a:prstGeom>
+            <a:solidFill>
+              <a:srgbClr val="00B0F0"/>
+            </a:solidFill>
+            <a:ln>
+              <a:solidFill>
+                <a:srgbClr val="00B0F0"/>
+              </a:solidFill>
+            </a:ln>
+          </p:spPr>
+          <p:style>
+            <a:lnRef idx="2">
+              <a:schemeClr val="accent1">
+                <a:shade val="50000"/>
+              </a:schemeClr>
+            </a:lnRef>
+            <a:fillRef idx="1">
+              <a:schemeClr val="accent1"/>
+            </a:fillRef>
+            <a:effectRef idx="0">
+              <a:schemeClr val="accent1"/>
+            </a:effectRef>
+            <a:fontRef idx="minor">
+              <a:schemeClr val="lt1"/>
+            </a:fontRef>
+          </p:style>
+          <p:txBody>
+            <a:bodyPr rtlCol="0" anchor="ctr"/>
+            <a:p>
+              <a:pPr algn="ctr"/>
+              <a:endParaRPr lang="en-US">
+                <a:ln>
+                  <a:noFill/>
+                </a:ln>
+              </a:endParaRPr>
+            </a:p>
+          </p:txBody>
+        </p:sp>
+      </p:grpSp>
+      <p:sp>
+        <p:nvSpPr>
+          <p:cNvPr id="107" name="Text Box 106"/>
+          <p:cNvSpPr txBox="1"/>
+          <p:nvPr/>
+        </p:nvSpPr>
+        <p:spPr>
+          <a:xfrm>
+            <a:off x="3134995" y="5448935"/>
+            <a:ext cx="1683385" cy="275590"/>
+          </a:xfrm>
+          <a:prstGeom prst="rect">
+            <a:avLst/>
+          </a:prstGeom>
+          <a:noFill/>
+        </p:spPr>
+        <p:txBody>
+          <a:bodyPr wrap="square" rtlCol="0">
+            <a:spAutoFit/>
+          </a:bodyPr>
+          <a:p>
+            <a:pPr algn="ctr"/>
+            <a:r>
+              <a:rPr lang="en-US" altLang="en-US" sz="1200">
+                <a:latin typeface="Times New Roman" panose="02020603050405020304" charset="0"/>
+                <a:cs typeface="Times New Roman" panose="02020603050405020304" charset="0"/>
+              </a:rPr>
+              <a:t>Full resolution Features</a:t>
+            </a:r>
+            <a:endParaRPr lang="en-US" altLang="en-US" sz="1200">
+              <a:latin typeface="Times New Roman" panose="02020603050405020304" charset="0"/>
+              <a:cs typeface="Times New Roman" panose="02020603050405020304" charset="0"/>
+            </a:endParaRPr>
+          </a:p>
+        </p:txBody>
+      </p:sp>
+      <p:grpSp>
+        <p:nvGrpSpPr>
+          <p:cNvPr id="114" name="Group 113"/>
+          <p:cNvGrpSpPr/>
+          <p:nvPr/>
+        </p:nvGrpSpPr>
+        <p:grpSpPr>
+          <a:xfrm>
+            <a:off x="2242820" y="4680585"/>
+            <a:ext cx="1029970" cy="492760"/>
+            <a:chOff x="4368" y="5999"/>
+            <a:chExt cx="1622" cy="776"/>
+          </a:xfrm>
+        </p:grpSpPr>
+        <p:sp>
+          <p:nvSpPr>
+            <p:cNvPr id="115" name="Right Arrow 114"/>
+            <p:cNvSpPr/>
+            <p:nvPr/>
+          </p:nvSpPr>
+          <p:spPr>
+            <a:xfrm>
+              <a:off x="4733" y="5999"/>
+              <a:ext cx="892" cy="288"/>
+            </a:xfrm>
+            <a:prstGeom prst="rightArrow">
+              <a:avLst/>
+            </a:prstGeom>
+            <a:solidFill>
+              <a:schemeClr val="bg1">
+                <a:lumMod val="85000"/>
+              </a:schemeClr>
+            </a:solidFill>
+            <a:ln>
+              <a:noFill/>
+            </a:ln>
+          </p:spPr>
+          <p:style>
+            <a:lnRef idx="2">
+              <a:schemeClr val="accent1">
+                <a:shade val="50000"/>
+              </a:schemeClr>
+            </a:lnRef>
+            <a:fillRef idx="1">
+              <a:schemeClr val="accent1"/>
+            </a:fillRef>
+            <a:effectRef idx="0">
+              <a:schemeClr val="accent1"/>
+            </a:effectRef>
+            <a:fontRef idx="minor">
+              <a:schemeClr val="lt1"/>
+            </a:fontRef>
+          </p:style>
+          <p:txBody>
+            <a:bodyPr rtlCol="0" anchor="ctr"/>
+            <a:p>
+              <a:pPr algn="ctr"/>
+              <a:endParaRPr lang="en-US"/>
+            </a:p>
+          </p:txBody>
+        </p:sp>
+        <p:sp>
+          <p:nvSpPr>
+            <p:cNvPr id="116" name="Text Box 115"/>
+            <p:cNvSpPr txBox="1"/>
+            <p:nvPr/>
+          </p:nvSpPr>
+          <p:spPr>
+            <a:xfrm>
+              <a:off x="4368" y="6341"/>
+              <a:ext cx="1623" cy="434"/>
+            </a:xfrm>
+            <a:prstGeom prst="rect">
+              <a:avLst/>
+            </a:prstGeom>
+            <a:noFill/>
+          </p:spPr>
+          <p:txBody>
+            <a:bodyPr wrap="none" rtlCol="0">
+              <a:spAutoFit/>
+            </a:bodyPr>
+            <a:p>
+              <a:r>
+                <a:rPr lang="en-US" altLang="en-US" sz="1200">
+                  <a:latin typeface="Times New Roman" panose="02020603050405020304" charset="0"/>
+                  <a:cs typeface="Times New Roman" panose="02020603050405020304" charset="0"/>
+                </a:rPr>
+                <a:t>pyrimid VGG</a:t>
+              </a:r>
+              <a:endParaRPr lang="en-US" altLang="en-US" sz="1200">
+                <a:latin typeface="Times New Roman" panose="02020603050405020304" charset="0"/>
+                <a:cs typeface="Times New Roman" panose="02020603050405020304" charset="0"/>
+              </a:endParaRPr>
+            </a:p>
+          </p:txBody>
+        </p:sp>
+      </p:grpSp>
+      <p:grpSp>
+        <p:nvGrpSpPr>
+          <p:cNvPr id="135" name="Group 134"/>
+          <p:cNvGrpSpPr/>
+          <p:nvPr/>
+        </p:nvGrpSpPr>
+        <p:grpSpPr>
+          <a:xfrm>
+            <a:off x="5853430" y="1381125"/>
+            <a:ext cx="1073150" cy="860425"/>
+            <a:chOff x="9296" y="5327"/>
+            <a:chExt cx="1690" cy="1355"/>
+          </a:xfrm>
+        </p:grpSpPr>
+        <p:grpSp>
+          <p:nvGrpSpPr>
+            <p:cNvPr id="128" name="Group 127"/>
+            <p:cNvGrpSpPr/>
+            <p:nvPr/>
+          </p:nvGrpSpPr>
+          <p:grpSpPr>
+            <a:xfrm>
+              <a:off x="9296" y="6102"/>
+              <a:ext cx="1680" cy="580"/>
+              <a:chOff x="9332" y="5024"/>
+              <a:chExt cx="1680" cy="580"/>
+            </a:xfrm>
+          </p:grpSpPr>
+          <p:sp>
+            <p:nvSpPr>
+              <p:cNvPr id="124" name="Cube 123"/>
+              <p:cNvSpPr/>
+              <p:nvPr/>
+            </p:nvSpPr>
+            <p:spPr>
+              <a:xfrm>
+                <a:off x="9332" y="5196"/>
+                <a:ext cx="372" cy="408"/>
+              </a:xfrm>
+              <a:prstGeom prst="cube">
+                <a:avLst/>
+              </a:prstGeom>
+              <a:solidFill>
+                <a:srgbClr val="00B0F0"/>
+              </a:solidFill>
+              <a:ln>
+                <a:solidFill>
+                  <a:srgbClr val="00B0F0"/>
+                </a:solidFill>
+              </a:ln>
+            </p:spPr>
+            <p:style>
+              <a:lnRef idx="1">
+                <a:schemeClr val="accent2"/>
+              </a:lnRef>
+              <a:fillRef idx="3">
+                <a:schemeClr val="accent2"/>
+              </a:fillRef>
+              <a:effectRef idx="2">
+                <a:schemeClr val="accent2"/>
+              </a:effectRef>
+              <a:fontRef idx="minor">
+                <a:schemeClr val="lt1"/>
+              </a:fontRef>
+            </p:style>
+            <p:txBody>
+              <a:bodyPr rtlCol="0" anchor="ctr"/>
+              <a:p>
+                <a:pPr algn="ctr"/>
+                <a:endParaRPr lang="en-US"/>
+              </a:p>
+            </p:txBody>
+          </p:sp>
+          <p:sp>
+            <p:nvSpPr>
+              <p:cNvPr id="125" name="Cube 124"/>
+              <p:cNvSpPr/>
+              <p:nvPr/>
+            </p:nvSpPr>
+            <p:spPr>
+              <a:xfrm>
+                <a:off x="9740" y="5196"/>
+                <a:ext cx="372" cy="408"/>
+              </a:xfrm>
+              <a:prstGeom prst="cube">
+                <a:avLst/>
+              </a:prstGeom>
+              <a:solidFill>
+                <a:srgbClr val="00B0F0"/>
+              </a:solidFill>
+              <a:ln>
+                <a:solidFill>
+                  <a:srgbClr val="00B0F0"/>
+                </a:solidFill>
+              </a:ln>
+            </p:spPr>
+            <p:style>
+              <a:lnRef idx="1">
+                <a:schemeClr val="accent2"/>
+              </a:lnRef>
+              <a:fillRef idx="3">
+                <a:schemeClr val="accent2"/>
+              </a:fillRef>
+              <a:effectRef idx="2">
+                <a:schemeClr val="accent2"/>
+              </a:effectRef>
+              <a:fontRef idx="minor">
+                <a:schemeClr val="lt1"/>
+              </a:fontRef>
+            </p:style>
+            <p:txBody>
+              <a:bodyPr rtlCol="0" anchor="ctr"/>
+              <a:p>
+                <a:pPr algn="ctr"/>
+                <a:endParaRPr lang="en-US"/>
+              </a:p>
+            </p:txBody>
+          </p:sp>
+          <p:sp>
+            <p:nvSpPr>
+              <p:cNvPr id="126" name="Cube 125"/>
+              <p:cNvSpPr/>
+              <p:nvPr/>
+            </p:nvSpPr>
+            <p:spPr>
+              <a:xfrm>
+                <a:off x="10640" y="5183"/>
+                <a:ext cx="372" cy="408"/>
+              </a:xfrm>
+              <a:prstGeom prst="cube">
+                <a:avLst/>
+              </a:prstGeom>
+              <a:solidFill>
+                <a:srgbClr val="00B0F0"/>
+              </a:solidFill>
+              <a:ln>
+                <a:solidFill>
+                  <a:srgbClr val="00B0F0"/>
+                </a:solidFill>
+              </a:ln>
+            </p:spPr>
+            <p:style>
+              <a:lnRef idx="1">
+                <a:schemeClr val="accent2"/>
+              </a:lnRef>
+              <a:fillRef idx="3">
+                <a:schemeClr val="accent2"/>
+              </a:fillRef>
+              <a:effectRef idx="2">
+                <a:schemeClr val="accent2"/>
+              </a:effectRef>
+              <a:fontRef idx="minor">
+                <a:schemeClr val="lt1"/>
+              </a:fontRef>
+            </p:style>
+            <p:txBody>
+              <a:bodyPr rtlCol="0" anchor="ctr"/>
+              <a:p>
+                <a:pPr algn="ctr"/>
+                <a:endParaRPr lang="en-US"/>
+              </a:p>
+            </p:txBody>
+          </p:sp>
+          <p:sp>
+            <p:nvSpPr>
+              <p:cNvPr id="127" name="Text Box 126"/>
+              <p:cNvSpPr txBox="1"/>
+              <p:nvPr/>
+            </p:nvSpPr>
+            <p:spPr>
+              <a:xfrm>
+                <a:off x="10086" y="5024"/>
+                <a:ext cx="588" cy="580"/>
+              </a:xfrm>
+              <a:prstGeom prst="rect">
+                <a:avLst/>
+              </a:prstGeom>
+              <a:noFill/>
+              <a:effectLst/>
+            </p:spPr>
+            <p:txBody>
+              <a:bodyPr wrap="none" rtlCol="0">
+                <a:spAutoFit/>
+              </a:bodyPr>
+              <a:p>
+                <a:pPr algn="ctr"/>
+                <a:r>
+                  <a:rPr lang="en-US" altLang="en-US"/>
+                  <a:t>...</a:t>
+                </a:r>
+                <a:endParaRPr lang="en-US" altLang="en-US"/>
+              </a:p>
+            </p:txBody>
+          </p:sp>
+        </p:grpSp>
+        <p:grpSp>
+          <p:nvGrpSpPr>
+            <p:cNvPr id="130" name="Group 129"/>
+            <p:cNvGrpSpPr/>
+            <p:nvPr/>
+          </p:nvGrpSpPr>
+          <p:grpSpPr>
+            <a:xfrm>
+              <a:off x="9306" y="5327"/>
+              <a:ext cx="1680" cy="580"/>
+              <a:chOff x="9332" y="5024"/>
+              <a:chExt cx="1680" cy="580"/>
+            </a:xfrm>
+          </p:grpSpPr>
+          <p:sp>
+            <p:nvSpPr>
+              <p:cNvPr id="131" name="Cube 130"/>
+              <p:cNvSpPr/>
+              <p:nvPr/>
+            </p:nvSpPr>
+            <p:spPr>
+              <a:xfrm>
+                <a:off x="9332" y="5196"/>
+                <a:ext cx="372" cy="408"/>
+              </a:xfrm>
+              <a:prstGeom prst="cube">
+                <a:avLst/>
+              </a:prstGeom>
+              <a:solidFill>
+                <a:srgbClr val="FFC000"/>
+              </a:solidFill>
+              <a:ln>
+                <a:solidFill>
+                  <a:srgbClr val="FFC000"/>
+                </a:solidFill>
+              </a:ln>
+            </p:spPr>
+            <p:style>
+              <a:lnRef idx="1">
+                <a:schemeClr val="accent2"/>
+              </a:lnRef>
+              <a:fillRef idx="3">
+                <a:schemeClr val="accent2"/>
+              </a:fillRef>
+              <a:effectRef idx="2">
+                <a:schemeClr val="accent2"/>
+              </a:effectRef>
+              <a:fontRef idx="minor">
+                <a:schemeClr val="lt1"/>
+              </a:fontRef>
+            </p:style>
+            <p:txBody>
+              <a:bodyPr rtlCol="0" anchor="ctr"/>
+              <a:p>
+                <a:pPr algn="ctr"/>
+                <a:endParaRPr lang="en-US"/>
+              </a:p>
+            </p:txBody>
+          </p:sp>
+          <p:sp>
+            <p:nvSpPr>
+              <p:cNvPr id="132" name="Cube 131"/>
+              <p:cNvSpPr/>
+              <p:nvPr/>
+            </p:nvSpPr>
+            <p:spPr>
+              <a:xfrm>
+                <a:off x="9740" y="5196"/>
+                <a:ext cx="372" cy="408"/>
+              </a:xfrm>
+              <a:prstGeom prst="cube">
+                <a:avLst/>
+              </a:prstGeom>
+              <a:solidFill>
+                <a:srgbClr val="FFC000"/>
+              </a:solidFill>
+              <a:ln>
+                <a:solidFill>
+                  <a:srgbClr val="FFC000"/>
+                </a:solidFill>
+              </a:ln>
+            </p:spPr>
+            <p:style>
+              <a:lnRef idx="1">
+                <a:schemeClr val="accent2"/>
+              </a:lnRef>
+              <a:fillRef idx="3">
+                <a:schemeClr val="accent2"/>
+              </a:fillRef>
+              <a:effectRef idx="2">
+                <a:schemeClr val="accent2"/>
+              </a:effectRef>
+              <a:fontRef idx="minor">
+                <a:schemeClr val="lt1"/>
+              </a:fontRef>
+            </p:style>
+            <p:txBody>
+              <a:bodyPr rtlCol="0" anchor="ctr"/>
+              <a:p>
+                <a:pPr algn="ctr"/>
+                <a:endParaRPr lang="en-US"/>
+              </a:p>
+            </p:txBody>
+          </p:sp>
+          <p:sp>
+            <p:nvSpPr>
+              <p:cNvPr id="133" name="Cube 132"/>
+              <p:cNvSpPr/>
+              <p:nvPr/>
+            </p:nvSpPr>
+            <p:spPr>
+              <a:xfrm>
+                <a:off x="10640" y="5183"/>
+                <a:ext cx="372" cy="408"/>
+              </a:xfrm>
+              <a:prstGeom prst="cube">
+                <a:avLst/>
+              </a:prstGeom>
+              <a:solidFill>
+                <a:srgbClr val="FFC000"/>
+              </a:solidFill>
+              <a:ln>
+                <a:solidFill>
+                  <a:srgbClr val="FFC000"/>
+                </a:solidFill>
+              </a:ln>
+            </p:spPr>
+            <p:style>
+              <a:lnRef idx="1">
+                <a:schemeClr val="accent2"/>
+              </a:lnRef>
+              <a:fillRef idx="3">
+                <a:schemeClr val="accent2"/>
+              </a:fillRef>
+              <a:effectRef idx="2">
+                <a:schemeClr val="accent2"/>
+              </a:effectRef>
+              <a:fontRef idx="minor">
+                <a:schemeClr val="lt1"/>
+              </a:fontRef>
+            </p:style>
+            <p:txBody>
+              <a:bodyPr rtlCol="0" anchor="ctr"/>
+              <a:p>
+                <a:pPr algn="ctr"/>
+                <a:endParaRPr lang="en-US"/>
+              </a:p>
+            </p:txBody>
+          </p:sp>
+          <p:sp>
+            <p:nvSpPr>
+              <p:cNvPr id="134" name="Text Box 133"/>
+              <p:cNvSpPr txBox="1"/>
+              <p:nvPr/>
+            </p:nvSpPr>
+            <p:spPr>
+              <a:xfrm>
+                <a:off x="10086" y="5024"/>
+                <a:ext cx="588" cy="580"/>
+              </a:xfrm>
+              <a:prstGeom prst="rect">
+                <a:avLst/>
+              </a:prstGeom>
+              <a:noFill/>
+              <a:effectLst/>
+            </p:spPr>
+            <p:txBody>
+              <a:bodyPr wrap="none" rtlCol="0">
+                <a:spAutoFit/>
+              </a:bodyPr>
+              <a:p>
+                <a:pPr algn="ctr"/>
+                <a:r>
+                  <a:rPr lang="en-US" altLang="en-US"/>
+                  <a:t>...</a:t>
+                </a:r>
+                <a:endParaRPr lang="en-US" altLang="en-US"/>
+              </a:p>
+            </p:txBody>
+          </p:sp>
+        </p:grpSp>
+      </p:grpSp>
+      <p:grpSp>
+        <p:nvGrpSpPr>
+          <p:cNvPr id="136" name="Group 135"/>
+          <p:cNvGrpSpPr/>
+          <p:nvPr/>
+        </p:nvGrpSpPr>
+        <p:grpSpPr>
+          <a:xfrm>
+            <a:off x="5826125" y="4364990"/>
+            <a:ext cx="1073150" cy="860425"/>
+            <a:chOff x="9296" y="5327"/>
+            <a:chExt cx="1690" cy="1355"/>
+          </a:xfrm>
+        </p:grpSpPr>
+        <p:grpSp>
+          <p:nvGrpSpPr>
+            <p:cNvPr id="137" name="Group 136"/>
+            <p:cNvGrpSpPr/>
+            <p:nvPr/>
+          </p:nvGrpSpPr>
+          <p:grpSpPr>
+            <a:xfrm>
+              <a:off x="9296" y="6102"/>
+              <a:ext cx="1680" cy="580"/>
+              <a:chOff x="9332" y="5024"/>
+              <a:chExt cx="1680" cy="580"/>
+            </a:xfrm>
+          </p:grpSpPr>
+          <p:sp>
+            <p:nvSpPr>
+              <p:cNvPr id="138" name="Cube 137"/>
+              <p:cNvSpPr/>
+              <p:nvPr/>
+            </p:nvSpPr>
+            <p:spPr>
+              <a:xfrm>
+                <a:off x="9332" y="5196"/>
+                <a:ext cx="372" cy="408"/>
+              </a:xfrm>
+              <a:prstGeom prst="cube">
+                <a:avLst/>
+              </a:prstGeom>
+              <a:solidFill>
+                <a:srgbClr val="FFC000"/>
+              </a:solidFill>
+              <a:ln>
+                <a:solidFill>
+                  <a:srgbClr val="FFC000"/>
+                </a:solidFill>
+              </a:ln>
+            </p:spPr>
+            <p:style>
+              <a:lnRef idx="1">
+                <a:schemeClr val="accent2"/>
+              </a:lnRef>
+              <a:fillRef idx="3">
+                <a:schemeClr val="accent2"/>
+              </a:fillRef>
+              <a:effectRef idx="2">
+                <a:schemeClr val="accent2"/>
+              </a:effectRef>
+              <a:fontRef idx="minor">
+                <a:schemeClr val="lt1"/>
+              </a:fontRef>
+            </p:style>
+            <p:txBody>
+              <a:bodyPr rtlCol="0" anchor="ctr"/>
+              <a:p>
+                <a:pPr algn="ctr"/>
+                <a:endParaRPr lang="en-US"/>
+              </a:p>
+            </p:txBody>
+          </p:sp>
+          <p:sp>
+            <p:nvSpPr>
+              <p:cNvPr id="139" name="Cube 138"/>
+              <p:cNvSpPr/>
+              <p:nvPr/>
+            </p:nvSpPr>
+            <p:spPr>
+              <a:xfrm>
+                <a:off x="9740" y="5196"/>
+                <a:ext cx="372" cy="408"/>
+              </a:xfrm>
+              <a:prstGeom prst="cube">
+                <a:avLst/>
+              </a:prstGeom>
+              <a:solidFill>
+                <a:srgbClr val="FFC000"/>
+              </a:solidFill>
+              <a:ln>
+                <a:solidFill>
+                  <a:srgbClr val="FFC000"/>
+                </a:solidFill>
+              </a:ln>
+            </p:spPr>
+            <p:style>
+              <a:lnRef idx="1">
+                <a:schemeClr val="accent2"/>
+              </a:lnRef>
+              <a:fillRef idx="3">
+                <a:schemeClr val="accent2"/>
+              </a:fillRef>
+              <a:effectRef idx="2">
+                <a:schemeClr val="accent2"/>
+              </a:effectRef>
+              <a:fontRef idx="minor">
+                <a:schemeClr val="lt1"/>
+              </a:fontRef>
+            </p:style>
+            <p:txBody>
+              <a:bodyPr rtlCol="0" anchor="ctr"/>
+              <a:p>
+                <a:pPr algn="ctr"/>
+                <a:endParaRPr lang="en-US"/>
+              </a:p>
+            </p:txBody>
+          </p:sp>
+          <p:sp>
+            <p:nvSpPr>
+              <p:cNvPr id="140" name="Cube 139"/>
+              <p:cNvSpPr/>
+              <p:nvPr/>
+            </p:nvSpPr>
+            <p:spPr>
+              <a:xfrm>
+                <a:off x="10640" y="5183"/>
+                <a:ext cx="372" cy="408"/>
+              </a:xfrm>
+              <a:prstGeom prst="cube">
+                <a:avLst/>
+              </a:prstGeom>
+              <a:solidFill>
+                <a:srgbClr val="FFC000"/>
+              </a:solidFill>
+              <a:ln>
+                <a:solidFill>
+                  <a:srgbClr val="FFC000"/>
+                </a:solidFill>
+              </a:ln>
+            </p:spPr>
+            <p:style>
+              <a:lnRef idx="1">
+                <a:schemeClr val="accent2"/>
+              </a:lnRef>
+              <a:fillRef idx="3">
+                <a:schemeClr val="accent2"/>
+              </a:fillRef>
+              <a:effectRef idx="2">
+                <a:schemeClr val="accent2"/>
+              </a:effectRef>
+              <a:fontRef idx="minor">
+                <a:schemeClr val="lt1"/>
+              </a:fontRef>
+            </p:style>
+            <p:txBody>
+              <a:bodyPr rtlCol="0" anchor="ctr"/>
+              <a:p>
+                <a:pPr algn="ctr"/>
+                <a:endParaRPr lang="en-US"/>
+              </a:p>
+            </p:txBody>
+          </p:sp>
+          <p:sp>
+            <p:nvSpPr>
+              <p:cNvPr id="141" name="Text Box 140"/>
+              <p:cNvSpPr txBox="1"/>
+              <p:nvPr/>
+            </p:nvSpPr>
+            <p:spPr>
+              <a:xfrm>
+                <a:off x="10086" y="5024"/>
+                <a:ext cx="588" cy="580"/>
+              </a:xfrm>
+              <a:prstGeom prst="rect">
+                <a:avLst/>
+              </a:prstGeom>
+              <a:noFill/>
+              <a:effectLst/>
+            </p:spPr>
+            <p:txBody>
+              <a:bodyPr wrap="none" rtlCol="0">
+                <a:spAutoFit/>
+              </a:bodyPr>
+              <a:p>
+                <a:pPr algn="ctr"/>
+                <a:r>
+                  <a:rPr lang="en-US" altLang="en-US"/>
+                  <a:t>...</a:t>
+                </a:r>
+                <a:endParaRPr lang="en-US" altLang="en-US"/>
+              </a:p>
+            </p:txBody>
+          </p:sp>
+        </p:grpSp>
+        <p:grpSp>
+          <p:nvGrpSpPr>
+            <p:cNvPr id="142" name="Group 141"/>
+            <p:cNvGrpSpPr/>
+            <p:nvPr/>
+          </p:nvGrpSpPr>
+          <p:grpSpPr>
+            <a:xfrm>
+              <a:off x="9306" y="5327"/>
+              <a:ext cx="1680" cy="580"/>
+              <a:chOff x="9332" y="5024"/>
+              <a:chExt cx="1680" cy="580"/>
+            </a:xfrm>
+          </p:grpSpPr>
+          <p:sp>
+            <p:nvSpPr>
+              <p:cNvPr id="143" name="Cube 142"/>
+              <p:cNvSpPr/>
+              <p:nvPr/>
+            </p:nvSpPr>
+            <p:spPr>
+              <a:xfrm>
+                <a:off x="9332" y="5196"/>
+                <a:ext cx="372" cy="408"/>
+              </a:xfrm>
+              <a:prstGeom prst="cube">
+                <a:avLst/>
+              </a:prstGeom>
+              <a:solidFill>
+                <a:srgbClr val="00B0F0"/>
+              </a:solidFill>
+              <a:ln>
+                <a:solidFill>
+                  <a:srgbClr val="00B0F0"/>
+                </a:solidFill>
+              </a:ln>
+            </p:spPr>
+            <p:style>
+              <a:lnRef idx="1">
+                <a:schemeClr val="accent2"/>
+              </a:lnRef>
+              <a:fillRef idx="3">
+                <a:schemeClr val="accent2"/>
+              </a:fillRef>
+              <a:effectRef idx="2">
+                <a:schemeClr val="accent2"/>
+              </a:effectRef>
+              <a:fontRef idx="minor">
+                <a:schemeClr val="lt1"/>
+              </a:fontRef>
+            </p:style>
+            <p:txBody>
+              <a:bodyPr rtlCol="0" anchor="ctr"/>
+              <a:p>
+                <a:pPr algn="ctr"/>
+                <a:endParaRPr lang="en-US"/>
+              </a:p>
+            </p:txBody>
+          </p:sp>
+          <p:sp>
+            <p:nvSpPr>
+              <p:cNvPr id="144" name="Cube 143"/>
+              <p:cNvSpPr/>
+              <p:nvPr/>
+            </p:nvSpPr>
+            <p:spPr>
+              <a:xfrm>
+                <a:off x="9740" y="5196"/>
+                <a:ext cx="372" cy="408"/>
+              </a:xfrm>
+              <a:prstGeom prst="cube">
+                <a:avLst/>
+              </a:prstGeom>
+              <a:solidFill>
+                <a:srgbClr val="00B0F0"/>
+              </a:solidFill>
+              <a:ln>
+                <a:solidFill>
+                  <a:srgbClr val="00B0F0"/>
+                </a:solidFill>
+              </a:ln>
+            </p:spPr>
+            <p:style>
+              <a:lnRef idx="1">
+                <a:schemeClr val="accent2"/>
+              </a:lnRef>
+              <a:fillRef idx="3">
+                <a:schemeClr val="accent2"/>
+              </a:fillRef>
+              <a:effectRef idx="2">
+                <a:schemeClr val="accent2"/>
+              </a:effectRef>
+              <a:fontRef idx="minor">
+                <a:schemeClr val="lt1"/>
+              </a:fontRef>
+            </p:style>
+            <p:txBody>
+              <a:bodyPr rtlCol="0" anchor="ctr"/>
+              <a:p>
+                <a:pPr algn="ctr"/>
+                <a:endParaRPr lang="en-US"/>
+              </a:p>
+            </p:txBody>
+          </p:sp>
+          <p:sp>
+            <p:nvSpPr>
+              <p:cNvPr id="145" name="Cube 144"/>
+              <p:cNvSpPr/>
+              <p:nvPr/>
+            </p:nvSpPr>
+            <p:spPr>
+              <a:xfrm>
+                <a:off x="10640" y="5183"/>
+                <a:ext cx="372" cy="408"/>
+              </a:xfrm>
+              <a:prstGeom prst="cube">
+                <a:avLst/>
+              </a:prstGeom>
+              <a:solidFill>
+                <a:srgbClr val="00B0F0"/>
+              </a:solidFill>
+              <a:ln>
+                <a:solidFill>
+                  <a:srgbClr val="00B0F0"/>
+                </a:solidFill>
+              </a:ln>
+            </p:spPr>
+            <p:style>
+              <a:lnRef idx="1">
+                <a:schemeClr val="accent2"/>
+              </a:lnRef>
+              <a:fillRef idx="3">
+                <a:schemeClr val="accent2"/>
+              </a:fillRef>
+              <a:effectRef idx="2">
+                <a:schemeClr val="accent2"/>
+              </a:effectRef>
+              <a:fontRef idx="minor">
+                <a:schemeClr val="lt1"/>
+              </a:fontRef>
+            </p:style>
+            <p:txBody>
+              <a:bodyPr rtlCol="0" anchor="ctr"/>
+              <a:p>
+                <a:pPr algn="ctr"/>
+                <a:endParaRPr lang="en-US"/>
+              </a:p>
+            </p:txBody>
+          </p:sp>
+          <p:sp>
+            <p:nvSpPr>
+              <p:cNvPr id="146" name="Text Box 145"/>
+              <p:cNvSpPr txBox="1"/>
+              <p:nvPr/>
+            </p:nvSpPr>
+            <p:spPr>
+              <a:xfrm>
+                <a:off x="10086" y="5024"/>
+                <a:ext cx="588" cy="580"/>
+              </a:xfrm>
+              <a:prstGeom prst="rect">
+                <a:avLst/>
+              </a:prstGeom>
+              <a:noFill/>
+              <a:effectLst/>
+            </p:spPr>
+            <p:txBody>
+              <a:bodyPr wrap="none" rtlCol="0">
+                <a:spAutoFit/>
+              </a:bodyPr>
+              <a:p>
+                <a:pPr algn="ctr"/>
+                <a:r>
+                  <a:rPr lang="en-US" altLang="en-US"/>
+                  <a:t>...</a:t>
+                </a:r>
+                <a:endParaRPr lang="en-US" altLang="en-US"/>
+              </a:p>
+            </p:txBody>
+          </p:sp>
+        </p:grpSp>
+      </p:grpSp>
+      <p:grpSp>
+        <p:nvGrpSpPr>
+          <p:cNvPr id="160" name="Group 159"/>
+          <p:cNvGrpSpPr/>
+          <p:nvPr/>
+        </p:nvGrpSpPr>
+        <p:grpSpPr>
+          <a:xfrm>
+            <a:off x="5899150" y="3075940"/>
+            <a:ext cx="1009015" cy="612140"/>
+            <a:chOff x="12058" y="6960"/>
+            <a:chExt cx="1589" cy="964"/>
+          </a:xfrm>
+          <a:solidFill>
+            <a:srgbClr val="E15B27"/>
+          </a:solidFill>
+        </p:grpSpPr>
+        <p:sp>
+          <p:nvSpPr>
+            <p:cNvPr id="150" name="Cube 149"/>
+            <p:cNvSpPr/>
+            <p:nvPr/>
+          </p:nvSpPr>
+          <p:spPr>
+            <a:xfrm>
+              <a:off x="12058" y="6960"/>
+              <a:ext cx="1589" cy="964"/>
+            </a:xfrm>
+            <a:prstGeom prst="cube">
+              <a:avLst>
+                <a:gd name="adj" fmla="val 17946"/>
+              </a:avLst>
+            </a:prstGeom>
+            <a:grpFill/>
+            <a:ln>
+              <a:solidFill>
+                <a:srgbClr val="E15B27"/>
+              </a:solidFill>
+            </a:ln>
+          </p:spPr>
+          <p:style>
+            <a:lnRef idx="2">
+              <a:schemeClr val="accent6">
+                <a:shade val="50000"/>
+              </a:schemeClr>
+            </a:lnRef>
+            <a:fillRef idx="1">
+              <a:schemeClr val="accent6"/>
+            </a:fillRef>
+            <a:effectRef idx="0">
+              <a:schemeClr val="accent6"/>
+            </a:effectRef>
+            <a:fontRef idx="minor">
+              <a:schemeClr val="lt1"/>
+            </a:fontRef>
+          </p:style>
+          <p:txBody>
+            <a:bodyPr rtlCol="0" anchor="ctr"/>
+            <a:p>
+              <a:pPr algn="ctr"/>
+              <a:endParaRPr lang="en-US"/>
+            </a:p>
+          </p:txBody>
+        </p:sp>
+        <p:sp>
+          <p:nvSpPr>
+            <p:cNvPr id="151" name="Text Box 150"/>
+            <p:cNvSpPr txBox="1"/>
+            <p:nvPr/>
+          </p:nvSpPr>
+          <p:spPr>
+            <a:xfrm>
+              <a:off x="12162" y="7170"/>
+              <a:ext cx="1207" cy="725"/>
+            </a:xfrm>
+            <a:prstGeom prst="rect">
+              <a:avLst/>
+            </a:prstGeom>
+            <a:grpFill/>
+            <a:ln>
+              <a:solidFill>
+                <a:srgbClr val="E15B27"/>
+              </a:solidFill>
+            </a:ln>
+          </p:spPr>
+          <p:txBody>
+            <a:bodyPr wrap="none" rtlCol="0">
+              <a:spAutoFit/>
+            </a:bodyPr>
+            <a:p>
+              <a:pPr algn="ctr"/>
+              <a:r>
+                <a:rPr lang="en-US" altLang="en-US" sz="1200">
+                  <a:latin typeface="Times New Roman" panose="02020603050405020304" charset="0"/>
+                  <a:cs typeface="Times New Roman" panose="02020603050405020304" charset="0"/>
+                </a:rPr>
+                <a:t>Tracking </a:t>
+              </a:r>
+              <a:endParaRPr lang="en-US" altLang="en-US" sz="1200">
+                <a:latin typeface="Times New Roman" panose="02020603050405020304" charset="0"/>
+                <a:cs typeface="Times New Roman" panose="02020603050405020304" charset="0"/>
+              </a:endParaRPr>
+            </a:p>
+            <a:p>
+              <a:pPr algn="ctr"/>
+              <a:r>
+                <a:rPr lang="en-US" altLang="en-US" sz="1200">
+                  <a:latin typeface="Times New Roman" panose="02020603050405020304" charset="0"/>
+                  <a:cs typeface="Times New Roman" panose="02020603050405020304" charset="0"/>
+                </a:rPr>
+                <a:t>module</a:t>
+              </a:r>
+              <a:endParaRPr lang="en-US" altLang="en-US" sz="1200">
+                <a:latin typeface="Times New Roman" panose="02020603050405020304" charset="0"/>
+                <a:cs typeface="Times New Roman" panose="02020603050405020304" charset="0"/>
+              </a:endParaRPr>
+            </a:p>
+          </p:txBody>
+        </p:sp>
+      </p:grpSp>
+      <p:grpSp>
+        <p:nvGrpSpPr>
+          <p:cNvPr id="154" name="Group 153"/>
+          <p:cNvGrpSpPr/>
+          <p:nvPr/>
+        </p:nvGrpSpPr>
+        <p:grpSpPr>
+          <a:xfrm>
+            <a:off x="7126605" y="1758315"/>
+            <a:ext cx="596900" cy="400685"/>
+            <a:chOff x="11223" y="5791"/>
+            <a:chExt cx="940" cy="631"/>
+          </a:xfrm>
+        </p:grpSpPr>
+        <p:sp>
+          <p:nvSpPr>
+            <p:cNvPr id="152" name="Right Arrow 151"/>
+            <p:cNvSpPr/>
+            <p:nvPr/>
+          </p:nvSpPr>
+          <p:spPr>
+            <a:xfrm>
+              <a:off x="11270" y="5791"/>
+              <a:ext cx="892" cy="288"/>
+            </a:xfrm>
+            <a:prstGeom prst="rightArrow">
+              <a:avLst/>
+            </a:prstGeom>
+            <a:solidFill>
+              <a:schemeClr val="bg1">
+                <a:lumMod val="85000"/>
+              </a:schemeClr>
+            </a:solidFill>
+            <a:ln>
+              <a:noFill/>
+            </a:ln>
+          </p:spPr>
+          <p:style>
+            <a:lnRef idx="2">
+              <a:schemeClr val="accent1">
+                <a:shade val="50000"/>
+              </a:schemeClr>
+            </a:lnRef>
+            <a:fillRef idx="1">
+              <a:schemeClr val="accent1"/>
+            </a:fillRef>
+            <a:effectRef idx="0">
+              <a:schemeClr val="accent1"/>
+            </a:effectRef>
+            <a:fontRef idx="minor">
+              <a:schemeClr val="lt1"/>
+            </a:fontRef>
+          </p:style>
+          <p:txBody>
+            <a:bodyPr rtlCol="0" anchor="ctr"/>
+            <a:p>
+              <a:pPr algn="ctr"/>
+              <a:endParaRPr lang="en-US"/>
+            </a:p>
+          </p:txBody>
+        </p:sp>
+        <p:sp>
+          <p:nvSpPr>
+            <p:cNvPr id="153" name="Text Box 152"/>
+            <p:cNvSpPr txBox="1"/>
+            <p:nvPr/>
+          </p:nvSpPr>
+          <p:spPr>
+            <a:xfrm>
+              <a:off x="11223" y="5988"/>
+              <a:ext cx="941" cy="434"/>
+            </a:xfrm>
+            <a:prstGeom prst="rect">
+              <a:avLst/>
+            </a:prstGeom>
+            <a:noFill/>
+          </p:spPr>
+          <p:txBody>
+            <a:bodyPr wrap="none" rtlCol="0">
+              <a:spAutoFit/>
+            </a:bodyPr>
+            <a:p>
+              <a:r>
+                <a:rPr lang="en-US" altLang="en-US" sz="1200">
+                  <a:latin typeface="Times New Roman" panose="02020603050405020304" charset="0"/>
+                  <a:cs typeface="Times New Roman" panose="02020603050405020304" charset="0"/>
+                </a:rPr>
+                <a:t>Fusion</a:t>
+              </a:r>
+              <a:endParaRPr lang="en-US" altLang="en-US" sz="1200">
+                <a:latin typeface="Times New Roman" panose="02020603050405020304" charset="0"/>
+                <a:cs typeface="Times New Roman" panose="02020603050405020304" charset="0"/>
+              </a:endParaRPr>
+            </a:p>
+          </p:txBody>
+        </p:sp>
+      </p:grpSp>
+      <p:grpSp>
+        <p:nvGrpSpPr>
+          <p:cNvPr id="159" name="Group 158"/>
+          <p:cNvGrpSpPr/>
+          <p:nvPr/>
+        </p:nvGrpSpPr>
+        <p:grpSpPr>
+          <a:xfrm>
+            <a:off x="7854315" y="1614170"/>
+            <a:ext cx="1066800" cy="368300"/>
+            <a:chOff x="12343" y="5421"/>
+            <a:chExt cx="1680" cy="580"/>
+          </a:xfrm>
+        </p:grpSpPr>
+        <p:sp>
+          <p:nvSpPr>
+            <p:cNvPr id="155" name="Cube 154"/>
+            <p:cNvSpPr/>
+            <p:nvPr/>
+          </p:nvSpPr>
+          <p:spPr>
+            <a:xfrm>
+              <a:off x="12343" y="5593"/>
+              <a:ext cx="372" cy="408"/>
+            </a:xfrm>
+            <a:prstGeom prst="cube">
+              <a:avLst/>
+            </a:prstGeom>
+            <a:solidFill>
+              <a:srgbClr val="E915DD"/>
+            </a:solidFill>
+            <a:ln>
+              <a:solidFill>
+                <a:srgbClr val="E915DD"/>
+              </a:solidFill>
+            </a:ln>
+          </p:spPr>
+          <p:style>
+            <a:lnRef idx="1">
+              <a:schemeClr val="accent2"/>
+            </a:lnRef>
+            <a:fillRef idx="3">
+              <a:schemeClr val="accent2"/>
+            </a:fillRef>
+            <a:effectRef idx="2">
+              <a:schemeClr val="accent2"/>
+            </a:effectRef>
+            <a:fontRef idx="minor">
+              <a:schemeClr val="lt1"/>
+            </a:fontRef>
+          </p:style>
+          <p:txBody>
+            <a:bodyPr rtlCol="0" anchor="ctr"/>
+            <a:p>
+              <a:pPr algn="ctr"/>
+              <a:endParaRPr lang="en-US"/>
+            </a:p>
+          </p:txBody>
+        </p:sp>
+        <p:sp>
+          <p:nvSpPr>
+            <p:cNvPr id="156" name="Cube 155"/>
+            <p:cNvSpPr/>
+            <p:nvPr/>
+          </p:nvSpPr>
+          <p:spPr>
+            <a:xfrm>
+              <a:off x="12751" y="5593"/>
+              <a:ext cx="372" cy="408"/>
+            </a:xfrm>
+            <a:prstGeom prst="cube">
+              <a:avLst/>
+            </a:prstGeom>
+            <a:solidFill>
+              <a:srgbClr val="E915DD"/>
+            </a:solidFill>
+            <a:ln>
+              <a:solidFill>
+                <a:srgbClr val="E915DD"/>
+              </a:solidFill>
+            </a:ln>
+          </p:spPr>
+          <p:style>
+            <a:lnRef idx="1">
+              <a:schemeClr val="accent2"/>
+            </a:lnRef>
+            <a:fillRef idx="3">
+              <a:schemeClr val="accent2"/>
+            </a:fillRef>
+            <a:effectRef idx="2">
+              <a:schemeClr val="accent2"/>
+            </a:effectRef>
+            <a:fontRef idx="minor">
+              <a:schemeClr val="lt1"/>
+            </a:fontRef>
+          </p:style>
+          <p:txBody>
+            <a:bodyPr rtlCol="0" anchor="ctr"/>
+            <a:p>
+              <a:pPr algn="ctr"/>
+              <a:endParaRPr lang="en-US"/>
+            </a:p>
+          </p:txBody>
+        </p:sp>
+        <p:sp>
+          <p:nvSpPr>
+            <p:cNvPr id="157" name="Cube 156"/>
+            <p:cNvSpPr/>
+            <p:nvPr/>
+          </p:nvSpPr>
+          <p:spPr>
+            <a:xfrm>
+              <a:off x="13651" y="5580"/>
+              <a:ext cx="372" cy="408"/>
+            </a:xfrm>
+            <a:prstGeom prst="cube">
+              <a:avLst/>
+            </a:prstGeom>
+            <a:solidFill>
+              <a:srgbClr val="E915DD"/>
+            </a:solidFill>
+            <a:ln>
+              <a:solidFill>
+                <a:srgbClr val="E915DD"/>
+              </a:solidFill>
+            </a:ln>
+          </p:spPr>
+          <p:style>
+            <a:lnRef idx="1">
+              <a:schemeClr val="accent2"/>
+            </a:lnRef>
+            <a:fillRef idx="3">
+              <a:schemeClr val="accent2"/>
+            </a:fillRef>
+            <a:effectRef idx="2">
+              <a:schemeClr val="accent2"/>
+            </a:effectRef>
+            <a:fontRef idx="minor">
+              <a:schemeClr val="lt1"/>
+            </a:fontRef>
+          </p:style>
+          <p:txBody>
+            <a:bodyPr rtlCol="0" anchor="ctr"/>
+            <a:p>
+              <a:pPr algn="ctr"/>
+              <a:endParaRPr lang="en-US"/>
+            </a:p>
+          </p:txBody>
+        </p:sp>
+        <p:sp>
+          <p:nvSpPr>
+            <p:cNvPr id="158" name="Text Box 157"/>
+            <p:cNvSpPr txBox="1"/>
+            <p:nvPr/>
+          </p:nvSpPr>
+          <p:spPr>
+            <a:xfrm>
+              <a:off x="13097" y="5421"/>
+              <a:ext cx="588" cy="580"/>
+            </a:xfrm>
+            <a:prstGeom prst="rect">
+              <a:avLst/>
+            </a:prstGeom>
+            <a:noFill/>
+            <a:effectLst/>
+          </p:spPr>
+          <p:txBody>
+            <a:bodyPr wrap="none" rtlCol="0">
+              <a:spAutoFit/>
+            </a:bodyPr>
+            <a:p>
+              <a:pPr algn="ctr"/>
+              <a:r>
+                <a:rPr lang="en-US" altLang="en-US"/>
+                <a:t>...</a:t>
+              </a:r>
+              <a:endParaRPr lang="en-US" altLang="en-US"/>
+            </a:p>
+          </p:txBody>
+        </p:sp>
+      </p:grpSp>
+      <p:grpSp>
+        <p:nvGrpSpPr>
+          <p:cNvPr id="169" name="Group 168"/>
+          <p:cNvGrpSpPr/>
+          <p:nvPr/>
+        </p:nvGrpSpPr>
+        <p:grpSpPr>
+          <a:xfrm>
+            <a:off x="7137400" y="4715510"/>
+            <a:ext cx="597535" cy="400685"/>
+            <a:chOff x="11223" y="5791"/>
+            <a:chExt cx="941" cy="631"/>
+          </a:xfrm>
+        </p:grpSpPr>
+        <p:sp>
+          <p:nvSpPr>
+            <p:cNvPr id="170" name="Right Arrow 169"/>
+            <p:cNvSpPr/>
+            <p:nvPr/>
+          </p:nvSpPr>
+          <p:spPr>
+            <a:xfrm>
+              <a:off x="11255" y="5791"/>
+              <a:ext cx="892" cy="288"/>
+            </a:xfrm>
+            <a:prstGeom prst="rightArrow">
+              <a:avLst/>
+            </a:prstGeom>
+            <a:solidFill>
+              <a:schemeClr val="bg1">
+                <a:lumMod val="85000"/>
+              </a:schemeClr>
+            </a:solidFill>
+            <a:ln>
+              <a:noFill/>
+            </a:ln>
+          </p:spPr>
+          <p:style>
+            <a:lnRef idx="2">
+              <a:schemeClr val="accent1">
+                <a:shade val="50000"/>
+              </a:schemeClr>
+            </a:lnRef>
+            <a:fillRef idx="1">
+              <a:schemeClr val="accent1"/>
+            </a:fillRef>
+            <a:effectRef idx="0">
+              <a:schemeClr val="accent1"/>
+            </a:effectRef>
+            <a:fontRef idx="minor">
+              <a:schemeClr val="lt1"/>
+            </a:fontRef>
+          </p:style>
+          <p:txBody>
+            <a:bodyPr rtlCol="0" anchor="ctr"/>
+            <a:p>
+              <a:pPr algn="ctr"/>
+              <a:endParaRPr lang="en-US"/>
+            </a:p>
+          </p:txBody>
+        </p:sp>
+        <p:sp>
+          <p:nvSpPr>
+            <p:cNvPr id="171" name="Text Box 170"/>
+            <p:cNvSpPr txBox="1"/>
+            <p:nvPr/>
+          </p:nvSpPr>
+          <p:spPr>
+            <a:xfrm>
+              <a:off x="11223" y="5988"/>
+              <a:ext cx="941" cy="434"/>
+            </a:xfrm>
+            <a:prstGeom prst="rect">
+              <a:avLst/>
+            </a:prstGeom>
+            <a:noFill/>
+          </p:spPr>
+          <p:txBody>
+            <a:bodyPr wrap="none" rtlCol="0">
+              <a:spAutoFit/>
+            </a:bodyPr>
+            <a:p>
+              <a:r>
+                <a:rPr lang="en-US" altLang="en-US" sz="1200">
+                  <a:latin typeface="Times New Roman" panose="02020603050405020304" charset="0"/>
+                  <a:cs typeface="Times New Roman" panose="02020603050405020304" charset="0"/>
+                </a:rPr>
+                <a:t>Fusion</a:t>
+              </a:r>
+              <a:endParaRPr lang="en-US" altLang="en-US" sz="1200">
+                <a:latin typeface="Times New Roman" panose="02020603050405020304" charset="0"/>
+                <a:cs typeface="Times New Roman" panose="02020603050405020304" charset="0"/>
+              </a:endParaRPr>
+            </a:p>
+          </p:txBody>
+        </p:sp>
+      </p:grpSp>
+      <p:grpSp>
+        <p:nvGrpSpPr>
+          <p:cNvPr id="172" name="Group 171"/>
+          <p:cNvGrpSpPr/>
+          <p:nvPr/>
+        </p:nvGrpSpPr>
+        <p:grpSpPr>
+          <a:xfrm>
+            <a:off x="7865110" y="4571365"/>
+            <a:ext cx="1066800" cy="368300"/>
+            <a:chOff x="12343" y="5421"/>
+            <a:chExt cx="1680" cy="580"/>
+          </a:xfrm>
+        </p:grpSpPr>
+        <p:sp>
+          <p:nvSpPr>
+            <p:cNvPr id="173" name="Cube 172"/>
+            <p:cNvSpPr/>
+            <p:nvPr/>
+          </p:nvSpPr>
+          <p:spPr>
+            <a:xfrm>
+              <a:off x="12343" y="5593"/>
+              <a:ext cx="372" cy="408"/>
+            </a:xfrm>
+            <a:prstGeom prst="cube">
+              <a:avLst/>
+            </a:prstGeom>
+            <a:solidFill>
+              <a:srgbClr val="E915DD"/>
+            </a:solidFill>
+            <a:ln>
+              <a:solidFill>
+                <a:srgbClr val="E915DD"/>
+              </a:solidFill>
+            </a:ln>
+          </p:spPr>
+          <p:style>
+            <a:lnRef idx="1">
+              <a:schemeClr val="accent2"/>
+            </a:lnRef>
+            <a:fillRef idx="3">
+              <a:schemeClr val="accent2"/>
+            </a:fillRef>
+            <a:effectRef idx="2">
+              <a:schemeClr val="accent2"/>
+            </a:effectRef>
+            <a:fontRef idx="minor">
+              <a:schemeClr val="lt1"/>
+            </a:fontRef>
+          </p:style>
+          <p:txBody>
+            <a:bodyPr rtlCol="0" anchor="ctr"/>
+            <a:p>
+              <a:pPr algn="ctr"/>
+              <a:endParaRPr lang="en-US"/>
+            </a:p>
+          </p:txBody>
+        </p:sp>
+        <p:sp>
+          <p:nvSpPr>
+            <p:cNvPr id="174" name="Cube 173"/>
+            <p:cNvSpPr/>
+            <p:nvPr/>
+          </p:nvSpPr>
+          <p:spPr>
+            <a:xfrm>
+              <a:off x="12751" y="5593"/>
+              <a:ext cx="372" cy="408"/>
+            </a:xfrm>
+            <a:prstGeom prst="cube">
+              <a:avLst/>
+            </a:prstGeom>
+            <a:solidFill>
+              <a:srgbClr val="E915DD"/>
+            </a:solidFill>
+            <a:ln>
+              <a:solidFill>
+                <a:srgbClr val="E915DD"/>
+              </a:solidFill>
+            </a:ln>
+          </p:spPr>
+          <p:style>
+            <a:lnRef idx="1">
+              <a:schemeClr val="accent2"/>
+            </a:lnRef>
+            <a:fillRef idx="3">
+              <a:schemeClr val="accent2"/>
+            </a:fillRef>
+            <a:effectRef idx="2">
+              <a:schemeClr val="accent2"/>
+            </a:effectRef>
+            <a:fontRef idx="minor">
+              <a:schemeClr val="lt1"/>
+            </a:fontRef>
+          </p:style>
+          <p:txBody>
+            <a:bodyPr rtlCol="0" anchor="ctr"/>
+            <a:p>
+              <a:pPr algn="ctr"/>
+              <a:endParaRPr lang="en-US"/>
+            </a:p>
+          </p:txBody>
+        </p:sp>
+        <p:sp>
+          <p:nvSpPr>
+            <p:cNvPr id="175" name="Cube 174"/>
+            <p:cNvSpPr/>
+            <p:nvPr/>
+          </p:nvSpPr>
+          <p:spPr>
+            <a:xfrm>
+              <a:off x="13651" y="5580"/>
+              <a:ext cx="372" cy="408"/>
+            </a:xfrm>
+            <a:prstGeom prst="cube">
+              <a:avLst/>
+            </a:prstGeom>
+            <a:solidFill>
+              <a:srgbClr val="E915DD"/>
+            </a:solidFill>
+            <a:ln>
+              <a:solidFill>
+                <a:srgbClr val="E915DD"/>
+              </a:solidFill>
+            </a:ln>
+          </p:spPr>
+          <p:style>
+            <a:lnRef idx="1">
+              <a:schemeClr val="accent2"/>
+            </a:lnRef>
+            <a:fillRef idx="3">
+              <a:schemeClr val="accent2"/>
+            </a:fillRef>
+            <a:effectRef idx="2">
+              <a:schemeClr val="accent2"/>
+            </a:effectRef>
+            <a:fontRef idx="minor">
+              <a:schemeClr val="lt1"/>
+            </a:fontRef>
+          </p:style>
+          <p:txBody>
+            <a:bodyPr rtlCol="0" anchor="ctr"/>
+            <a:p>
+              <a:pPr algn="ctr"/>
+              <a:endParaRPr lang="en-US"/>
+            </a:p>
+          </p:txBody>
+        </p:sp>
+        <p:sp>
+          <p:nvSpPr>
+            <p:cNvPr id="176" name="Text Box 175"/>
+            <p:cNvSpPr txBox="1"/>
+            <p:nvPr/>
+          </p:nvSpPr>
+          <p:spPr>
+            <a:xfrm>
+              <a:off x="13097" y="5421"/>
+              <a:ext cx="588" cy="580"/>
+            </a:xfrm>
+            <a:prstGeom prst="rect">
+              <a:avLst/>
+            </a:prstGeom>
+            <a:noFill/>
+            <a:effectLst/>
+          </p:spPr>
+          <p:txBody>
+            <a:bodyPr wrap="none" rtlCol="0">
+              <a:spAutoFit/>
+            </a:bodyPr>
+            <a:p>
+              <a:pPr algn="ctr"/>
+              <a:r>
+                <a:rPr lang="en-US" altLang="en-US"/>
+                <a:t>...</a:t>
+              </a:r>
+              <a:endParaRPr lang="en-US" altLang="en-US"/>
+            </a:p>
+          </p:txBody>
+        </p:sp>
+      </p:grpSp>
+      <p:sp>
+        <p:nvSpPr>
+          <p:cNvPr id="177" name="Text Box 176"/>
+          <p:cNvSpPr txBox="1"/>
+          <p:nvPr/>
+        </p:nvSpPr>
+        <p:spPr>
+          <a:xfrm>
+            <a:off x="7853045" y="2032000"/>
+            <a:ext cx="1068070" cy="275590"/>
+          </a:xfrm>
+          <a:prstGeom prst="rect">
+            <a:avLst/>
+          </a:prstGeom>
+          <a:noFill/>
+        </p:spPr>
+        <p:txBody>
+          <a:bodyPr wrap="none" rtlCol="0">
+            <a:spAutoFit/>
+          </a:bodyPr>
+          <a:p>
+            <a:r>
+              <a:rPr lang="en-US" altLang="en-US" sz="1200">
+                <a:latin typeface="Times New Roman" panose="02020603050405020304" charset="0"/>
+                <a:cs typeface="Times New Roman" panose="02020603050405020304" charset="0"/>
+              </a:rPr>
+              <a:t>Fused features</a:t>
+            </a:r>
+            <a:endParaRPr lang="en-US" altLang="en-US" sz="1200">
+              <a:latin typeface="Times New Roman" panose="02020603050405020304" charset="0"/>
+              <a:cs typeface="Times New Roman" panose="02020603050405020304" charset="0"/>
+            </a:endParaRPr>
+          </a:p>
+        </p:txBody>
+      </p:sp>
+      <p:sp>
+        <p:nvSpPr>
+          <p:cNvPr id="178" name="Text Box 177"/>
+          <p:cNvSpPr txBox="1"/>
+          <p:nvPr/>
+        </p:nvSpPr>
+        <p:spPr>
+          <a:xfrm>
+            <a:off x="7865110" y="5000625"/>
+            <a:ext cx="1068070" cy="275590"/>
+          </a:xfrm>
+          <a:prstGeom prst="rect">
+            <a:avLst/>
+          </a:prstGeom>
+          <a:noFill/>
+        </p:spPr>
+        <p:txBody>
+          <a:bodyPr wrap="none" rtlCol="0">
+            <a:spAutoFit/>
+          </a:bodyPr>
+          <a:p>
+            <a:r>
+              <a:rPr lang="en-US" altLang="en-US" sz="1200">
+                <a:latin typeface="Times New Roman" panose="02020603050405020304" charset="0"/>
+                <a:cs typeface="Times New Roman" panose="02020603050405020304" charset="0"/>
+              </a:rPr>
+              <a:t>Fused features</a:t>
+            </a:r>
+            <a:endParaRPr lang="en-US" altLang="en-US" sz="1200">
+              <a:latin typeface="Times New Roman" panose="02020603050405020304" charset="0"/>
+              <a:cs typeface="Times New Roman" panose="02020603050405020304" charset="0"/>
+            </a:endParaRPr>
+          </a:p>
+        </p:txBody>
+      </p:sp>
+      <p:cxnSp>
+        <p:nvCxnSpPr>
+          <p:cNvPr id="183" name="Straight Arrow Connector 182"/>
+          <p:cNvCxnSpPr/>
+          <p:nvPr/>
+        </p:nvCxnSpPr>
+        <p:spPr>
+          <a:xfrm flipH="1">
+            <a:off x="6409055" y="2284730"/>
+            <a:ext cx="5080" cy="568960"/>
+          </a:xfrm>
+          <a:prstGeom prst="straightConnector1">
+            <a:avLst/>
+          </a:prstGeom>
+          <a:ln w="57150">
+            <a:solidFill>
+              <a:srgbClr val="00B0F0"/>
+            </a:solidFill>
+            <a:headEnd type="none"/>
+            <a:tailEnd type="triangle" w="med" len="med"/>
+          </a:ln>
+        </p:spPr>
+        <p:style>
+          <a:lnRef idx="1">
+            <a:schemeClr val="accent1"/>
+          </a:lnRef>
+          <a:fillRef idx="0">
+            <a:schemeClr val="accent1"/>
+          </a:fillRef>
+          <a:effectRef idx="0">
+            <a:schemeClr val="accent1"/>
+          </a:effectRef>
+          <a:fontRef idx="minor">
+            <a:schemeClr val="tx1"/>
+          </a:fontRef>
+        </p:style>
+      </p:cxnSp>
+      <p:cxnSp>
+        <p:nvCxnSpPr>
+          <p:cNvPr id="184" name="Straight Arrow Connector 183"/>
+          <p:cNvCxnSpPr/>
+          <p:nvPr/>
+        </p:nvCxnSpPr>
+        <p:spPr>
+          <a:xfrm flipV="1">
+            <a:off x="6414135" y="3840480"/>
+            <a:ext cx="0" cy="513080"/>
+          </a:xfrm>
+          <a:prstGeom prst="straightConnector1">
+            <a:avLst/>
+          </a:prstGeom>
+          <a:ln w="57150">
+            <a:solidFill>
+              <a:srgbClr val="00B0F0"/>
+            </a:solidFill>
+            <a:headEnd type="none"/>
+            <a:tailEnd type="triangle" w="med" len="med"/>
+          </a:ln>
+        </p:spPr>
+        <p:style>
+          <a:lnRef idx="1">
+            <a:schemeClr val="accent1"/>
+          </a:lnRef>
+          <a:fillRef idx="0">
+            <a:schemeClr val="accent1"/>
+          </a:fillRef>
+          <a:effectRef idx="0">
+            <a:schemeClr val="accent1"/>
+          </a:effectRef>
+          <a:fontRef idx="minor">
+            <a:schemeClr val="tx1"/>
+          </a:fontRef>
+        </p:style>
+      </p:cxnSp>
+      <p:sp>
+        <p:nvSpPr>
+          <p:cNvPr id="187" name="Right Arrow 186"/>
+          <p:cNvSpPr/>
+          <p:nvPr/>
+        </p:nvSpPr>
+        <p:spPr>
+          <a:xfrm>
+            <a:off x="7168515" y="3290570"/>
+            <a:ext cx="566420" cy="182880"/>
+          </a:xfrm>
+          <a:prstGeom prst="rightArrow">
+            <a:avLst/>
+          </a:prstGeom>
+          <a:solidFill>
+            <a:srgbClr val="E15B27"/>
+          </a:solidFill>
+          <a:ln>
+            <a:noFill/>
+          </a:ln>
+        </p:spPr>
+        <p:style>
+          <a:lnRef idx="2">
+            <a:schemeClr val="accent1">
+              <a:shade val="50000"/>
+            </a:schemeClr>
+          </a:lnRef>
+          <a:fillRef idx="1">
+            <a:schemeClr val="accent1"/>
+          </a:fillRef>
+          <a:effectRef idx="0">
+            <a:schemeClr val="accent1"/>
+          </a:effectRef>
+          <a:fontRef idx="minor">
+            <a:schemeClr val="lt1"/>
+          </a:fontRef>
+        </p:style>
+        <p:txBody>
+          <a:bodyPr rtlCol="0" anchor="ctr"/>
+          <a:p>
+            <a:pPr algn="ctr"/>
+            <a:endParaRPr lang="en-US"/>
+          </a:p>
+        </p:txBody>
+      </p:sp>
+      <p:grpSp>
+        <p:nvGrpSpPr>
+          <p:cNvPr id="189" name="Group 188"/>
+          <p:cNvGrpSpPr/>
+          <p:nvPr/>
+        </p:nvGrpSpPr>
+        <p:grpSpPr>
+          <a:xfrm>
+            <a:off x="7865110" y="3151505"/>
+            <a:ext cx="1066800" cy="368300"/>
+            <a:chOff x="12343" y="5421"/>
+            <a:chExt cx="1680" cy="580"/>
+          </a:xfrm>
+        </p:grpSpPr>
+        <p:sp>
+          <p:nvSpPr>
+            <p:cNvPr id="190" name="Cube 189"/>
+            <p:cNvSpPr/>
+            <p:nvPr/>
+          </p:nvSpPr>
+          <p:spPr>
+            <a:xfrm>
+              <a:off x="12343" y="5593"/>
+              <a:ext cx="372" cy="408"/>
+            </a:xfrm>
+            <a:prstGeom prst="cube">
+              <a:avLst/>
+            </a:prstGeom>
+            <a:solidFill>
+              <a:srgbClr val="E15B27"/>
+            </a:solidFill>
+            <a:ln>
+              <a:solidFill>
+                <a:srgbClr val="E15B27"/>
+              </a:solidFill>
+            </a:ln>
+          </p:spPr>
+          <p:style>
+            <a:lnRef idx="1">
+              <a:schemeClr val="accent2"/>
+            </a:lnRef>
+            <a:fillRef idx="3">
+              <a:schemeClr val="accent2"/>
+            </a:fillRef>
+            <a:effectRef idx="2">
+              <a:schemeClr val="accent2"/>
+            </a:effectRef>
+            <a:fontRef idx="minor">
+              <a:schemeClr val="lt1"/>
+            </a:fontRef>
+          </p:style>
+          <p:txBody>
+            <a:bodyPr rtlCol="0" anchor="ctr"/>
+            <a:p>
+              <a:pPr algn="ctr"/>
+              <a:endParaRPr lang="en-US"/>
+            </a:p>
+          </p:txBody>
+        </p:sp>
+        <p:sp>
+          <p:nvSpPr>
+            <p:cNvPr id="191" name="Cube 190"/>
+            <p:cNvSpPr/>
+            <p:nvPr/>
+          </p:nvSpPr>
+          <p:spPr>
+            <a:xfrm>
+              <a:off x="12751" y="5593"/>
+              <a:ext cx="372" cy="408"/>
+            </a:xfrm>
+            <a:prstGeom prst="cube">
+              <a:avLst/>
+            </a:prstGeom>
+            <a:solidFill>
+              <a:srgbClr val="E15B27"/>
+            </a:solidFill>
+            <a:ln>
+              <a:solidFill>
+                <a:srgbClr val="E15B27"/>
+              </a:solidFill>
+            </a:ln>
+          </p:spPr>
+          <p:style>
+            <a:lnRef idx="1">
+              <a:schemeClr val="accent2"/>
+            </a:lnRef>
+            <a:fillRef idx="3">
+              <a:schemeClr val="accent2"/>
+            </a:fillRef>
+            <a:effectRef idx="2">
+              <a:schemeClr val="accent2"/>
+            </a:effectRef>
+            <a:fontRef idx="minor">
+              <a:schemeClr val="lt1"/>
+            </a:fontRef>
+          </p:style>
+          <p:txBody>
+            <a:bodyPr rtlCol="0" anchor="ctr"/>
+            <a:p>
+              <a:pPr algn="ctr"/>
+              <a:endParaRPr lang="en-US"/>
+            </a:p>
+          </p:txBody>
+        </p:sp>
+        <p:sp>
+          <p:nvSpPr>
+            <p:cNvPr id="192" name="Cube 191"/>
+            <p:cNvSpPr/>
+            <p:nvPr/>
+          </p:nvSpPr>
+          <p:spPr>
+            <a:xfrm>
+              <a:off x="13651" y="5580"/>
+              <a:ext cx="372" cy="408"/>
+            </a:xfrm>
+            <a:prstGeom prst="cube">
+              <a:avLst/>
+            </a:prstGeom>
+            <a:solidFill>
+              <a:srgbClr val="E15B27"/>
+            </a:solidFill>
+            <a:ln>
+              <a:solidFill>
+                <a:srgbClr val="E15B27"/>
+              </a:solidFill>
+            </a:ln>
+          </p:spPr>
+          <p:style>
+            <a:lnRef idx="1">
+              <a:schemeClr val="accent2"/>
+            </a:lnRef>
+            <a:fillRef idx="3">
+              <a:schemeClr val="accent2"/>
+            </a:fillRef>
+            <a:effectRef idx="2">
+              <a:schemeClr val="accent2"/>
+            </a:effectRef>
+            <a:fontRef idx="minor">
+              <a:schemeClr val="lt1"/>
+            </a:fontRef>
+          </p:style>
+          <p:txBody>
+            <a:bodyPr rtlCol="0" anchor="ctr"/>
+            <a:p>
+              <a:pPr algn="ctr"/>
+              <a:endParaRPr lang="en-US"/>
+            </a:p>
+          </p:txBody>
+        </p:sp>
+        <p:sp>
+          <p:nvSpPr>
+            <p:cNvPr id="193" name="Text Box 192"/>
+            <p:cNvSpPr txBox="1"/>
+            <p:nvPr/>
+          </p:nvSpPr>
+          <p:spPr>
+            <a:xfrm>
+              <a:off x="13097" y="5421"/>
+              <a:ext cx="588" cy="580"/>
+            </a:xfrm>
+            <a:prstGeom prst="rect">
+              <a:avLst/>
+            </a:prstGeom>
+            <a:noFill/>
+            <a:effectLst/>
+          </p:spPr>
+          <p:txBody>
+            <a:bodyPr wrap="none" rtlCol="0">
+              <a:spAutoFit/>
+            </a:bodyPr>
+            <a:p>
+              <a:pPr algn="ctr"/>
+              <a:r>
+                <a:rPr lang="en-US" altLang="en-US"/>
+                <a:t>...</a:t>
+              </a:r>
+              <a:endParaRPr lang="en-US" altLang="en-US"/>
+            </a:p>
+          </p:txBody>
+        </p:sp>
+      </p:grpSp>
+      <p:sp>
+        <p:nvSpPr>
+          <p:cNvPr id="194" name="Text Box 193"/>
+          <p:cNvSpPr txBox="1"/>
+          <p:nvPr/>
+        </p:nvSpPr>
+        <p:spPr>
+          <a:xfrm>
+            <a:off x="7947660" y="3612515"/>
+            <a:ext cx="878205" cy="460375"/>
+          </a:xfrm>
+          <a:prstGeom prst="rect">
+            <a:avLst/>
+          </a:prstGeom>
+          <a:noFill/>
+        </p:spPr>
+        <p:txBody>
+          <a:bodyPr wrap="none" rtlCol="0">
+            <a:spAutoFit/>
+          </a:bodyPr>
+          <a:p>
+            <a:pPr algn="ctr"/>
+            <a:r>
+              <a:rPr lang="en-US" altLang="en-US" sz="1200">
+                <a:latin typeface="Times New Roman" panose="02020603050405020304" charset="0"/>
+                <a:cs typeface="Times New Roman" panose="02020603050405020304" charset="0"/>
+              </a:rPr>
+              <a:t>Correlation</a:t>
+            </a:r>
+            <a:endParaRPr lang="en-US" altLang="en-US" sz="1200">
+              <a:latin typeface="Times New Roman" panose="02020603050405020304" charset="0"/>
+              <a:cs typeface="Times New Roman" panose="02020603050405020304" charset="0"/>
+            </a:endParaRPr>
+          </a:p>
+          <a:p>
+            <a:pPr algn="ctr"/>
+            <a:r>
+              <a:rPr lang="en-US" altLang="en-US" sz="1200">
+                <a:latin typeface="Times New Roman" panose="02020603050405020304" charset="0"/>
+                <a:cs typeface="Times New Roman" panose="02020603050405020304" charset="0"/>
+              </a:rPr>
+              <a:t> features</a:t>
+            </a:r>
+            <a:endParaRPr lang="en-US" altLang="en-US" sz="1200">
+              <a:latin typeface="Times New Roman" panose="02020603050405020304" charset="0"/>
+              <a:cs typeface="Times New Roman" panose="02020603050405020304" charset="0"/>
+            </a:endParaRPr>
+          </a:p>
+        </p:txBody>
+      </p:sp>
+      <p:grpSp>
+        <p:nvGrpSpPr>
+          <p:cNvPr id="201" name="Group 200"/>
+          <p:cNvGrpSpPr/>
+          <p:nvPr/>
+        </p:nvGrpSpPr>
+        <p:grpSpPr>
+          <a:xfrm>
+            <a:off x="9120505" y="1523365"/>
+            <a:ext cx="733425" cy="800735"/>
+            <a:chOff x="14363" y="4979"/>
+            <a:chExt cx="1155" cy="1261"/>
+          </a:xfrm>
+        </p:grpSpPr>
+        <p:sp>
+          <p:nvSpPr>
+            <p:cNvPr id="196" name="Right Arrow 195"/>
+            <p:cNvSpPr/>
+            <p:nvPr/>
+          </p:nvSpPr>
+          <p:spPr>
+            <a:xfrm>
+              <a:off x="14363" y="5354"/>
+              <a:ext cx="892" cy="288"/>
+            </a:xfrm>
+            <a:prstGeom prst="rightArrow">
+              <a:avLst/>
+            </a:prstGeom>
+            <a:solidFill>
+              <a:srgbClr val="E915DD"/>
+            </a:solidFill>
+            <a:ln>
+              <a:noFill/>
+            </a:ln>
+          </p:spPr>
+          <p:style>
+            <a:lnRef idx="2">
+              <a:schemeClr val="accent1">
+                <a:shade val="50000"/>
+              </a:schemeClr>
+            </a:lnRef>
+            <a:fillRef idx="1">
+              <a:schemeClr val="accent1"/>
+            </a:fillRef>
+            <a:effectRef idx="0">
+              <a:schemeClr val="accent1"/>
+            </a:effectRef>
+            <a:fontRef idx="minor">
+              <a:schemeClr val="lt1"/>
+            </a:fontRef>
+          </p:style>
+          <p:txBody>
+            <a:bodyPr rtlCol="0" anchor="ctr"/>
+            <a:p>
+              <a:pPr algn="ctr"/>
+              <a:endParaRPr lang="en-US"/>
+            </a:p>
+          </p:txBody>
+        </p:sp>
+        <p:sp>
+          <p:nvSpPr>
+            <p:cNvPr id="198" name="Text Box 197"/>
+            <p:cNvSpPr txBox="1"/>
+            <p:nvPr/>
+          </p:nvSpPr>
+          <p:spPr>
+            <a:xfrm>
+              <a:off x="14453" y="4979"/>
+              <a:ext cx="581" cy="434"/>
+            </a:xfrm>
+            <a:prstGeom prst="rect">
+              <a:avLst/>
+            </a:prstGeom>
+            <a:noFill/>
+          </p:spPr>
+          <p:txBody>
+            <a:bodyPr wrap="none" rtlCol="0">
+              <a:spAutoFit/>
+            </a:bodyPr>
+            <a:p>
+              <a:r>
+                <a:rPr lang="en-US" altLang="en-US" sz="1200">
+                  <a:latin typeface="Times New Roman" panose="02020603050405020304" charset="0"/>
+                  <a:cs typeface="Times New Roman" panose="02020603050405020304" charset="0"/>
+                </a:rPr>
+                <a:t>FC</a:t>
+              </a:r>
+              <a:endParaRPr lang="en-US" altLang="en-US" sz="1200">
+                <a:latin typeface="Times New Roman" panose="02020603050405020304" charset="0"/>
+                <a:cs typeface="Times New Roman" panose="02020603050405020304" charset="0"/>
+              </a:endParaRPr>
+            </a:p>
+          </p:txBody>
+        </p:sp>
+        <p:sp>
+          <p:nvSpPr>
+            <p:cNvPr id="199" name="Right Arrow 198"/>
+            <p:cNvSpPr/>
+            <p:nvPr/>
+          </p:nvSpPr>
+          <p:spPr>
+            <a:xfrm>
+              <a:off x="14623" y="5585"/>
+              <a:ext cx="892" cy="288"/>
+            </a:xfrm>
+            <a:prstGeom prst="rightArrow">
+              <a:avLst/>
+            </a:prstGeom>
+            <a:solidFill>
+              <a:srgbClr val="E915DD"/>
+            </a:solidFill>
+            <a:ln>
+              <a:noFill/>
+            </a:ln>
+          </p:spPr>
+          <p:style>
+            <a:lnRef idx="2">
+              <a:schemeClr val="accent1">
+                <a:shade val="50000"/>
+              </a:schemeClr>
+            </a:lnRef>
+            <a:fillRef idx="1">
+              <a:schemeClr val="accent1"/>
+            </a:fillRef>
+            <a:effectRef idx="0">
+              <a:schemeClr val="accent1"/>
+            </a:effectRef>
+            <a:fontRef idx="minor">
+              <a:schemeClr val="lt1"/>
+            </a:fontRef>
+          </p:style>
+          <p:txBody>
+            <a:bodyPr rtlCol="0" anchor="ctr"/>
+            <a:p>
+              <a:pPr algn="ctr"/>
+              <a:endParaRPr lang="en-US"/>
+            </a:p>
+          </p:txBody>
+        </p:sp>
+        <p:sp>
+          <p:nvSpPr>
+            <p:cNvPr id="200" name="Text Box 199"/>
+            <p:cNvSpPr txBox="1"/>
+            <p:nvPr/>
+          </p:nvSpPr>
+          <p:spPr>
+            <a:xfrm>
+              <a:off x="14712" y="5806"/>
+              <a:ext cx="807" cy="434"/>
+            </a:xfrm>
+            <a:prstGeom prst="rect">
+              <a:avLst/>
+            </a:prstGeom>
+            <a:noFill/>
+          </p:spPr>
+          <p:txBody>
+            <a:bodyPr wrap="none" rtlCol="0">
+              <a:spAutoFit/>
+            </a:bodyPr>
+            <a:p>
+              <a:r>
+                <a:rPr lang="en-US" altLang="en-US" sz="1200">
+                  <a:latin typeface="Times New Roman" panose="02020603050405020304" charset="0"/>
+                  <a:cs typeface="Times New Roman" panose="02020603050405020304" charset="0"/>
+                </a:rPr>
+                <a:t>NMS</a:t>
+              </a:r>
+              <a:endParaRPr lang="en-US" altLang="en-US" sz="1200">
+                <a:latin typeface="Times New Roman" panose="02020603050405020304" charset="0"/>
+                <a:cs typeface="Times New Roman" panose="02020603050405020304" charset="0"/>
+              </a:endParaRPr>
+            </a:p>
+          </p:txBody>
+        </p:sp>
+      </p:grpSp>
+      <p:grpSp>
+        <p:nvGrpSpPr>
+          <p:cNvPr id="204" name="Group 203"/>
+          <p:cNvGrpSpPr/>
+          <p:nvPr/>
+        </p:nvGrpSpPr>
+        <p:grpSpPr>
+          <a:xfrm>
+            <a:off x="9118600" y="3007995"/>
+            <a:ext cx="733425" cy="800735"/>
+            <a:chOff x="14363" y="4979"/>
+            <a:chExt cx="1155" cy="1261"/>
+          </a:xfrm>
+        </p:grpSpPr>
+        <p:sp>
+          <p:nvSpPr>
+            <p:cNvPr id="205" name="Right Arrow 204"/>
+            <p:cNvSpPr/>
+            <p:nvPr/>
+          </p:nvSpPr>
+          <p:spPr>
+            <a:xfrm>
+              <a:off x="14363" y="5354"/>
+              <a:ext cx="892" cy="288"/>
+            </a:xfrm>
+            <a:prstGeom prst="rightArrow">
+              <a:avLst/>
+            </a:prstGeom>
+            <a:solidFill>
+              <a:srgbClr val="E15B27"/>
+            </a:solidFill>
+            <a:ln>
+              <a:noFill/>
+            </a:ln>
+          </p:spPr>
+          <p:style>
+            <a:lnRef idx="2">
+              <a:schemeClr val="accent1">
+                <a:shade val="50000"/>
+              </a:schemeClr>
+            </a:lnRef>
+            <a:fillRef idx="1">
+              <a:schemeClr val="accent1"/>
+            </a:fillRef>
+            <a:effectRef idx="0">
+              <a:schemeClr val="accent1"/>
+            </a:effectRef>
+            <a:fontRef idx="minor">
+              <a:schemeClr val="lt1"/>
+            </a:fontRef>
+          </p:style>
+          <p:txBody>
+            <a:bodyPr rtlCol="0" anchor="ctr"/>
+            <a:p>
+              <a:pPr algn="ctr"/>
+              <a:endParaRPr lang="en-US"/>
+            </a:p>
+          </p:txBody>
+        </p:sp>
+        <p:sp>
+          <p:nvSpPr>
+            <p:cNvPr id="206" name="Text Box 205"/>
+            <p:cNvSpPr txBox="1"/>
+            <p:nvPr/>
+          </p:nvSpPr>
+          <p:spPr>
+            <a:xfrm>
+              <a:off x="14453" y="4979"/>
+              <a:ext cx="581" cy="434"/>
+            </a:xfrm>
+            <a:prstGeom prst="rect">
+              <a:avLst/>
+            </a:prstGeom>
+            <a:noFill/>
+          </p:spPr>
+          <p:txBody>
+            <a:bodyPr wrap="none" rtlCol="0">
+              <a:spAutoFit/>
+            </a:bodyPr>
+            <a:p>
+              <a:r>
+                <a:rPr lang="en-US" altLang="en-US" sz="1200">
+                  <a:latin typeface="Times New Roman" panose="02020603050405020304" charset="0"/>
+                  <a:cs typeface="Times New Roman" panose="02020603050405020304" charset="0"/>
+                </a:rPr>
+                <a:t>FC</a:t>
+              </a:r>
+              <a:endParaRPr lang="en-US" altLang="en-US" sz="1200">
+                <a:latin typeface="Times New Roman" panose="02020603050405020304" charset="0"/>
+                <a:cs typeface="Times New Roman" panose="02020603050405020304" charset="0"/>
+              </a:endParaRPr>
+            </a:p>
+          </p:txBody>
+        </p:sp>
+        <p:sp>
+          <p:nvSpPr>
+            <p:cNvPr id="207" name="Right Arrow 206"/>
+            <p:cNvSpPr/>
+            <p:nvPr/>
+          </p:nvSpPr>
+          <p:spPr>
+            <a:xfrm>
+              <a:off x="14623" y="5585"/>
+              <a:ext cx="892" cy="288"/>
+            </a:xfrm>
+            <a:prstGeom prst="rightArrow">
+              <a:avLst/>
+            </a:prstGeom>
+            <a:solidFill>
+              <a:srgbClr val="E15B27"/>
+            </a:solidFill>
+            <a:ln>
+              <a:noFill/>
+            </a:ln>
+          </p:spPr>
+          <p:style>
+            <a:lnRef idx="2">
+              <a:schemeClr val="accent1">
+                <a:shade val="50000"/>
+              </a:schemeClr>
+            </a:lnRef>
+            <a:fillRef idx="1">
+              <a:schemeClr val="accent1"/>
+            </a:fillRef>
+            <a:effectRef idx="0">
+              <a:schemeClr val="accent1"/>
+            </a:effectRef>
+            <a:fontRef idx="minor">
+              <a:schemeClr val="lt1"/>
+            </a:fontRef>
+          </p:style>
+          <p:txBody>
+            <a:bodyPr rtlCol="0" anchor="ctr"/>
+            <a:p>
+              <a:pPr algn="ctr"/>
+              <a:endParaRPr lang="en-US"/>
+            </a:p>
+          </p:txBody>
+        </p:sp>
+        <p:sp>
+          <p:nvSpPr>
+            <p:cNvPr id="208" name="Text Box 207"/>
+            <p:cNvSpPr txBox="1"/>
+            <p:nvPr/>
+          </p:nvSpPr>
+          <p:spPr>
+            <a:xfrm>
+              <a:off x="14712" y="5806"/>
+              <a:ext cx="807" cy="434"/>
+            </a:xfrm>
+            <a:prstGeom prst="rect">
+              <a:avLst/>
+            </a:prstGeom>
+            <a:noFill/>
+          </p:spPr>
+          <p:txBody>
+            <a:bodyPr wrap="none" rtlCol="0">
+              <a:spAutoFit/>
+            </a:bodyPr>
+            <a:p>
+              <a:r>
+                <a:rPr lang="en-US" altLang="en-US" sz="1200">
+                  <a:latin typeface="Times New Roman" panose="02020603050405020304" charset="0"/>
+                  <a:cs typeface="Times New Roman" panose="02020603050405020304" charset="0"/>
+                </a:rPr>
+                <a:t>NMS</a:t>
+              </a:r>
+              <a:endParaRPr lang="en-US" altLang="en-US" sz="1200">
+                <a:latin typeface="Times New Roman" panose="02020603050405020304" charset="0"/>
+                <a:cs typeface="Times New Roman" panose="02020603050405020304" charset="0"/>
+              </a:endParaRPr>
+            </a:p>
+          </p:txBody>
+        </p:sp>
+      </p:grpSp>
+      <p:grpSp>
+        <p:nvGrpSpPr>
+          <p:cNvPr id="209" name="Group 208"/>
+          <p:cNvGrpSpPr/>
+          <p:nvPr/>
+        </p:nvGrpSpPr>
+        <p:grpSpPr>
+          <a:xfrm>
+            <a:off x="9121140" y="4467225"/>
+            <a:ext cx="733425" cy="800735"/>
+            <a:chOff x="14363" y="4979"/>
+            <a:chExt cx="1155" cy="1261"/>
+          </a:xfrm>
+        </p:grpSpPr>
+        <p:sp>
+          <p:nvSpPr>
+            <p:cNvPr id="210" name="Right Arrow 209"/>
+            <p:cNvSpPr/>
+            <p:nvPr/>
+          </p:nvSpPr>
+          <p:spPr>
+            <a:xfrm>
+              <a:off x="14363" y="5354"/>
+              <a:ext cx="892" cy="288"/>
+            </a:xfrm>
+            <a:prstGeom prst="rightArrow">
+              <a:avLst/>
+            </a:prstGeom>
+            <a:solidFill>
+              <a:srgbClr val="E915DD"/>
+            </a:solidFill>
+            <a:ln>
+              <a:noFill/>
+            </a:ln>
+          </p:spPr>
+          <p:style>
+            <a:lnRef idx="2">
+              <a:schemeClr val="accent1">
+                <a:shade val="50000"/>
+              </a:schemeClr>
+            </a:lnRef>
+            <a:fillRef idx="1">
+              <a:schemeClr val="accent1"/>
+            </a:fillRef>
+            <a:effectRef idx="0">
+              <a:schemeClr val="accent1"/>
+            </a:effectRef>
+            <a:fontRef idx="minor">
+              <a:schemeClr val="lt1"/>
+            </a:fontRef>
+          </p:style>
+          <p:txBody>
+            <a:bodyPr rtlCol="0" anchor="ctr"/>
+            <a:p>
+              <a:pPr algn="ctr"/>
+              <a:endParaRPr lang="en-US"/>
+            </a:p>
+          </p:txBody>
+        </p:sp>
+        <p:sp>
+          <p:nvSpPr>
+            <p:cNvPr id="211" name="Text Box 210"/>
+            <p:cNvSpPr txBox="1"/>
+            <p:nvPr/>
+          </p:nvSpPr>
+          <p:spPr>
+            <a:xfrm>
+              <a:off x="14453" y="4979"/>
+              <a:ext cx="581" cy="434"/>
+            </a:xfrm>
+            <a:prstGeom prst="rect">
+              <a:avLst/>
+            </a:prstGeom>
+            <a:noFill/>
+          </p:spPr>
+          <p:txBody>
+            <a:bodyPr wrap="none" rtlCol="0">
+              <a:spAutoFit/>
+            </a:bodyPr>
+            <a:p>
+              <a:r>
+                <a:rPr lang="en-US" altLang="en-US" sz="1200">
+                  <a:latin typeface="Times New Roman" panose="02020603050405020304" charset="0"/>
+                  <a:cs typeface="Times New Roman" panose="02020603050405020304" charset="0"/>
+                </a:rPr>
+                <a:t>FC</a:t>
+              </a:r>
+              <a:endParaRPr lang="en-US" altLang="en-US" sz="1200">
+                <a:latin typeface="Times New Roman" panose="02020603050405020304" charset="0"/>
+                <a:cs typeface="Times New Roman" panose="02020603050405020304" charset="0"/>
+              </a:endParaRPr>
+            </a:p>
+          </p:txBody>
+        </p:sp>
+        <p:sp>
+          <p:nvSpPr>
+            <p:cNvPr id="212" name="Right Arrow 211"/>
+            <p:cNvSpPr/>
+            <p:nvPr/>
+          </p:nvSpPr>
+          <p:spPr>
+            <a:xfrm>
+              <a:off x="14623" y="5585"/>
+              <a:ext cx="892" cy="288"/>
+            </a:xfrm>
+            <a:prstGeom prst="rightArrow">
+              <a:avLst/>
+            </a:prstGeom>
+            <a:solidFill>
+              <a:srgbClr val="E915DD"/>
+            </a:solidFill>
+            <a:ln>
+              <a:noFill/>
+            </a:ln>
+          </p:spPr>
+          <p:style>
+            <a:lnRef idx="2">
+              <a:schemeClr val="accent1">
+                <a:shade val="50000"/>
+              </a:schemeClr>
+            </a:lnRef>
+            <a:fillRef idx="1">
+              <a:schemeClr val="accent1"/>
+            </a:fillRef>
+            <a:effectRef idx="0">
+              <a:schemeClr val="accent1"/>
+            </a:effectRef>
+            <a:fontRef idx="minor">
+              <a:schemeClr val="lt1"/>
+            </a:fontRef>
+          </p:style>
+          <p:txBody>
+            <a:bodyPr rtlCol="0" anchor="ctr"/>
+            <a:p>
+              <a:pPr algn="ctr"/>
+              <a:endParaRPr lang="en-US"/>
+            </a:p>
+          </p:txBody>
+        </p:sp>
+        <p:sp>
+          <p:nvSpPr>
+            <p:cNvPr id="213" name="Text Box 212"/>
+            <p:cNvSpPr txBox="1"/>
+            <p:nvPr/>
+          </p:nvSpPr>
+          <p:spPr>
+            <a:xfrm>
+              <a:off x="14712" y="5806"/>
+              <a:ext cx="807" cy="434"/>
+            </a:xfrm>
+            <a:prstGeom prst="rect">
+              <a:avLst/>
+            </a:prstGeom>
+            <a:noFill/>
+          </p:spPr>
+          <p:txBody>
+            <a:bodyPr wrap="none" rtlCol="0">
+              <a:spAutoFit/>
+            </a:bodyPr>
+            <a:p>
+              <a:r>
+                <a:rPr lang="en-US" altLang="en-US" sz="1200">
+                  <a:latin typeface="Times New Roman" panose="02020603050405020304" charset="0"/>
+                  <a:cs typeface="Times New Roman" panose="02020603050405020304" charset="0"/>
+                </a:rPr>
+                <a:t>NMS</a:t>
+              </a:r>
+              <a:endParaRPr lang="en-US" altLang="en-US" sz="1200">
+                <a:latin typeface="Times New Roman" panose="02020603050405020304" charset="0"/>
+                <a:cs typeface="Times New Roman" panose="02020603050405020304" charset="0"/>
+              </a:endParaRPr>
+            </a:p>
+          </p:txBody>
+        </p:sp>
+      </p:grpSp>
+      <p:sp>
+        <p:nvSpPr>
+          <p:cNvPr id="214" name="Text Box 213"/>
+          <p:cNvSpPr txBox="1"/>
+          <p:nvPr/>
+        </p:nvSpPr>
+        <p:spPr>
+          <a:xfrm>
+            <a:off x="3201035" y="2469515"/>
+            <a:ext cx="1631950" cy="275590"/>
+          </a:xfrm>
+          <a:prstGeom prst="rect">
+            <a:avLst/>
+          </a:prstGeom>
+          <a:noFill/>
+        </p:spPr>
+        <p:txBody>
+          <a:bodyPr wrap="none" rtlCol="0">
+            <a:spAutoFit/>
+          </a:bodyPr>
+          <a:p>
+            <a:pPr algn="ctr"/>
+            <a:r>
+              <a:rPr lang="en-US" altLang="en-US" sz="1200">
+                <a:latin typeface="Times New Roman" panose="02020603050405020304" charset="0"/>
+                <a:cs typeface="Times New Roman" panose="02020603050405020304" charset="0"/>
+              </a:rPr>
+              <a:t>Full resolution Features</a:t>
+            </a:r>
+            <a:endParaRPr lang="en-US" altLang="en-US" sz="1200">
+              <a:latin typeface="Times New Roman" panose="02020603050405020304" charset="0"/>
+              <a:cs typeface="Times New Roman" panose="02020603050405020304" charset="0"/>
+            </a:endParaRPr>
+          </a:p>
+        </p:txBody>
+      </p:sp>
+      <p:grpSp>
+        <p:nvGrpSpPr>
+          <p:cNvPr id="231" name="Group 230"/>
+          <p:cNvGrpSpPr/>
+          <p:nvPr/>
+        </p:nvGrpSpPr>
+        <p:grpSpPr>
+          <a:xfrm>
+            <a:off x="10098405" y="1064895"/>
+            <a:ext cx="1362710" cy="1221105"/>
+            <a:chOff x="15903" y="4569"/>
+            <a:chExt cx="2146" cy="1923"/>
+          </a:xfrm>
+        </p:grpSpPr>
+        <p:sp>
+          <p:nvSpPr>
+            <p:cNvPr id="215" name="Rectangle 214"/>
+            <p:cNvSpPr/>
+            <p:nvPr/>
+          </p:nvSpPr>
+          <p:spPr>
+            <a:xfrm>
+              <a:off x="15903" y="4914"/>
+              <a:ext cx="2147" cy="1451"/>
+            </a:xfrm>
+            <a:prstGeom prst="rect">
+              <a:avLst/>
+            </a:prstGeom>
+            <a:solidFill>
+              <a:schemeClr val="bg1">
+                <a:lumMod val="85000"/>
+              </a:schemeClr>
+            </a:solidFill>
+            <a:ln>
+              <a:noFill/>
+            </a:ln>
+          </p:spPr>
+          <p:style>
+            <a:lnRef idx="2">
+              <a:schemeClr val="accent1">
+                <a:shade val="50000"/>
+              </a:schemeClr>
+            </a:lnRef>
+            <a:fillRef idx="1">
+              <a:schemeClr val="accent1"/>
+            </a:fillRef>
+            <a:effectRef idx="0">
+              <a:schemeClr val="accent1"/>
+            </a:effectRef>
+            <a:fontRef idx="minor">
+              <a:schemeClr val="lt1"/>
+            </a:fontRef>
+          </p:style>
+          <p:txBody>
+            <a:bodyPr rtlCol="0" anchor="ctr"/>
+            <a:p>
+              <a:pPr algn="ctr"/>
+              <a:endParaRPr lang="en-US"/>
+            </a:p>
+          </p:txBody>
+        </p:sp>
+        <p:sp>
+          <p:nvSpPr>
+            <p:cNvPr id="219" name="Rectangle 218"/>
+            <p:cNvSpPr/>
+            <p:nvPr/>
+          </p:nvSpPr>
+          <p:spPr>
+            <a:xfrm>
+              <a:off x="16250" y="4755"/>
+              <a:ext cx="245" cy="448"/>
+            </a:xfrm>
+            <a:prstGeom prst="rect">
+              <a:avLst/>
+            </a:prstGeom>
+            <a:solidFill>
+              <a:srgbClr val="92D050"/>
+            </a:solidFill>
+          </p:spPr>
+          <p:style>
+            <a:lnRef idx="2">
+              <a:schemeClr val="accent6"/>
+            </a:lnRef>
+            <a:fillRef idx="1">
+              <a:schemeClr val="lt1"/>
+            </a:fillRef>
+            <a:effectRef idx="0">
+              <a:schemeClr val="accent6"/>
+            </a:effectRef>
+            <a:fontRef idx="minor">
+              <a:schemeClr val="dk1"/>
+            </a:fontRef>
+          </p:style>
+          <p:txBody>
+            <a:bodyPr rtlCol="0" anchor="ctr"/>
+            <a:p>
+              <a:pPr algn="ctr"/>
+              <a:endParaRPr lang="en-US"/>
+            </a:p>
+          </p:txBody>
+        </p:sp>
+        <p:sp>
+          <p:nvSpPr>
+            <p:cNvPr id="220" name="Rectangle 219"/>
+            <p:cNvSpPr/>
+            <p:nvPr/>
+          </p:nvSpPr>
+          <p:spPr>
+            <a:xfrm>
+              <a:off x="16853" y="5539"/>
+              <a:ext cx="245" cy="448"/>
+            </a:xfrm>
+            <a:prstGeom prst="rect">
+              <a:avLst/>
+            </a:prstGeom>
+          </p:spPr>
+          <p:style>
+            <a:lnRef idx="2">
+              <a:schemeClr val="accent2">
+                <a:shade val="50000"/>
+              </a:schemeClr>
+            </a:lnRef>
+            <a:fillRef idx="1">
+              <a:schemeClr val="accent2"/>
+            </a:fillRef>
+            <a:effectRef idx="0">
+              <a:schemeClr val="accent2"/>
+            </a:effectRef>
+            <a:fontRef idx="minor">
+              <a:schemeClr val="lt1"/>
+            </a:fontRef>
+          </p:style>
+          <p:txBody>
+            <a:bodyPr rtlCol="0" anchor="ctr"/>
+            <a:p>
+              <a:pPr algn="ctr"/>
+              <a:endParaRPr lang="en-US"/>
+            </a:p>
+          </p:txBody>
+        </p:sp>
+        <p:sp>
+          <p:nvSpPr>
+            <p:cNvPr id="221" name="Rectangle 220"/>
+            <p:cNvSpPr/>
+            <p:nvPr/>
+          </p:nvSpPr>
+          <p:spPr>
+            <a:xfrm rot="20160000">
+              <a:off x="16170" y="5740"/>
+              <a:ext cx="245" cy="448"/>
+            </a:xfrm>
+            <a:prstGeom prst="rect">
+              <a:avLst/>
+            </a:prstGeom>
+          </p:spPr>
+          <p:style>
+            <a:lnRef idx="2">
+              <a:schemeClr val="accent4">
+                <a:shade val="50000"/>
+              </a:schemeClr>
+            </a:lnRef>
+            <a:fillRef idx="1">
+              <a:schemeClr val="accent4"/>
+            </a:fillRef>
+            <a:effectRef idx="0">
+              <a:schemeClr val="accent4"/>
+            </a:effectRef>
+            <a:fontRef idx="minor">
+              <a:schemeClr val="lt1"/>
+            </a:fontRef>
+          </p:style>
+          <p:txBody>
+            <a:bodyPr rtlCol="0" anchor="ctr"/>
+            <a:p>
+              <a:pPr algn="ctr"/>
+              <a:endParaRPr lang="en-US"/>
+            </a:p>
+          </p:txBody>
+        </p:sp>
+        <p:sp>
+          <p:nvSpPr>
+            <p:cNvPr id="222" name="Rectangle 221"/>
+            <p:cNvSpPr/>
+            <p:nvPr/>
+          </p:nvSpPr>
+          <p:spPr>
+            <a:xfrm>
+              <a:off x="17616" y="6044"/>
+              <a:ext cx="245" cy="448"/>
+            </a:xfrm>
+            <a:prstGeom prst="rect">
+              <a:avLst/>
+            </a:prstGeom>
+          </p:spPr>
+          <p:style>
+            <a:lnRef idx="2">
+              <a:schemeClr val="accent3">
+                <a:shade val="50000"/>
+              </a:schemeClr>
+            </a:lnRef>
+            <a:fillRef idx="1">
+              <a:schemeClr val="accent3"/>
+            </a:fillRef>
+            <a:effectRef idx="0">
+              <a:schemeClr val="accent3"/>
+            </a:effectRef>
+            <a:fontRef idx="minor">
+              <a:schemeClr val="lt1"/>
+            </a:fontRef>
+          </p:style>
+          <p:txBody>
+            <a:bodyPr rtlCol="0" anchor="ctr"/>
+            <a:p>
+              <a:pPr algn="ctr"/>
+              <a:endParaRPr lang="en-US"/>
+            </a:p>
+          </p:txBody>
+        </p:sp>
+        <p:sp>
+          <p:nvSpPr>
+            <p:cNvPr id="224" name="Rectangle 223"/>
+            <p:cNvSpPr/>
+            <p:nvPr/>
+          </p:nvSpPr>
+          <p:spPr>
+            <a:xfrm rot="5400000">
+              <a:off x="17469" y="5066"/>
+              <a:ext cx="245" cy="448"/>
+            </a:xfrm>
+            <a:prstGeom prst="rect">
+              <a:avLst/>
+            </a:prstGeom>
+          </p:spPr>
+          <p:style>
+            <a:lnRef idx="2">
+              <a:schemeClr val="accent1">
+                <a:shade val="50000"/>
+              </a:schemeClr>
+            </a:lnRef>
+            <a:fillRef idx="1">
+              <a:schemeClr val="accent1"/>
+            </a:fillRef>
+            <a:effectRef idx="0">
+              <a:schemeClr val="accent1"/>
+            </a:effectRef>
+            <a:fontRef idx="minor">
+              <a:schemeClr val="lt1"/>
+            </a:fontRef>
+          </p:style>
+          <p:txBody>
+            <a:bodyPr rtlCol="0" anchor="ctr"/>
+            <a:p>
+              <a:pPr algn="ctr"/>
+              <a:endParaRPr lang="en-US"/>
+            </a:p>
+          </p:txBody>
+        </p:sp>
+        <p:cxnSp>
+          <p:nvCxnSpPr>
+            <p:cNvPr id="226" name="Straight Arrow Connector 225"/>
+            <p:cNvCxnSpPr/>
+            <p:nvPr/>
+          </p:nvCxnSpPr>
+          <p:spPr>
+            <a:xfrm flipV="1">
+              <a:off x="16373" y="4569"/>
+              <a:ext cx="0" cy="308"/>
+            </a:xfrm>
+            <a:prstGeom prst="straightConnector1">
+              <a:avLst/>
+            </a:prstGeom>
+            <a:ln w="12700">
+              <a:solidFill>
+                <a:srgbClr val="70AD47"/>
+              </a:solidFill>
+              <a:headEnd type="none" w="med" len="med"/>
+              <a:tailEnd type="triangle" w="med" len="med"/>
+            </a:ln>
+          </p:spPr>
+          <p:style>
+            <a:lnRef idx="1">
+              <a:schemeClr val="accent1"/>
+            </a:lnRef>
+            <a:fillRef idx="0">
+              <a:schemeClr val="accent1"/>
+            </a:fillRef>
+            <a:effectRef idx="0">
+              <a:schemeClr val="accent1"/>
+            </a:effectRef>
+            <a:fontRef idx="minor">
+              <a:schemeClr val="tx1"/>
+            </a:fontRef>
+          </p:style>
+        </p:cxnSp>
+        <p:cxnSp>
+          <p:nvCxnSpPr>
+            <p:cNvPr id="227" name="Straight Arrow Connector 226"/>
+            <p:cNvCxnSpPr/>
+            <p:nvPr/>
+          </p:nvCxnSpPr>
+          <p:spPr>
+            <a:xfrm flipV="1">
+              <a:off x="16976" y="5329"/>
+              <a:ext cx="0" cy="308"/>
+            </a:xfrm>
+            <a:prstGeom prst="straightConnector1">
+              <a:avLst/>
+            </a:prstGeom>
+            <a:ln w="12700">
+              <a:solidFill>
+                <a:srgbClr val="AE5A21"/>
+              </a:solidFill>
+              <a:headEnd type="none" w="med" len="med"/>
+              <a:tailEnd type="triangle" w="med" len="med"/>
+            </a:ln>
+          </p:spPr>
+          <p:style>
+            <a:lnRef idx="1">
+              <a:schemeClr val="accent1"/>
+            </a:lnRef>
+            <a:fillRef idx="0">
+              <a:schemeClr val="accent1"/>
+            </a:fillRef>
+            <a:effectRef idx="0">
+              <a:schemeClr val="accent1"/>
+            </a:effectRef>
+            <a:fontRef idx="minor">
+              <a:schemeClr val="tx1"/>
+            </a:fontRef>
+          </p:style>
+        </p:cxnSp>
+        <p:cxnSp>
+          <p:nvCxnSpPr>
+            <p:cNvPr id="228" name="Straight Arrow Connector 227"/>
+            <p:cNvCxnSpPr/>
+            <p:nvPr/>
+          </p:nvCxnSpPr>
+          <p:spPr>
+            <a:xfrm flipH="1" flipV="1">
+              <a:off x="16130" y="5558"/>
+              <a:ext cx="120" cy="295"/>
+            </a:xfrm>
+            <a:prstGeom prst="straightConnector1">
+              <a:avLst/>
+            </a:prstGeom>
+            <a:ln w="12700">
+              <a:solidFill>
+                <a:srgbClr val="BC8C00"/>
+              </a:solidFill>
+              <a:headEnd type="none" w="med" len="med"/>
+              <a:tailEnd type="triangle" w="med" len="med"/>
+            </a:ln>
+          </p:spPr>
+          <p:style>
+            <a:lnRef idx="1">
+              <a:schemeClr val="accent1"/>
+            </a:lnRef>
+            <a:fillRef idx="0">
+              <a:schemeClr val="accent1"/>
+            </a:fillRef>
+            <a:effectRef idx="0">
+              <a:schemeClr val="accent1"/>
+            </a:effectRef>
+            <a:fontRef idx="minor">
+              <a:schemeClr val="tx1"/>
+            </a:fontRef>
+          </p:style>
+        </p:cxnSp>
+        <p:cxnSp>
+          <p:nvCxnSpPr>
+            <p:cNvPr id="229" name="Straight Arrow Connector 228"/>
+            <p:cNvCxnSpPr/>
+            <p:nvPr/>
+          </p:nvCxnSpPr>
+          <p:spPr>
+            <a:xfrm flipV="1">
+              <a:off x="17738" y="5853"/>
+              <a:ext cx="0" cy="308"/>
+            </a:xfrm>
+            <a:prstGeom prst="straightConnector1">
+              <a:avLst/>
+            </a:prstGeom>
+            <a:ln w="12700">
+              <a:solidFill>
+                <a:srgbClr val="787878"/>
+              </a:solidFill>
+              <a:headEnd type="none" w="med" len="med"/>
+              <a:tailEnd type="triangle" w="med" len="med"/>
+            </a:ln>
+          </p:spPr>
+          <p:style>
+            <a:lnRef idx="1">
+              <a:schemeClr val="accent1"/>
+            </a:lnRef>
+            <a:fillRef idx="0">
+              <a:schemeClr val="accent1"/>
+            </a:fillRef>
+            <a:effectRef idx="0">
+              <a:schemeClr val="accent1"/>
+            </a:effectRef>
+            <a:fontRef idx="minor">
+              <a:schemeClr val="tx1"/>
+            </a:fontRef>
+          </p:style>
+        </p:cxnSp>
+        <p:cxnSp>
+          <p:nvCxnSpPr>
+            <p:cNvPr id="230" name="Straight Arrow Connector 229"/>
+            <p:cNvCxnSpPr/>
+            <p:nvPr/>
+          </p:nvCxnSpPr>
+          <p:spPr>
+            <a:xfrm rot="5400000" flipV="1">
+              <a:off x="17890" y="5125"/>
+              <a:ext cx="0" cy="308"/>
+            </a:xfrm>
+            <a:prstGeom prst="straightConnector1">
+              <a:avLst/>
+            </a:prstGeom>
+            <a:ln w="12700">
+              <a:solidFill>
+                <a:srgbClr val="41719C"/>
+              </a:solidFill>
+              <a:headEnd type="none" w="med" len="med"/>
+              <a:tailEnd type="triangle" w="med" len="med"/>
+            </a:ln>
+          </p:spPr>
+          <p:style>
+            <a:lnRef idx="1">
+              <a:schemeClr val="accent1"/>
+            </a:lnRef>
+            <a:fillRef idx="0">
+              <a:schemeClr val="accent1"/>
+            </a:fillRef>
+            <a:effectRef idx="0">
+              <a:schemeClr val="accent1"/>
+            </a:effectRef>
+            <a:fontRef idx="minor">
+              <a:schemeClr val="tx1"/>
+            </a:fontRef>
+          </p:style>
+        </p:cxnSp>
+      </p:grpSp>
+      <p:grpSp>
+        <p:nvGrpSpPr>
+          <p:cNvPr id="235" name="Group 234"/>
+          <p:cNvGrpSpPr/>
+          <p:nvPr/>
+        </p:nvGrpSpPr>
+        <p:grpSpPr>
+          <a:xfrm>
+            <a:off x="10107295" y="4527550"/>
+            <a:ext cx="1618615" cy="921385"/>
+            <a:chOff x="15903" y="4914"/>
+            <a:chExt cx="2549" cy="1451"/>
+          </a:xfrm>
+        </p:grpSpPr>
+        <p:sp>
+          <p:nvSpPr>
+            <p:cNvPr id="236" name="Rectangle 235"/>
+            <p:cNvSpPr/>
+            <p:nvPr/>
+          </p:nvSpPr>
+          <p:spPr>
+            <a:xfrm>
+              <a:off x="15903" y="4914"/>
+              <a:ext cx="2147" cy="1451"/>
+            </a:xfrm>
+            <a:prstGeom prst="rect">
+              <a:avLst/>
+            </a:prstGeom>
+            <a:solidFill>
+              <a:schemeClr val="bg1">
+                <a:lumMod val="85000"/>
+              </a:schemeClr>
+            </a:solidFill>
+            <a:ln>
+              <a:noFill/>
+            </a:ln>
+          </p:spPr>
+          <p:style>
+            <a:lnRef idx="2">
+              <a:schemeClr val="accent1">
+                <a:shade val="50000"/>
+              </a:schemeClr>
+            </a:lnRef>
+            <a:fillRef idx="1">
+              <a:schemeClr val="accent1"/>
+            </a:fillRef>
+            <a:effectRef idx="0">
+              <a:schemeClr val="accent1"/>
+            </a:effectRef>
+            <a:fontRef idx="minor">
+              <a:schemeClr val="lt1"/>
+            </a:fontRef>
+          </p:style>
+          <p:txBody>
+            <a:bodyPr rtlCol="0" anchor="ctr"/>
+            <a:p>
+              <a:pPr algn="ctr"/>
+              <a:endParaRPr lang="en-US"/>
+            </a:p>
+          </p:txBody>
+        </p:sp>
+        <p:sp>
+          <p:nvSpPr>
+            <p:cNvPr id="238" name="Rectangle 237"/>
+            <p:cNvSpPr/>
+            <p:nvPr/>
+          </p:nvSpPr>
+          <p:spPr>
+            <a:xfrm>
+              <a:off x="16853" y="5154"/>
+              <a:ext cx="245" cy="448"/>
+            </a:xfrm>
+            <a:prstGeom prst="rect">
+              <a:avLst/>
+            </a:prstGeom>
+          </p:spPr>
+          <p:style>
+            <a:lnRef idx="2">
+              <a:schemeClr val="accent2">
+                <a:shade val="50000"/>
+              </a:schemeClr>
+            </a:lnRef>
+            <a:fillRef idx="1">
+              <a:schemeClr val="accent2"/>
+            </a:fillRef>
+            <a:effectRef idx="0">
+              <a:schemeClr val="accent2"/>
+            </a:effectRef>
+            <a:fontRef idx="minor">
+              <a:schemeClr val="lt1"/>
+            </a:fontRef>
+          </p:style>
+          <p:txBody>
+            <a:bodyPr rtlCol="0" anchor="ctr"/>
+            <a:p>
+              <a:pPr algn="ctr"/>
+              <a:endParaRPr lang="en-US"/>
+            </a:p>
+          </p:txBody>
+        </p:sp>
+        <p:sp>
+          <p:nvSpPr>
+            <p:cNvPr id="239" name="Rectangle 238"/>
+            <p:cNvSpPr/>
+            <p:nvPr/>
+          </p:nvSpPr>
+          <p:spPr>
+            <a:xfrm rot="20160000">
+              <a:off x="16002" y="5565"/>
+              <a:ext cx="245" cy="448"/>
+            </a:xfrm>
+            <a:prstGeom prst="rect">
+              <a:avLst/>
+            </a:prstGeom>
+          </p:spPr>
+          <p:style>
+            <a:lnRef idx="2">
+              <a:schemeClr val="accent4">
+                <a:shade val="50000"/>
+              </a:schemeClr>
+            </a:lnRef>
+            <a:fillRef idx="1">
+              <a:schemeClr val="accent4"/>
+            </a:fillRef>
+            <a:effectRef idx="0">
+              <a:schemeClr val="accent4"/>
+            </a:effectRef>
+            <a:fontRef idx="minor">
+              <a:schemeClr val="lt1"/>
+            </a:fontRef>
+          </p:style>
+          <p:txBody>
+            <a:bodyPr rtlCol="0" anchor="ctr"/>
+            <a:p>
+              <a:pPr algn="ctr"/>
+              <a:endParaRPr lang="en-US"/>
+            </a:p>
+          </p:txBody>
+        </p:sp>
+        <p:sp>
+          <p:nvSpPr>
+            <p:cNvPr id="240" name="Rectangle 239"/>
+            <p:cNvSpPr/>
+            <p:nvPr/>
+          </p:nvSpPr>
+          <p:spPr>
+            <a:xfrm>
+              <a:off x="17616" y="5848"/>
+              <a:ext cx="245" cy="448"/>
+            </a:xfrm>
+            <a:prstGeom prst="rect">
+              <a:avLst/>
+            </a:prstGeom>
+          </p:spPr>
+          <p:style>
+            <a:lnRef idx="2">
+              <a:schemeClr val="accent3">
+                <a:shade val="50000"/>
+              </a:schemeClr>
+            </a:lnRef>
+            <a:fillRef idx="1">
+              <a:schemeClr val="accent3"/>
+            </a:fillRef>
+            <a:effectRef idx="0">
+              <a:schemeClr val="accent3"/>
+            </a:effectRef>
+            <a:fontRef idx="minor">
+              <a:schemeClr val="lt1"/>
+            </a:fontRef>
+          </p:style>
+          <p:txBody>
+            <a:bodyPr rtlCol="0" anchor="ctr"/>
+            <a:p>
+              <a:pPr algn="ctr"/>
+              <a:endParaRPr lang="en-US"/>
+            </a:p>
+          </p:txBody>
+        </p:sp>
+        <p:sp>
+          <p:nvSpPr>
+            <p:cNvPr id="241" name="Rectangle 240"/>
+            <p:cNvSpPr/>
+            <p:nvPr/>
+          </p:nvSpPr>
+          <p:spPr>
+            <a:xfrm rot="5400000">
+              <a:off x="17877" y="5066"/>
+              <a:ext cx="245" cy="448"/>
+            </a:xfrm>
+            <a:prstGeom prst="rect">
+              <a:avLst/>
+            </a:prstGeom>
+          </p:spPr>
+          <p:style>
+            <a:lnRef idx="2">
+              <a:schemeClr val="accent1">
+                <a:shade val="50000"/>
+              </a:schemeClr>
+            </a:lnRef>
+            <a:fillRef idx="1">
+              <a:schemeClr val="accent1"/>
+            </a:fillRef>
+            <a:effectRef idx="0">
+              <a:schemeClr val="accent1"/>
+            </a:effectRef>
+            <a:fontRef idx="minor">
+              <a:schemeClr val="lt1"/>
+            </a:fontRef>
+          </p:style>
+          <p:txBody>
+            <a:bodyPr rtlCol="0" anchor="ctr"/>
+            <a:p>
+              <a:pPr algn="ctr"/>
+              <a:endParaRPr lang="en-US"/>
+            </a:p>
+          </p:txBody>
+        </p:sp>
+        <p:cxnSp>
+          <p:nvCxnSpPr>
+            <p:cNvPr id="243" name="Straight Arrow Connector 242"/>
+            <p:cNvCxnSpPr/>
+            <p:nvPr/>
+          </p:nvCxnSpPr>
+          <p:spPr>
+            <a:xfrm flipV="1">
+              <a:off x="16976" y="4944"/>
+              <a:ext cx="0" cy="308"/>
+            </a:xfrm>
+            <a:prstGeom prst="straightConnector1">
+              <a:avLst/>
+            </a:prstGeom>
+            <a:ln w="12700">
+              <a:solidFill>
+                <a:srgbClr val="AE5A21"/>
+              </a:solidFill>
+              <a:headEnd type="none" w="med" len="med"/>
+              <a:tailEnd type="triangle" w="med" len="med"/>
+            </a:ln>
+          </p:spPr>
+          <p:style>
+            <a:lnRef idx="1">
+              <a:schemeClr val="accent1"/>
+            </a:lnRef>
+            <a:fillRef idx="0">
+              <a:schemeClr val="accent1"/>
+            </a:fillRef>
+            <a:effectRef idx="0">
+              <a:schemeClr val="accent1"/>
+            </a:effectRef>
+            <a:fontRef idx="minor">
+              <a:schemeClr val="tx1"/>
+            </a:fontRef>
+          </p:style>
+        </p:cxnSp>
+        <p:cxnSp>
+          <p:nvCxnSpPr>
+            <p:cNvPr id="244" name="Straight Arrow Connector 243"/>
+            <p:cNvCxnSpPr/>
+            <p:nvPr/>
+          </p:nvCxnSpPr>
+          <p:spPr>
+            <a:xfrm flipH="1" flipV="1">
+              <a:off x="15962" y="5383"/>
+              <a:ext cx="120" cy="295"/>
+            </a:xfrm>
+            <a:prstGeom prst="straightConnector1">
+              <a:avLst/>
+            </a:prstGeom>
+            <a:ln w="12700">
+              <a:solidFill>
+                <a:srgbClr val="BC8C00"/>
+              </a:solidFill>
+              <a:headEnd type="none" w="med" len="med"/>
+              <a:tailEnd type="triangle" w="med" len="med"/>
+            </a:ln>
+          </p:spPr>
+          <p:style>
+            <a:lnRef idx="1">
+              <a:schemeClr val="accent1"/>
+            </a:lnRef>
+            <a:fillRef idx="0">
+              <a:schemeClr val="accent1"/>
+            </a:fillRef>
+            <a:effectRef idx="0">
+              <a:schemeClr val="accent1"/>
+            </a:effectRef>
+            <a:fontRef idx="minor">
+              <a:schemeClr val="tx1"/>
+            </a:fontRef>
+          </p:style>
+        </p:cxnSp>
+        <p:cxnSp>
+          <p:nvCxnSpPr>
+            <p:cNvPr id="245" name="Straight Arrow Connector 244"/>
+            <p:cNvCxnSpPr/>
+            <p:nvPr/>
+          </p:nvCxnSpPr>
+          <p:spPr>
+            <a:xfrm flipV="1">
+              <a:off x="17738" y="5657"/>
+              <a:ext cx="0" cy="308"/>
+            </a:xfrm>
+            <a:prstGeom prst="straightConnector1">
+              <a:avLst/>
+            </a:prstGeom>
+            <a:ln w="12700">
+              <a:solidFill>
+                <a:srgbClr val="787878"/>
+              </a:solidFill>
+              <a:headEnd type="none" w="med" len="med"/>
+              <a:tailEnd type="triangle" w="med" len="med"/>
+            </a:ln>
+          </p:spPr>
+          <p:style>
+            <a:lnRef idx="1">
+              <a:schemeClr val="accent1"/>
+            </a:lnRef>
+            <a:fillRef idx="0">
+              <a:schemeClr val="accent1"/>
+            </a:fillRef>
+            <a:effectRef idx="0">
+              <a:schemeClr val="accent1"/>
+            </a:effectRef>
+            <a:fontRef idx="minor">
+              <a:schemeClr val="tx1"/>
+            </a:fontRef>
+          </p:style>
+        </p:cxnSp>
+        <p:cxnSp>
+          <p:nvCxnSpPr>
+            <p:cNvPr id="246" name="Straight Arrow Connector 245"/>
+            <p:cNvCxnSpPr/>
+            <p:nvPr/>
+          </p:nvCxnSpPr>
+          <p:spPr>
+            <a:xfrm rot="5400000" flipV="1">
+              <a:off x="18298" y="5125"/>
+              <a:ext cx="0" cy="308"/>
+            </a:xfrm>
+            <a:prstGeom prst="straightConnector1">
+              <a:avLst/>
+            </a:prstGeom>
+            <a:ln w="12700">
+              <a:solidFill>
+                <a:srgbClr val="41719C"/>
+              </a:solidFill>
+              <a:headEnd type="none" w="med" len="med"/>
+              <a:tailEnd type="triangle" w="med" len="med"/>
+            </a:ln>
+          </p:spPr>
+          <p:style>
+            <a:lnRef idx="1">
+              <a:schemeClr val="accent1"/>
+            </a:lnRef>
+            <a:fillRef idx="0">
+              <a:schemeClr val="accent1"/>
+            </a:fillRef>
+            <a:effectRef idx="0">
+              <a:schemeClr val="accent1"/>
+            </a:effectRef>
+            <a:fontRef idx="minor">
+              <a:schemeClr val="tx1"/>
+            </a:fontRef>
+          </p:style>
+        </p:cxnSp>
+      </p:grpSp>
+      <p:grpSp>
+        <p:nvGrpSpPr>
+          <p:cNvPr id="247" name="Group 246"/>
+          <p:cNvGrpSpPr/>
+          <p:nvPr/>
+        </p:nvGrpSpPr>
+        <p:grpSpPr>
+          <a:xfrm>
+            <a:off x="10098405" y="2546985"/>
+            <a:ext cx="1614170" cy="1409700"/>
+            <a:chOff x="15886" y="4272"/>
+            <a:chExt cx="2542" cy="2220"/>
+          </a:xfrm>
+        </p:grpSpPr>
+        <p:sp>
+          <p:nvSpPr>
+            <p:cNvPr id="248" name="Rectangle 247"/>
+            <p:cNvSpPr/>
+            <p:nvPr/>
+          </p:nvSpPr>
+          <p:spPr>
+            <a:xfrm>
+              <a:off x="15886" y="4914"/>
+              <a:ext cx="2147" cy="1451"/>
+            </a:xfrm>
+            <a:prstGeom prst="rect">
+              <a:avLst/>
+            </a:prstGeom>
+            <a:solidFill>
+              <a:schemeClr val="bg1">
+                <a:lumMod val="85000"/>
+              </a:schemeClr>
+            </a:solidFill>
+            <a:ln>
+              <a:noFill/>
+            </a:ln>
+          </p:spPr>
+          <p:style>
+            <a:lnRef idx="2">
+              <a:schemeClr val="accent1">
+                <a:shade val="50000"/>
+              </a:schemeClr>
+            </a:lnRef>
+            <a:fillRef idx="1">
+              <a:schemeClr val="accent1"/>
+            </a:fillRef>
+            <a:effectRef idx="0">
+              <a:schemeClr val="accent1"/>
+            </a:effectRef>
+            <a:fontRef idx="minor">
+              <a:schemeClr val="lt1"/>
+            </a:fontRef>
+          </p:style>
+          <p:txBody>
+            <a:bodyPr rtlCol="0" anchor="ctr"/>
+            <a:p>
+              <a:pPr algn="ctr"/>
+              <a:endParaRPr lang="en-US"/>
+            </a:p>
+          </p:txBody>
+        </p:sp>
+        <p:sp>
+          <p:nvSpPr>
+            <p:cNvPr id="249" name="Rectangle 248"/>
+            <p:cNvSpPr/>
+            <p:nvPr/>
+          </p:nvSpPr>
+          <p:spPr>
+            <a:xfrm>
+              <a:off x="16250" y="4755"/>
+              <a:ext cx="245" cy="448"/>
+            </a:xfrm>
+            <a:prstGeom prst="rect">
+              <a:avLst/>
+            </a:prstGeom>
+            <a:solidFill>
+              <a:srgbClr val="FFFFFF">
+                <a:alpha val="47000"/>
+              </a:srgbClr>
+            </a:solidFill>
+            <a:ln>
+              <a:prstDash val="dashDot"/>
+            </a:ln>
+          </p:spPr>
+          <p:style>
+            <a:lnRef idx="2">
+              <a:schemeClr val="accent6"/>
+            </a:lnRef>
+            <a:fillRef idx="1">
+              <a:schemeClr val="lt1"/>
+            </a:fillRef>
+            <a:effectRef idx="0">
+              <a:schemeClr val="accent6"/>
+            </a:effectRef>
+            <a:fontRef idx="minor">
+              <a:schemeClr val="dk1"/>
+            </a:fontRef>
+          </p:style>
+          <p:txBody>
+            <a:bodyPr rtlCol="0" anchor="ctr"/>
+            <a:p>
+              <a:pPr algn="ctr"/>
+              <a:endParaRPr lang="en-US"/>
+            </a:p>
+          </p:txBody>
+        </p:sp>
+        <p:sp>
+          <p:nvSpPr>
+            <p:cNvPr id="250" name="Rectangle 249"/>
+            <p:cNvSpPr/>
+            <p:nvPr/>
+          </p:nvSpPr>
+          <p:spPr>
+            <a:xfrm>
+              <a:off x="16853" y="5539"/>
+              <a:ext cx="245" cy="448"/>
+            </a:xfrm>
+            <a:prstGeom prst="rect">
+              <a:avLst/>
+            </a:prstGeom>
+            <a:solidFill>
+              <a:srgbClr val="FFFFFF">
+                <a:alpha val="47000"/>
+              </a:srgbClr>
+            </a:solidFill>
+            <a:ln>
+              <a:prstDash val="dashDot"/>
+            </a:ln>
+          </p:spPr>
+          <p:style>
+            <a:lnRef idx="2">
+              <a:schemeClr val="accent2">
+                <a:shade val="50000"/>
+              </a:schemeClr>
+            </a:lnRef>
+            <a:fillRef idx="1">
+              <a:schemeClr val="accent2"/>
+            </a:fillRef>
+            <a:effectRef idx="0">
+              <a:schemeClr val="accent2"/>
+            </a:effectRef>
+            <a:fontRef idx="minor">
+              <a:schemeClr val="lt1"/>
+            </a:fontRef>
+          </p:style>
+          <p:txBody>
+            <a:bodyPr rtlCol="0" anchor="ctr"/>
+            <a:p>
+              <a:pPr algn="ctr"/>
+              <a:endParaRPr lang="en-US"/>
+            </a:p>
+          </p:txBody>
+        </p:sp>
+        <p:sp>
+          <p:nvSpPr>
+            <p:cNvPr id="251" name="Rectangle 250"/>
+            <p:cNvSpPr/>
+            <p:nvPr/>
+          </p:nvSpPr>
+          <p:spPr>
+            <a:xfrm rot="20160000">
+              <a:off x="16170" y="5740"/>
+              <a:ext cx="245" cy="448"/>
+            </a:xfrm>
+            <a:prstGeom prst="rect">
+              <a:avLst/>
+            </a:prstGeom>
+            <a:solidFill>
+              <a:srgbClr val="FFFFFF">
+                <a:alpha val="47000"/>
+              </a:srgbClr>
+            </a:solidFill>
+            <a:ln>
+              <a:prstDash val="dashDot"/>
+            </a:ln>
+          </p:spPr>
+          <p:style>
+            <a:lnRef idx="2">
+              <a:schemeClr val="accent4">
+                <a:shade val="50000"/>
+              </a:schemeClr>
+            </a:lnRef>
+            <a:fillRef idx="1">
+              <a:schemeClr val="accent4"/>
+            </a:fillRef>
+            <a:effectRef idx="0">
+              <a:schemeClr val="accent4"/>
+            </a:effectRef>
+            <a:fontRef idx="minor">
+              <a:schemeClr val="lt1"/>
+            </a:fontRef>
+          </p:style>
+          <p:txBody>
+            <a:bodyPr rtlCol="0" anchor="ctr"/>
+            <a:p>
+              <a:pPr algn="ctr"/>
+              <a:endParaRPr lang="en-US"/>
+            </a:p>
+          </p:txBody>
+        </p:sp>
+        <p:sp>
+          <p:nvSpPr>
+            <p:cNvPr id="252" name="Rectangle 251"/>
+            <p:cNvSpPr/>
+            <p:nvPr/>
+          </p:nvSpPr>
+          <p:spPr>
+            <a:xfrm>
+              <a:off x="17616" y="6044"/>
+              <a:ext cx="245" cy="448"/>
+            </a:xfrm>
+            <a:prstGeom prst="rect">
+              <a:avLst/>
+            </a:prstGeom>
+            <a:solidFill>
+              <a:srgbClr val="FFFFFF">
+                <a:alpha val="47000"/>
+              </a:srgbClr>
+            </a:solidFill>
+            <a:ln>
+              <a:prstDash val="dashDot"/>
+            </a:ln>
+          </p:spPr>
+          <p:style>
+            <a:lnRef idx="2">
+              <a:schemeClr val="accent3">
+                <a:shade val="50000"/>
+              </a:schemeClr>
+            </a:lnRef>
+            <a:fillRef idx="1">
+              <a:schemeClr val="accent3"/>
+            </a:fillRef>
+            <a:effectRef idx="0">
+              <a:schemeClr val="accent3"/>
+            </a:effectRef>
+            <a:fontRef idx="minor">
+              <a:schemeClr val="lt1"/>
+            </a:fontRef>
+          </p:style>
+          <p:txBody>
+            <a:bodyPr rtlCol="0" anchor="ctr"/>
+            <a:p>
+              <a:pPr algn="ctr"/>
+              <a:endParaRPr lang="en-US"/>
+            </a:p>
+          </p:txBody>
+        </p:sp>
+        <p:sp>
+          <p:nvSpPr>
+            <p:cNvPr id="253" name="Rectangle 252"/>
+            <p:cNvSpPr/>
+            <p:nvPr/>
+          </p:nvSpPr>
+          <p:spPr>
+            <a:xfrm rot="5400000">
+              <a:off x="17853" y="5066"/>
+              <a:ext cx="245" cy="448"/>
+            </a:xfrm>
+            <a:prstGeom prst="rect">
+              <a:avLst/>
+            </a:prstGeom>
+            <a:solidFill>
+              <a:srgbClr val="FFFFFF">
+                <a:alpha val="47000"/>
+              </a:srgbClr>
+            </a:solidFill>
+            <a:ln>
+              <a:solidFill>
+                <a:schemeClr val="tx1"/>
+              </a:solidFill>
+              <a:prstDash val="solid"/>
+            </a:ln>
+          </p:spPr>
+          <p:style>
+            <a:lnRef idx="2">
+              <a:schemeClr val="accent1">
+                <a:shade val="50000"/>
+              </a:schemeClr>
+            </a:lnRef>
+            <a:fillRef idx="1">
+              <a:schemeClr val="accent1"/>
+            </a:fillRef>
+            <a:effectRef idx="0">
+              <a:schemeClr val="accent1"/>
+            </a:effectRef>
+            <a:fontRef idx="minor">
+              <a:schemeClr val="lt1"/>
+            </a:fontRef>
+          </p:style>
+          <p:txBody>
+            <a:bodyPr rtlCol="0" anchor="ctr"/>
+            <a:p>
+              <a:pPr algn="ctr"/>
+              <a:endParaRPr lang="en-US"/>
+            </a:p>
+          </p:txBody>
+        </p:sp>
+        <p:cxnSp>
+          <p:nvCxnSpPr>
+            <p:cNvPr id="258" name="Straight Arrow Connector 257"/>
+            <p:cNvCxnSpPr/>
+            <p:nvPr/>
+          </p:nvCxnSpPr>
+          <p:spPr>
+            <a:xfrm rot="5400000" flipV="1">
+              <a:off x="18274" y="5132"/>
+              <a:ext cx="0" cy="308"/>
+            </a:xfrm>
+            <a:prstGeom prst="straightConnector1">
+              <a:avLst/>
+            </a:prstGeom>
+            <a:ln w="12700">
+              <a:solidFill>
+                <a:srgbClr val="41719C"/>
+              </a:solidFill>
+              <a:headEnd type="none" w="med" len="med"/>
+              <a:tailEnd type="triangle" w="med" len="med"/>
+            </a:ln>
+          </p:spPr>
+          <p:style>
+            <a:lnRef idx="1">
+              <a:schemeClr val="accent1"/>
+            </a:lnRef>
+            <a:fillRef idx="0">
+              <a:schemeClr val="accent1"/>
+            </a:fillRef>
+            <a:effectRef idx="0">
+              <a:schemeClr val="accent1"/>
+            </a:effectRef>
+            <a:fontRef idx="minor">
+              <a:schemeClr val="tx1"/>
+            </a:fontRef>
+          </p:style>
+        </p:cxnSp>
+        <p:sp>
+          <p:nvSpPr>
+            <p:cNvPr id="39" name="Rectangle 38"/>
+            <p:cNvSpPr/>
+            <p:nvPr/>
+          </p:nvSpPr>
+          <p:spPr>
+            <a:xfrm rot="20160000">
+              <a:off x="16039" y="5452"/>
+              <a:ext cx="245" cy="448"/>
+            </a:xfrm>
+            <a:prstGeom prst="rect">
+              <a:avLst/>
+            </a:prstGeom>
+            <a:solidFill>
+              <a:srgbClr val="FFFFFF">
+                <a:alpha val="47000"/>
+              </a:srgbClr>
+            </a:solidFill>
+            <a:ln>
+              <a:prstDash val="solid"/>
+            </a:ln>
+          </p:spPr>
+          <p:style>
+            <a:lnRef idx="2">
+              <a:schemeClr val="accent4">
+                <a:shade val="50000"/>
+              </a:schemeClr>
+            </a:lnRef>
+            <a:fillRef idx="1">
+              <a:schemeClr val="accent4"/>
+            </a:fillRef>
+            <a:effectRef idx="0">
+              <a:schemeClr val="accent4"/>
+            </a:effectRef>
+            <a:fontRef idx="minor">
+              <a:schemeClr val="lt1"/>
+            </a:fontRef>
+          </p:style>
+          <p:txBody>
+            <a:bodyPr rtlCol="0" anchor="ctr"/>
+            <a:p>
+              <a:pPr algn="ctr"/>
+              <a:endParaRPr lang="en-US"/>
+            </a:p>
+          </p:txBody>
+        </p:sp>
+        <p:sp>
+          <p:nvSpPr>
+            <p:cNvPr id="49" name="Rectangle 48"/>
+            <p:cNvSpPr/>
+            <p:nvPr/>
+          </p:nvSpPr>
+          <p:spPr>
+            <a:xfrm>
+              <a:off x="16851" y="5156"/>
+              <a:ext cx="245" cy="448"/>
+            </a:xfrm>
+            <a:prstGeom prst="rect">
+              <a:avLst/>
+            </a:prstGeom>
+            <a:solidFill>
+              <a:srgbClr val="FFFFFF">
+                <a:alpha val="47000"/>
+              </a:srgbClr>
+            </a:solidFill>
+            <a:ln>
+              <a:prstDash val="solid"/>
+            </a:ln>
+          </p:spPr>
+          <p:style>
+            <a:lnRef idx="2">
+              <a:schemeClr val="accent2">
+                <a:shade val="50000"/>
+              </a:schemeClr>
+            </a:lnRef>
+            <a:fillRef idx="1">
+              <a:schemeClr val="accent2"/>
+            </a:fillRef>
+            <a:effectRef idx="0">
+              <a:schemeClr val="accent2"/>
+            </a:effectRef>
+            <a:fontRef idx="minor">
+              <a:schemeClr val="lt1"/>
+            </a:fontRef>
+          </p:style>
+          <p:txBody>
+            <a:bodyPr rtlCol="0" anchor="ctr"/>
+            <a:p>
+              <a:pPr algn="ctr"/>
+              <a:endParaRPr lang="en-US"/>
+            </a:p>
+          </p:txBody>
+        </p:sp>
+        <p:cxnSp>
+          <p:nvCxnSpPr>
+            <p:cNvPr id="50" name="Straight Arrow Connector 49"/>
+            <p:cNvCxnSpPr/>
+            <p:nvPr/>
+          </p:nvCxnSpPr>
+          <p:spPr>
+            <a:xfrm flipV="1">
+              <a:off x="16974" y="4946"/>
+              <a:ext cx="0" cy="308"/>
+            </a:xfrm>
+            <a:prstGeom prst="straightConnector1">
+              <a:avLst/>
+            </a:prstGeom>
+            <a:ln w="12700">
+              <a:solidFill>
+                <a:srgbClr val="AE5A21"/>
+              </a:solidFill>
+              <a:headEnd type="none" w="med" len="med"/>
+              <a:tailEnd type="triangle" w="med" len="med"/>
+            </a:ln>
+          </p:spPr>
+          <p:style>
+            <a:lnRef idx="1">
+              <a:schemeClr val="accent1"/>
+            </a:lnRef>
+            <a:fillRef idx="0">
+              <a:schemeClr val="accent1"/>
+            </a:fillRef>
+            <a:effectRef idx="0">
+              <a:schemeClr val="accent1"/>
+            </a:effectRef>
+            <a:fontRef idx="minor">
+              <a:schemeClr val="tx1"/>
+            </a:fontRef>
+          </p:style>
+        </p:cxnSp>
+        <p:sp>
+          <p:nvSpPr>
+            <p:cNvPr id="78" name="Rectangle 77"/>
+            <p:cNvSpPr/>
+            <p:nvPr/>
+          </p:nvSpPr>
+          <p:spPr>
+            <a:xfrm>
+              <a:off x="17613" y="5852"/>
+              <a:ext cx="245" cy="448"/>
+            </a:xfrm>
+            <a:prstGeom prst="rect">
+              <a:avLst/>
+            </a:prstGeom>
+            <a:solidFill>
+              <a:srgbClr val="FFFFFF">
+                <a:alpha val="47000"/>
+              </a:srgbClr>
+            </a:solidFill>
+            <a:ln>
+              <a:prstDash val="solid"/>
+            </a:ln>
+          </p:spPr>
+          <p:style>
+            <a:lnRef idx="2">
+              <a:schemeClr val="accent3">
+                <a:shade val="50000"/>
+              </a:schemeClr>
+            </a:lnRef>
+            <a:fillRef idx="1">
+              <a:schemeClr val="accent3"/>
+            </a:fillRef>
+            <a:effectRef idx="0">
+              <a:schemeClr val="accent3"/>
+            </a:effectRef>
+            <a:fontRef idx="minor">
+              <a:schemeClr val="lt1"/>
+            </a:fontRef>
+          </p:style>
+          <p:txBody>
+            <a:bodyPr rtlCol="0" anchor="ctr"/>
+            <a:p>
+              <a:pPr algn="ctr"/>
+              <a:endParaRPr lang="en-US"/>
+            </a:p>
+          </p:txBody>
+        </p:sp>
+        <p:cxnSp>
+          <p:nvCxnSpPr>
+            <p:cNvPr id="80" name="Straight Arrow Connector 79"/>
+            <p:cNvCxnSpPr/>
+            <p:nvPr/>
+          </p:nvCxnSpPr>
+          <p:spPr>
+            <a:xfrm flipV="1">
+              <a:off x="17744" y="5648"/>
+              <a:ext cx="0" cy="308"/>
+            </a:xfrm>
+            <a:prstGeom prst="straightConnector1">
+              <a:avLst/>
+            </a:prstGeom>
+            <a:ln w="12700">
+              <a:solidFill>
+                <a:srgbClr val="787878"/>
+              </a:solidFill>
+              <a:headEnd type="none" w="med" len="med"/>
+              <a:tailEnd type="triangle" w="med" len="med"/>
+            </a:ln>
+          </p:spPr>
+          <p:style>
+            <a:lnRef idx="1">
+              <a:schemeClr val="accent1"/>
+            </a:lnRef>
+            <a:fillRef idx="0">
+              <a:schemeClr val="accent1"/>
+            </a:fillRef>
+            <a:effectRef idx="0">
+              <a:schemeClr val="accent1"/>
+            </a:effectRef>
+            <a:fontRef idx="minor">
+              <a:schemeClr val="tx1"/>
+            </a:fontRef>
+          </p:style>
+        </p:cxnSp>
+        <p:sp>
+          <p:nvSpPr>
+            <p:cNvPr id="89" name="Rectangle 88"/>
+            <p:cNvSpPr/>
+            <p:nvPr/>
+          </p:nvSpPr>
+          <p:spPr>
+            <a:xfrm>
+              <a:off x="16251" y="4452"/>
+              <a:ext cx="245" cy="448"/>
+            </a:xfrm>
+            <a:prstGeom prst="rect">
+              <a:avLst/>
+            </a:prstGeom>
+            <a:solidFill>
+              <a:srgbClr val="FFFFFF">
+                <a:alpha val="47000"/>
+              </a:srgbClr>
+            </a:solidFill>
+            <a:ln>
+              <a:prstDash val="solid"/>
+            </a:ln>
+          </p:spPr>
+          <p:style>
+            <a:lnRef idx="2">
+              <a:schemeClr val="accent6"/>
+            </a:lnRef>
+            <a:fillRef idx="1">
+              <a:schemeClr val="lt1"/>
+            </a:fillRef>
+            <a:effectRef idx="0">
+              <a:schemeClr val="accent6"/>
+            </a:effectRef>
+            <a:fontRef idx="minor">
+              <a:schemeClr val="dk1"/>
+            </a:fontRef>
+          </p:style>
+          <p:txBody>
+            <a:bodyPr rtlCol="0" anchor="ctr"/>
+            <a:p>
+              <a:pPr algn="ctr"/>
+              <a:endParaRPr lang="en-US"/>
+            </a:p>
+          </p:txBody>
+        </p:sp>
+        <p:cxnSp>
+          <p:nvCxnSpPr>
+            <p:cNvPr id="92" name="Straight Arrow Connector 91"/>
+            <p:cNvCxnSpPr/>
+            <p:nvPr/>
+          </p:nvCxnSpPr>
+          <p:spPr>
+            <a:xfrm flipV="1">
+              <a:off x="16373" y="4272"/>
+              <a:ext cx="0" cy="308"/>
+            </a:xfrm>
+            <a:prstGeom prst="straightConnector1">
+              <a:avLst/>
+            </a:prstGeom>
+            <a:ln w="12700">
+              <a:solidFill>
+                <a:srgbClr val="70AD47"/>
+              </a:solidFill>
+              <a:headEnd type="none" w="med" len="med"/>
+              <a:tailEnd type="triangle" w="med" len="med"/>
+            </a:ln>
+          </p:spPr>
+          <p:style>
+            <a:lnRef idx="1">
+              <a:schemeClr val="accent1"/>
+            </a:lnRef>
+            <a:fillRef idx="0">
+              <a:schemeClr val="accent1"/>
+            </a:fillRef>
+            <a:effectRef idx="0">
+              <a:schemeClr val="accent1"/>
+            </a:effectRef>
+            <a:fontRef idx="minor">
+              <a:schemeClr val="tx1"/>
+            </a:fontRef>
+          </p:style>
+        </p:cxnSp>
+      </p:grpSp>
+      <p:sp>
+        <p:nvSpPr>
+          <p:cNvPr id="7" name="Bent-Up Arrow 6"/>
+          <p:cNvSpPr/>
+          <p:nvPr/>
+        </p:nvSpPr>
+        <p:spPr>
+          <a:xfrm flipV="1">
+            <a:off x="4766310" y="3571240"/>
+            <a:ext cx="500380" cy="920750"/>
+          </a:xfrm>
+          <a:prstGeom prst="bentUpArrow">
+            <a:avLst>
+              <a:gd name="adj1" fmla="val 13235"/>
+              <a:gd name="adj2" fmla="val 13823"/>
+              <a:gd name="adj3" fmla="val 23823"/>
+            </a:avLst>
+          </a:prstGeom>
+          <a:solidFill>
+            <a:srgbClr val="FF0000"/>
+          </a:solidFill>
+          <a:ln>
+            <a:noFill/>
+          </a:ln>
+        </p:spPr>
+        <p:style>
+          <a:lnRef idx="2">
+            <a:schemeClr val="accent1">
+              <a:shade val="50000"/>
+            </a:schemeClr>
+          </a:lnRef>
+          <a:fillRef idx="1">
+            <a:schemeClr val="accent1"/>
+          </a:fillRef>
+          <a:effectRef idx="0">
+            <a:schemeClr val="accent1"/>
+          </a:effectRef>
+          <a:fontRef idx="minor">
+            <a:schemeClr val="lt1"/>
+          </a:fontRef>
+        </p:style>
+        <p:txBody>
+          <a:bodyPr rtlCol="0" anchor="ctr"/>
+          <a:p>
+            <a:pPr algn="ctr"/>
+            <a:endParaRPr lang="en-US"/>
+          </a:p>
+        </p:txBody>
+      </p:sp>
+      <p:sp>
+        <p:nvSpPr>
+          <p:cNvPr id="9" name="Bent-Up Arrow 8"/>
+          <p:cNvSpPr/>
+          <p:nvPr/>
+        </p:nvSpPr>
+        <p:spPr>
+          <a:xfrm>
+            <a:off x="4766310" y="2505075"/>
+            <a:ext cx="500380" cy="823595"/>
+          </a:xfrm>
+          <a:prstGeom prst="bentUpArrow">
+            <a:avLst>
+              <a:gd name="adj1" fmla="val 13235"/>
+              <a:gd name="adj2" fmla="val 13823"/>
+              <a:gd name="adj3" fmla="val 23823"/>
+            </a:avLst>
+          </a:prstGeom>
+          <a:solidFill>
+            <a:srgbClr val="FF0000"/>
+          </a:solidFill>
+          <a:ln>
+            <a:noFill/>
+          </a:ln>
+        </p:spPr>
+        <p:style>
+          <a:lnRef idx="2">
+            <a:schemeClr val="accent1">
+              <a:shade val="50000"/>
+            </a:schemeClr>
+          </a:lnRef>
+          <a:fillRef idx="1">
+            <a:schemeClr val="accent1"/>
+          </a:fillRef>
+          <a:effectRef idx="0">
+            <a:schemeClr val="accent1"/>
+          </a:effectRef>
+          <a:fontRef idx="minor">
+            <a:schemeClr val="lt1"/>
+          </a:fontRef>
+        </p:style>
+        <p:txBody>
+          <a:bodyPr rtlCol="0" anchor="ctr"/>
+          <a:p>
+            <a:pPr algn="ctr"/>
+            <a:endParaRPr lang="en-US"/>
+          </a:p>
+        </p:txBody>
+      </p:sp>
+      <p:grpSp>
+        <p:nvGrpSpPr>
+          <p:cNvPr id="24" name="Group 23"/>
+          <p:cNvGrpSpPr/>
+          <p:nvPr/>
+        </p:nvGrpSpPr>
+        <p:grpSpPr>
+          <a:xfrm>
+            <a:off x="1040765" y="3103880"/>
+            <a:ext cx="1079500" cy="670560"/>
+            <a:chOff x="1717" y="4948"/>
+            <a:chExt cx="1700" cy="1056"/>
+          </a:xfrm>
+        </p:grpSpPr>
+        <p:sp>
+          <p:nvSpPr>
+            <p:cNvPr id="11" name="Cube 10"/>
+            <p:cNvSpPr/>
+            <p:nvPr/>
+          </p:nvSpPr>
+          <p:spPr>
+            <a:xfrm>
+              <a:off x="1717" y="4948"/>
+              <a:ext cx="1701" cy="1057"/>
+            </a:xfrm>
+            <a:prstGeom prst="cube">
+              <a:avLst/>
+            </a:prstGeom>
+            <a:solidFill>
+              <a:srgbClr val="92D050"/>
+            </a:solidFill>
+            <a:ln>
+              <a:solidFill>
+                <a:srgbClr val="92D050"/>
+              </a:solidFill>
+            </a:ln>
+          </p:spPr>
+          <p:style>
+            <a:lnRef idx="3">
+              <a:schemeClr val="lt1"/>
+            </a:lnRef>
+            <a:fillRef idx="1">
+              <a:schemeClr val="accent6"/>
+            </a:fillRef>
+            <a:effectRef idx="1">
+              <a:schemeClr val="accent6"/>
+            </a:effectRef>
+            <a:fontRef idx="minor">
+              <a:schemeClr val="lt1"/>
+            </a:fontRef>
+          </p:style>
+          <p:txBody>
+            <a:bodyPr rtlCol="0" anchor="ctr"/>
+            <a:p>
+              <a:pPr algn="ctr"/>
+              <a:endParaRPr lang="en-US"/>
+            </a:p>
+          </p:txBody>
+        </p:sp>
+        <p:sp>
+          <p:nvSpPr>
+            <p:cNvPr id="12" name="Text Box 11"/>
+            <p:cNvSpPr txBox="1"/>
+            <p:nvPr/>
+          </p:nvSpPr>
+          <p:spPr>
+            <a:xfrm>
+              <a:off x="2071" y="5357"/>
+              <a:ext cx="754" cy="434"/>
+            </a:xfrm>
+            <a:prstGeom prst="rect">
+              <a:avLst/>
+            </a:prstGeom>
+            <a:noFill/>
+            <a:ln>
+              <a:solidFill>
+                <a:srgbClr val="92D050"/>
+              </a:solidFill>
+            </a:ln>
+          </p:spPr>
+          <p:txBody>
+            <a:bodyPr wrap="none" rtlCol="0">
+              <a:spAutoFit/>
+            </a:bodyPr>
+            <a:p>
+              <a:r>
+                <a:rPr lang="en-US" altLang="en-US" sz="1200">
+                  <a:latin typeface="Times New Roman" panose="02020603050405020304" charset="0"/>
+                  <a:cs typeface="Times New Roman" panose="02020603050405020304" charset="0"/>
+                </a:rPr>
+                <a:t>RPN</a:t>
+              </a:r>
+              <a:endParaRPr lang="en-US" altLang="en-US" sz="1200">
+                <a:latin typeface="Times New Roman" panose="02020603050405020304" charset="0"/>
+                <a:cs typeface="Times New Roman" panose="02020603050405020304" charset="0"/>
+              </a:endParaRPr>
+            </a:p>
+          </p:txBody>
+        </p:sp>
+      </p:grpSp>
+      <p:sp>
+        <p:nvSpPr>
+          <p:cNvPr id="31" name="Right Arrow 30"/>
+          <p:cNvSpPr/>
+          <p:nvPr/>
+        </p:nvSpPr>
+        <p:spPr>
+          <a:xfrm>
+            <a:off x="2234565" y="3307080"/>
+            <a:ext cx="566420" cy="182880"/>
+          </a:xfrm>
+          <a:prstGeom prst="rightArrow">
+            <a:avLst/>
+          </a:prstGeom>
+          <a:solidFill>
+            <a:srgbClr val="92D050"/>
+          </a:solidFill>
+          <a:ln>
+            <a:noFill/>
+          </a:ln>
+        </p:spPr>
+        <p:style>
+          <a:lnRef idx="2">
+            <a:schemeClr val="accent1">
+              <a:shade val="50000"/>
+            </a:schemeClr>
+          </a:lnRef>
+          <a:fillRef idx="1">
+            <a:schemeClr val="accent1"/>
+          </a:fillRef>
+          <a:effectRef idx="0">
+            <a:schemeClr val="accent1"/>
+          </a:effectRef>
+          <a:fontRef idx="minor">
+            <a:schemeClr val="lt1"/>
+          </a:fontRef>
+        </p:style>
+        <p:txBody>
+          <a:bodyPr rtlCol="0" anchor="ctr"/>
+          <a:p>
+            <a:pPr algn="ctr"/>
+            <a:endParaRPr lang="en-US"/>
+          </a:p>
+        </p:txBody>
+      </p:sp>
+      <p:cxnSp>
+        <p:nvCxnSpPr>
+          <p:cNvPr id="68" name="Straight Arrow Connector 67"/>
+          <p:cNvCxnSpPr/>
+          <p:nvPr/>
+        </p:nvCxnSpPr>
+        <p:spPr>
+          <a:xfrm flipH="1" flipV="1">
+            <a:off x="10161270" y="3183890"/>
+            <a:ext cx="76200" cy="187325"/>
+          </a:xfrm>
+          <a:prstGeom prst="straightConnector1">
+            <a:avLst/>
+          </a:prstGeom>
+          <a:ln w="12700">
+            <a:solidFill>
+              <a:srgbClr val="BC8C00"/>
+            </a:solidFill>
+            <a:headEnd type="none" w="med" len="med"/>
+            <a:tailEnd type="triangle" w="med" len="med"/>
+          </a:ln>
+        </p:spPr>
+        <p:style>
+          <a:lnRef idx="1">
+            <a:schemeClr val="accent1"/>
+          </a:lnRef>
+          <a:fillRef idx="0">
+            <a:schemeClr val="accent1"/>
+          </a:fillRef>
+          <a:effectRef idx="0">
+            <a:schemeClr val="accent1"/>
+          </a:effectRef>
+          <a:fontRef idx="minor">
+            <a:schemeClr val="tx1"/>
+          </a:fontRef>
+        </p:style>
+      </p:cxnSp>
+      <p:sp>
+        <p:nvSpPr>
+          <p:cNvPr id="82" name="Rectangle 81"/>
+          <p:cNvSpPr/>
+          <p:nvPr/>
+        </p:nvSpPr>
+        <p:spPr>
+          <a:xfrm rot="5400000">
+            <a:off x="11159490" y="3053715"/>
+            <a:ext cx="155575" cy="284480"/>
+          </a:xfrm>
+          <a:prstGeom prst="rect">
+            <a:avLst/>
+          </a:prstGeom>
+          <a:solidFill>
+            <a:srgbClr val="FFFFFF">
+              <a:alpha val="47000"/>
+            </a:srgbClr>
+          </a:solidFill>
+          <a:ln>
+            <a:prstDash val="dashDot"/>
+          </a:ln>
+        </p:spPr>
+        <p:style>
+          <a:lnRef idx="2">
+            <a:schemeClr val="accent1">
+              <a:shade val="50000"/>
+            </a:schemeClr>
+          </a:lnRef>
+          <a:fillRef idx="1">
+            <a:schemeClr val="accent1"/>
+          </a:fillRef>
+          <a:effectRef idx="0">
+            <a:schemeClr val="accent1"/>
+          </a:effectRef>
+          <a:fontRef idx="minor">
+            <a:schemeClr val="lt1"/>
+          </a:fontRef>
+        </p:style>
+        <p:txBody>
+          <a:bodyPr rtlCol="0" anchor="ctr"/>
+          <a:p>
+            <a:pPr algn="ctr"/>
+            <a:endParaRPr lang="en-US"/>
+          </a:p>
+        </p:txBody>
+      </p:sp>
+      <p:sp>
+        <p:nvSpPr>
+          <p:cNvPr id="95" name="Text Box 94"/>
+          <p:cNvSpPr txBox="1"/>
+          <p:nvPr/>
+        </p:nvSpPr>
+        <p:spPr>
+          <a:xfrm>
+            <a:off x="10456545" y="3943350"/>
+            <a:ext cx="619760" cy="275590"/>
+          </a:xfrm>
+          <a:prstGeom prst="rect">
+            <a:avLst/>
+          </a:prstGeom>
+          <a:noFill/>
+        </p:spPr>
+        <p:txBody>
+          <a:bodyPr wrap="none" rtlCol="0">
+            <a:spAutoFit/>
+          </a:bodyPr>
+          <a:p>
+            <a:r>
+              <a:rPr lang="" altLang="en-US" sz="1200">
+                <a:latin typeface="Times New Roman" panose="02020603050405020304" charset="0"/>
+                <a:cs typeface="Times New Roman" panose="02020603050405020304" charset="0"/>
+              </a:rPr>
+              <a:t>Offsets</a:t>
+            </a:r>
+            <a:endParaRPr lang="" altLang="en-US" sz="1200">
+              <a:latin typeface="Times New Roman" panose="02020603050405020304" charset="0"/>
+              <a:cs typeface="Times New Roman" panose="02020603050405020304" charset="0"/>
+            </a:endParaRPr>
+          </a:p>
+        </p:txBody>
+      </p:sp>
+      <p:sp>
+        <p:nvSpPr>
+          <p:cNvPr id="96" name="Text Box 95"/>
+          <p:cNvSpPr txBox="1"/>
+          <p:nvPr/>
+        </p:nvSpPr>
+        <p:spPr>
+          <a:xfrm>
+            <a:off x="10377805" y="5467985"/>
+            <a:ext cx="869315" cy="275590"/>
+          </a:xfrm>
+          <a:prstGeom prst="rect">
+            <a:avLst/>
+          </a:prstGeom>
+          <a:noFill/>
+        </p:spPr>
+        <p:txBody>
+          <a:bodyPr wrap="none" rtlCol="0">
+            <a:spAutoFit/>
+          </a:bodyPr>
+          <a:p>
+            <a:r>
+              <a:rPr lang="" altLang="en-US" sz="1200">
+                <a:latin typeface="Times New Roman" panose="02020603050405020304" charset="0"/>
+                <a:cs typeface="Times New Roman" panose="02020603050405020304" charset="0"/>
+              </a:rPr>
+              <a:t>Predictions</a:t>
+            </a:r>
+            <a:endParaRPr lang="" altLang="en-US" sz="1200">
+              <a:latin typeface="Times New Roman" panose="02020603050405020304" charset="0"/>
+              <a:cs typeface="Times New Roman" panose="02020603050405020304" charset="0"/>
+            </a:endParaRPr>
+          </a:p>
+        </p:txBody>
+      </p:sp>
+      <p:sp>
+        <p:nvSpPr>
+          <p:cNvPr id="97" name="Text Box 96"/>
+          <p:cNvSpPr txBox="1"/>
+          <p:nvPr/>
+        </p:nvSpPr>
+        <p:spPr>
+          <a:xfrm>
+            <a:off x="10264140" y="2203450"/>
+            <a:ext cx="869315" cy="275590"/>
+          </a:xfrm>
+          <a:prstGeom prst="rect">
+            <a:avLst/>
+          </a:prstGeom>
+          <a:noFill/>
+        </p:spPr>
+        <p:txBody>
+          <a:bodyPr wrap="none" rtlCol="0">
+            <a:spAutoFit/>
+          </a:bodyPr>
+          <a:p>
+            <a:r>
+              <a:rPr lang="en-US" altLang="en-US" sz="1200">
+                <a:latin typeface="Times New Roman" panose="02020603050405020304" charset="0"/>
+                <a:cs typeface="Times New Roman" panose="02020603050405020304" charset="0"/>
+              </a:rPr>
+              <a:t>Predictions</a:t>
+            </a:r>
+            <a:endParaRPr lang="en-US" altLang="en-US" sz="1200">
+              <a:latin typeface="Times New Roman" panose="02020603050405020304" charset="0"/>
+              <a:cs typeface="Times New Roman" panose="02020603050405020304" charset="0"/>
+            </a:endParaRPr>
+          </a:p>
+        </p:txBody>
+      </p:sp>
     </p:spTree>
   </p:cSld>
   <p:clrMapOvr>
